--- a/Documentacao/Sobre o projeto/Apresentação Synergy.pptx
+++ b/Documentacao/Sobre o projeto/Apresentação Synergy.pptx
@@ -5,7 +5,7 @@
     <p:sldMasterId id="2147483648" r:id="rId1"/>
   </p:sldMasterIdLst>
   <p:notesMasterIdLst>
-    <p:notesMasterId r:id="rId23"/>
+    <p:notesMasterId r:id="rId24"/>
   </p:notesMasterIdLst>
   <p:sldIdLst>
     <p:sldId id="256" r:id="rId2"/>
@@ -25,10 +25,11 @@
     <p:sldId id="288" r:id="rId16"/>
     <p:sldId id="289" r:id="rId17"/>
     <p:sldId id="290" r:id="rId18"/>
-    <p:sldId id="262" r:id="rId19"/>
+    <p:sldId id="295" r:id="rId19"/>
     <p:sldId id="294" r:id="rId20"/>
     <p:sldId id="293" r:id="rId21"/>
-    <p:sldId id="284" r:id="rId22"/>
+    <p:sldId id="262" r:id="rId22"/>
+    <p:sldId id="284" r:id="rId23"/>
   </p:sldIdLst>
   <p:sldSz cx="12192000" cy="6858000"/>
   <p:notesSz cx="6858000" cy="9144000"/>
@@ -217,7 +218,7 @@
           <a:p>
             <a:fld id="{655F7DB7-5B35-44EF-86DD-30F04B6260EF}" type="datetimeFigureOut">
               <a:rPr lang="pt-BR" smtClean="0"/>
-              <a:t>27/06/2020</a:t>
+              <a:t>28/06/2020</a:t>
             </a:fld>
             <a:endParaRPr lang="pt-BR"/>
           </a:p>
@@ -631,7 +632,7 @@
           <a:p>
             <a:fld id="{15B003F1-72A3-4565-B369-F67C067E940D}" type="datetimeFigureOut">
               <a:rPr lang="pt-BR" smtClean="0"/>
-              <a:t>27/06/2020</a:t>
+              <a:t>28/06/2020</a:t>
             </a:fld>
             <a:endParaRPr lang="pt-BR"/>
           </a:p>
@@ -832,7 +833,7 @@
           <a:p>
             <a:fld id="{15B003F1-72A3-4565-B369-F67C067E940D}" type="datetimeFigureOut">
               <a:rPr lang="pt-BR" smtClean="0"/>
-              <a:t>27/06/2020</a:t>
+              <a:t>28/06/2020</a:t>
             </a:fld>
             <a:endParaRPr lang="pt-BR"/>
           </a:p>
@@ -1043,7 +1044,7 @@
           <a:p>
             <a:fld id="{15B003F1-72A3-4565-B369-F67C067E940D}" type="datetimeFigureOut">
               <a:rPr lang="pt-BR" smtClean="0"/>
-              <a:t>27/06/2020</a:t>
+              <a:t>28/06/2020</a:t>
             </a:fld>
             <a:endParaRPr lang="pt-BR"/>
           </a:p>
@@ -1244,7 +1245,7 @@
           <a:p>
             <a:fld id="{15B003F1-72A3-4565-B369-F67C067E940D}" type="datetimeFigureOut">
               <a:rPr lang="pt-BR" smtClean="0"/>
-              <a:t>27/06/2020</a:t>
+              <a:t>28/06/2020</a:t>
             </a:fld>
             <a:endParaRPr lang="pt-BR"/>
           </a:p>
@@ -1522,7 +1523,7 @@
           <a:p>
             <a:fld id="{15B003F1-72A3-4565-B369-F67C067E940D}" type="datetimeFigureOut">
               <a:rPr lang="pt-BR" smtClean="0"/>
-              <a:t>27/06/2020</a:t>
+              <a:t>28/06/2020</a:t>
             </a:fld>
             <a:endParaRPr lang="pt-BR"/>
           </a:p>
@@ -1790,7 +1791,7 @@
           <a:p>
             <a:fld id="{15B003F1-72A3-4565-B369-F67C067E940D}" type="datetimeFigureOut">
               <a:rPr lang="pt-BR" smtClean="0"/>
-              <a:t>27/06/2020</a:t>
+              <a:t>28/06/2020</a:t>
             </a:fld>
             <a:endParaRPr lang="pt-BR"/>
           </a:p>
@@ -2205,7 +2206,7 @@
           <a:p>
             <a:fld id="{15B003F1-72A3-4565-B369-F67C067E940D}" type="datetimeFigureOut">
               <a:rPr lang="pt-BR" smtClean="0"/>
-              <a:t>27/06/2020</a:t>
+              <a:t>28/06/2020</a:t>
             </a:fld>
             <a:endParaRPr lang="pt-BR"/>
           </a:p>
@@ -2349,7 +2350,7 @@
           <a:p>
             <a:fld id="{15B003F1-72A3-4565-B369-F67C067E940D}" type="datetimeFigureOut">
               <a:rPr lang="pt-BR" smtClean="0"/>
-              <a:t>27/06/2020</a:t>
+              <a:t>28/06/2020</a:t>
             </a:fld>
             <a:endParaRPr lang="pt-BR"/>
           </a:p>
@@ -2465,7 +2466,7 @@
           <a:p>
             <a:fld id="{15B003F1-72A3-4565-B369-F67C067E940D}" type="datetimeFigureOut">
               <a:rPr lang="pt-BR" smtClean="0"/>
-              <a:t>27/06/2020</a:t>
+              <a:t>28/06/2020</a:t>
             </a:fld>
             <a:endParaRPr lang="pt-BR"/>
           </a:p>
@@ -2779,7 +2780,7 @@
           <a:p>
             <a:fld id="{15B003F1-72A3-4565-B369-F67C067E940D}" type="datetimeFigureOut">
               <a:rPr lang="pt-BR" smtClean="0"/>
-              <a:t>27/06/2020</a:t>
+              <a:t>28/06/2020</a:t>
             </a:fld>
             <a:endParaRPr lang="pt-BR"/>
           </a:p>
@@ -3070,7 +3071,7 @@
           <a:p>
             <a:fld id="{15B003F1-72A3-4565-B369-F67C067E940D}" type="datetimeFigureOut">
               <a:rPr lang="pt-BR" smtClean="0"/>
-              <a:t>27/06/2020</a:t>
+              <a:t>28/06/2020</a:t>
             </a:fld>
             <a:endParaRPr lang="pt-BR"/>
           </a:p>
@@ -3314,7 +3315,7 @@
           <a:p>
             <a:fld id="{15B003F1-72A3-4565-B369-F67C067E940D}" type="datetimeFigureOut">
               <a:rPr lang="pt-BR" smtClean="0"/>
-              <a:t>27/06/2020</a:t>
+              <a:t>28/06/2020</a:t>
             </a:fld>
             <a:endParaRPr lang="pt-BR"/>
           </a:p>
@@ -3784,7 +3785,7 @@
         </p:nvSpPr>
         <p:spPr>
           <a:xfrm>
-            <a:off x="3002257" y="3597392"/>
+            <a:off x="3170933" y="3100243"/>
             <a:ext cx="5978474" cy="1938992"/>
           </a:xfrm>
           <a:prstGeom prst="rect">
@@ -4313,8 +4314,8 @@
         </p:nvSpPr>
         <p:spPr>
           <a:xfrm>
-            <a:off x="1517705" y="4199547"/>
-            <a:ext cx="2171426" cy="476794"/>
+            <a:off x="1127087" y="4197180"/>
+            <a:ext cx="2796843" cy="476794"/>
           </a:xfrm>
           <a:prstGeom prst="rect">
             <a:avLst/>
@@ -4503,7 +4504,7 @@
                 </a:solidFill>
                 <a:latin typeface="HERO" panose="00000500000000000000" pitchFamily="50" charset="0"/>
               </a:rPr>
-              <a:t>Software para gestão de projetos.</a:t>
+              <a:t>Repositório em nuvem para a atualização do projeto</a:t>
             </a:r>
           </a:p>
         </p:txBody>
@@ -5118,7 +5119,7 @@
         <p:spPr>
           <a:xfrm>
             <a:off x="254875" y="2120324"/>
-            <a:ext cx="8274270" cy="4031873"/>
+            <a:ext cx="6883977" cy="4031873"/>
           </a:xfrm>
           <a:prstGeom prst="rect">
             <a:avLst/>
@@ -7307,7 +7308,7 @@
         </p:blipFill>
         <p:spPr>
           <a:xfrm>
-            <a:off x="3405102" y="4364412"/>
+            <a:off x="3258987" y="600147"/>
             <a:ext cx="732390" cy="732390"/>
           </a:xfrm>
           <a:prstGeom prst="rect">
@@ -7824,33 +7825,6 @@
                                           </p:stCondLst>
                                         </p:cTn>
                                         <p:tgtEl>
-                                          <p:spTgt spid="59"/>
-                                        </p:tgtEl>
-                                        <p:attrNameLst>
-                                          <p:attrName>style.visibility</p:attrName>
-                                        </p:attrNameLst>
-                                      </p:cBhvr>
-                                      <p:to>
-                                        <p:strVal val="visible"/>
-                                      </p:to>
-                                    </p:set>
-                                  </p:childTnLst>
-                                </p:cTn>
-                              </p:par>
-                              <p:par>
-                                <p:cTn id="35" presetID="1" presetClass="entr" presetSubtype="0" fill="hold" nodeType="withEffect">
-                                  <p:stCondLst>
-                                    <p:cond delay="0"/>
-                                  </p:stCondLst>
-                                  <p:childTnLst>
-                                    <p:set>
-                                      <p:cBhvr>
-                                        <p:cTn id="36" dur="1" fill="hold">
-                                          <p:stCondLst>
-                                            <p:cond delay="0"/>
-                                          </p:stCondLst>
-                                        </p:cTn>
-                                        <p:tgtEl>
                                           <p:spTgt spid="58"/>
                                         </p:tgtEl>
                                         <p:attrNameLst>
@@ -7865,14 +7839,14 @@
                                 </p:cTn>
                               </p:par>
                               <p:par>
-                                <p:cTn id="37" presetID="1" presetClass="entr" presetSubtype="0" fill="hold" grpId="0" nodeType="withEffect">
+                                <p:cTn id="35" presetID="1" presetClass="entr" presetSubtype="0" fill="hold" grpId="0" nodeType="withEffect">
                                   <p:stCondLst>
                                     <p:cond delay="0"/>
                                   </p:stCondLst>
                                   <p:childTnLst>
                                     <p:set>
                                       <p:cBhvr>
-                                        <p:cTn id="38" dur="1" fill="hold">
+                                        <p:cTn id="36" dur="1" fill="hold">
                                           <p:stCondLst>
                                             <p:cond delay="0"/>
                                           </p:stCondLst>
@@ -7898,19 +7872,46 @@
                     </p:cTn>
                   </p:par>
                   <p:par>
-                    <p:cTn id="39" fill="hold">
+                    <p:cTn id="37" fill="hold">
                       <p:stCondLst>
                         <p:cond delay="indefinite"/>
                       </p:stCondLst>
                       <p:childTnLst>
                         <p:par>
-                          <p:cTn id="40" fill="hold">
+                          <p:cTn id="38" fill="hold">
                             <p:stCondLst>
                               <p:cond delay="0"/>
                             </p:stCondLst>
                             <p:childTnLst>
                               <p:par>
-                                <p:cTn id="41" presetID="1" presetClass="entr" presetSubtype="0" fill="hold" nodeType="clickEffect">
+                                <p:cTn id="39" presetID="1" presetClass="entr" presetSubtype="0" fill="hold" nodeType="clickEffect">
+                                  <p:stCondLst>
+                                    <p:cond delay="0"/>
+                                  </p:stCondLst>
+                                  <p:childTnLst>
+                                    <p:set>
+                                      <p:cBhvr>
+                                        <p:cTn id="40" dur="1" fill="hold">
+                                          <p:stCondLst>
+                                            <p:cond delay="0"/>
+                                          </p:stCondLst>
+                                        </p:cTn>
+                                        <p:tgtEl>
+                                          <p:spTgt spid="40"/>
+                                        </p:tgtEl>
+                                        <p:attrNameLst>
+                                          <p:attrName>style.visibility</p:attrName>
+                                        </p:attrNameLst>
+                                      </p:cBhvr>
+                                      <p:to>
+                                        <p:strVal val="visible"/>
+                                      </p:to>
+                                    </p:set>
+                                  </p:childTnLst>
+                                </p:cTn>
+                              </p:par>
+                              <p:par>
+                                <p:cTn id="41" presetID="1" presetClass="entr" presetSubtype="0" fill="hold" nodeType="withEffect">
                                   <p:stCondLst>
                                     <p:cond delay="0"/>
                                   </p:stCondLst>
@@ -7923,7 +7924,7 @@
                                           </p:stCondLst>
                                         </p:cTn>
                                         <p:tgtEl>
-                                          <p:spTgt spid="40"/>
+                                          <p:spTgt spid="59"/>
                                         </p:tgtEl>
                                         <p:attrNameLst>
                                           <p:attrName>style.visibility</p:attrName>
@@ -8085,7 +8086,7 @@
                                           </p:stCondLst>
                                         </p:cTn>
                                         <p:tgtEl>
-                                          <p:spTgt spid="41"/>
+                                          <p:spTgt spid="4"/>
                                         </p:tgtEl>
                                         <p:attrNameLst>
                                           <p:attrName>style.visibility</p:attrName>
@@ -8112,7 +8113,7 @@
                                           </p:stCondLst>
                                         </p:cTn>
                                         <p:tgtEl>
-                                          <p:spTgt spid="4"/>
+                                          <p:spTgt spid="41"/>
                                         </p:tgtEl>
                                         <p:attrNameLst>
                                           <p:attrName>style.visibility</p:attrName>
@@ -8840,7 +8841,7 @@
         </p:blipFill>
         <p:spPr>
           <a:xfrm>
-            <a:off x="1329450" y="2857499"/>
+            <a:off x="1510425" y="2221482"/>
             <a:ext cx="1476636" cy="1476636"/>
           </a:xfrm>
           <a:prstGeom prst="rect">
@@ -8876,7 +8877,7 @@
         </p:blipFill>
         <p:spPr>
           <a:xfrm>
-            <a:off x="5265956" y="4212129"/>
+            <a:off x="5160607" y="3576112"/>
             <a:ext cx="2170255" cy="1714501"/>
           </a:xfrm>
           <a:prstGeom prst="rect">
@@ -8912,7 +8913,7 @@
         </p:blipFill>
         <p:spPr>
           <a:xfrm>
-            <a:off x="8853309" y="3154784"/>
+            <a:off x="9442185" y="3615266"/>
             <a:ext cx="1714500" cy="1714500"/>
           </a:xfrm>
           <a:prstGeom prst="rect">
@@ -8948,7 +8949,7 @@
         </p:blipFill>
         <p:spPr>
           <a:xfrm>
-            <a:off x="483708" y="5069380"/>
+            <a:off x="664683" y="4433363"/>
             <a:ext cx="3467100" cy="1314450"/>
           </a:xfrm>
           <a:prstGeom prst="rect">
@@ -8972,7 +8973,7 @@
         </p:nvCxnSpPr>
         <p:spPr>
           <a:xfrm rot="5400000">
-            <a:off x="901608" y="4186242"/>
+            <a:off x="1082583" y="3550225"/>
             <a:ext cx="873918" cy="731045"/>
           </a:xfrm>
           <a:prstGeom prst="bentConnector3">
@@ -9015,7 +9016,7 @@
         </p:nvCxnSpPr>
         <p:spPr>
           <a:xfrm rot="16200000" flipH="1">
-            <a:off x="2690245" y="4233135"/>
+            <a:off x="2871220" y="3597118"/>
             <a:ext cx="770402" cy="685064"/>
           </a:xfrm>
           <a:prstGeom prst="bentConnector3">
@@ -9056,7 +9057,7 @@
         </p:nvCxnSpPr>
         <p:spPr>
           <a:xfrm>
-            <a:off x="2217258" y="4337541"/>
+            <a:off x="2398233" y="3701524"/>
             <a:ext cx="0" cy="531743"/>
           </a:xfrm>
           <a:prstGeom prst="straightConnector1">
@@ -9109,7 +9110,7 @@
         </p:blipFill>
         <p:spPr>
           <a:xfrm>
-            <a:off x="5490099" y="1873847"/>
+            <a:off x="5353638" y="1931998"/>
             <a:ext cx="1721970" cy="1721970"/>
           </a:xfrm>
           <a:prstGeom prst="rect">
@@ -9273,6 +9274,123 @@
           </a:prstGeom>
         </p:spPr>
       </p:pic>
+      <p:cxnSp>
+        <p:nvCxnSpPr>
+          <p:cNvPr id="3" name="Conector de Seta Reta 2">
+            <a:extLst>
+              <a:ext uri="{FF2B5EF4-FFF2-40B4-BE49-F238E27FC236}">
+                <a16:creationId xmlns:a16="http://schemas.microsoft.com/office/drawing/2014/main" id="{462E5B5B-3AF1-4ED5-83AE-E9369BA67C37}"/>
+              </a:ext>
+            </a:extLst>
+          </p:cNvPr>
+          <p:cNvCxnSpPr/>
+          <p:nvPr/>
+        </p:nvCxnSpPr>
+        <p:spPr>
+          <a:xfrm>
+            <a:off x="3029668" y="2792983"/>
+            <a:ext cx="2122802" cy="0"/>
+          </a:xfrm>
+          <a:prstGeom prst="straightConnector1">
+            <a:avLst/>
+          </a:prstGeom>
+          <a:ln>
+            <a:tailEnd type="triangle"/>
+          </a:ln>
+        </p:spPr>
+        <p:style>
+          <a:lnRef idx="1">
+            <a:schemeClr val="accent1"/>
+          </a:lnRef>
+          <a:fillRef idx="0">
+            <a:schemeClr val="accent1"/>
+          </a:fillRef>
+          <a:effectRef idx="0">
+            <a:schemeClr val="accent1"/>
+          </a:effectRef>
+          <a:fontRef idx="minor">
+            <a:schemeClr val="tx1"/>
+          </a:fontRef>
+        </p:style>
+      </p:cxnSp>
+      <p:cxnSp>
+        <p:nvCxnSpPr>
+          <p:cNvPr id="11" name="Conector de Seta Reta 10">
+            <a:extLst>
+              <a:ext uri="{FF2B5EF4-FFF2-40B4-BE49-F238E27FC236}">
+                <a16:creationId xmlns:a16="http://schemas.microsoft.com/office/drawing/2014/main" id="{35361669-E6F1-4B71-8DFD-228397D6B273}"/>
+              </a:ext>
+            </a:extLst>
+          </p:cNvPr>
+          <p:cNvCxnSpPr/>
+          <p:nvPr/>
+        </p:nvCxnSpPr>
+        <p:spPr>
+          <a:xfrm flipH="1">
+            <a:off x="7330862" y="4539665"/>
+            <a:ext cx="1994113" cy="0"/>
+          </a:xfrm>
+          <a:prstGeom prst="straightConnector1">
+            <a:avLst/>
+          </a:prstGeom>
+          <a:ln>
+            <a:tailEnd type="triangle"/>
+          </a:ln>
+        </p:spPr>
+        <p:style>
+          <a:lnRef idx="1">
+            <a:schemeClr val="accent1"/>
+          </a:lnRef>
+          <a:fillRef idx="0">
+            <a:schemeClr val="accent1"/>
+          </a:fillRef>
+          <a:effectRef idx="0">
+            <a:schemeClr val="accent1"/>
+          </a:effectRef>
+          <a:fontRef idx="minor">
+            <a:schemeClr val="tx1"/>
+          </a:fontRef>
+        </p:style>
+      </p:cxnSp>
+      <p:cxnSp>
+        <p:nvCxnSpPr>
+          <p:cNvPr id="13" name="Conector de Seta Reta 12">
+            <a:extLst>
+              <a:ext uri="{FF2B5EF4-FFF2-40B4-BE49-F238E27FC236}">
+                <a16:creationId xmlns:a16="http://schemas.microsoft.com/office/drawing/2014/main" id="{84FD8491-68BB-415C-A7A7-5C7AB8BB99C3}"/>
+              </a:ext>
+            </a:extLst>
+          </p:cNvPr>
+          <p:cNvCxnSpPr/>
+          <p:nvPr/>
+        </p:nvCxnSpPr>
+        <p:spPr>
+          <a:xfrm>
+            <a:off x="6146769" y="3110360"/>
+            <a:ext cx="0" cy="275207"/>
+          </a:xfrm>
+          <a:prstGeom prst="straightConnector1">
+            <a:avLst/>
+          </a:prstGeom>
+          <a:ln>
+            <a:tailEnd type="triangle"/>
+          </a:ln>
+        </p:spPr>
+        <p:style>
+          <a:lnRef idx="1">
+            <a:schemeClr val="accent1"/>
+          </a:lnRef>
+          <a:fillRef idx="0">
+            <a:schemeClr val="accent1"/>
+          </a:fillRef>
+          <a:effectRef idx="0">
+            <a:schemeClr val="accent1"/>
+          </a:effectRef>
+          <a:fontRef idx="minor">
+            <a:schemeClr val="tx1"/>
+          </a:fontRef>
+        </p:style>
+      </p:cxnSp>
     </p:spTree>
     <p:extLst>
       <p:ext uri="{BB962C8B-B14F-4D97-AF65-F5344CB8AC3E}">
@@ -9371,10 +9489,10 @@
       </p:sp>
       <p:pic>
         <p:nvPicPr>
-          <p:cNvPr id="2" name="Imagem 1">
-            <a:extLst>
-              <a:ext uri="{FF2B5EF4-FFF2-40B4-BE49-F238E27FC236}">
-                <a16:creationId xmlns:a16="http://schemas.microsoft.com/office/drawing/2014/main" id="{35D65CFE-7E0E-45DC-8416-7A454895A92F}"/>
+          <p:cNvPr id="5" name="Imagem 4" descr="Uma imagem contendo texto, desenho&#10;&#10;Descrição gerada automaticamente">
+            <a:extLst>
+              <a:ext uri="{FF2B5EF4-FFF2-40B4-BE49-F238E27FC236}">
+                <a16:creationId xmlns:a16="http://schemas.microsoft.com/office/drawing/2014/main" id="{1A3FCA4C-2226-478E-A232-5849EDCE3474}"/>
               </a:ext>
             </a:extLst>
           </p:cNvPr>
@@ -9384,15 +9502,21 @@
           <p:nvPr/>
         </p:nvPicPr>
         <p:blipFill>
-          <a:blip r:embed="rId2"/>
+          <a:blip r:embed="rId2" cstate="hqprint">
+            <a:extLst>
+              <a:ext uri="{28A0092B-C50C-407E-A947-70E740481C1C}">
+                <a14:useLocalDpi xmlns:a14="http://schemas.microsoft.com/office/drawing/2010/main" val="0"/>
+              </a:ext>
+            </a:extLst>
+          </a:blip>
           <a:stretch>
             <a:fillRect/>
           </a:stretch>
         </p:blipFill>
         <p:spPr>
           <a:xfrm>
-            <a:off x="2550347" y="1558249"/>
-            <a:ext cx="7091305" cy="5299751"/>
+            <a:off x="11371740" y="365125"/>
+            <a:ext cx="599846" cy="535577"/>
           </a:xfrm>
           <a:prstGeom prst="rect">
             <a:avLst/>
@@ -9401,10 +9525,10 @@
       </p:pic>
       <p:pic>
         <p:nvPicPr>
-          <p:cNvPr id="5" name="Imagem 4" descr="Uma imagem contendo texto, desenho&#10;&#10;Descrição gerada automaticamente">
-            <a:extLst>
-              <a:ext uri="{FF2B5EF4-FFF2-40B4-BE49-F238E27FC236}">
-                <a16:creationId xmlns:a16="http://schemas.microsoft.com/office/drawing/2014/main" id="{1A3FCA4C-2226-478E-A232-5849EDCE3474}"/>
+          <p:cNvPr id="3" name="Imagem 2">
+            <a:extLst>
+              <a:ext uri="{FF2B5EF4-FFF2-40B4-BE49-F238E27FC236}">
+                <a16:creationId xmlns:a16="http://schemas.microsoft.com/office/drawing/2014/main" id="{8E4FA064-9DE1-4FBA-9421-42BF980EEADB}"/>
               </a:ext>
             </a:extLst>
           </p:cNvPr>
@@ -9414,21 +9538,15 @@
           <p:nvPr/>
         </p:nvPicPr>
         <p:blipFill>
-          <a:blip r:embed="rId3" cstate="hqprint">
-            <a:extLst>
-              <a:ext uri="{28A0092B-C50C-407E-A947-70E740481C1C}">
-                <a14:useLocalDpi xmlns:a14="http://schemas.microsoft.com/office/drawing/2010/main" val="0"/>
-              </a:ext>
-            </a:extLst>
-          </a:blip>
+          <a:blip r:embed="rId3"/>
           <a:stretch>
             <a:fillRect/>
           </a:stretch>
         </p:blipFill>
         <p:spPr>
           <a:xfrm>
-            <a:off x="11371740" y="365125"/>
-            <a:ext cx="599846" cy="535577"/>
+            <a:off x="3761570" y="1400174"/>
+            <a:ext cx="4496605" cy="5228431"/>
           </a:xfrm>
           <a:prstGeom prst="rect">
             <a:avLst/>
@@ -9657,7 +9775,7 @@
                     <a:lumOff val="25000"/>
                   </a:schemeClr>
                 </a:solidFill>
-                <a:latin typeface="Bariol Bold" panose="02000506040000020003" pitchFamily="2" charset="0"/>
+                <a:latin typeface="Hero" panose="00000500000000000000" pitchFamily="50" charset="0"/>
               </a:rPr>
               <a:t>Analytics</a:t>
             </a:r>
@@ -9735,6 +9853,2127 @@
       </p:grpSpPr>
       <p:sp>
         <p:nvSpPr>
+          <p:cNvPr id="4" name="Título 1">
+            <a:extLst>
+              <a:ext uri="{FF2B5EF4-FFF2-40B4-BE49-F238E27FC236}">
+                <a16:creationId xmlns:a16="http://schemas.microsoft.com/office/drawing/2014/main" id="{69DB9AD2-FEC0-42F4-BAC6-469367A1506D}"/>
+              </a:ext>
+            </a:extLst>
+          </p:cNvPr>
+          <p:cNvSpPr txBox="1">
+            <a:spLocks/>
+          </p:cNvSpPr>
+          <p:nvPr/>
+        </p:nvSpPr>
+        <p:spPr>
+          <a:xfrm>
+            <a:off x="2697843" y="367393"/>
+            <a:ext cx="6999514" cy="1325563"/>
+          </a:xfrm>
+          <a:prstGeom prst="rect">
+            <a:avLst/>
+          </a:prstGeom>
+        </p:spPr>
+        <p:txBody>
+          <a:bodyPr vert="horz" lIns="91440" tIns="45720" rIns="91440" bIns="45720" rtlCol="0" anchor="ctr">
+            <a:normAutofit/>
+          </a:bodyPr>
+          <a:lstStyle>
+            <a:lvl1pPr algn="l" defTabSz="914400" rtl="0" eaLnBrk="1" latinLnBrk="0" hangingPunct="1">
+              <a:lnSpc>
+                <a:spcPct val="90000"/>
+              </a:lnSpc>
+              <a:spcBef>
+                <a:spcPct val="0"/>
+              </a:spcBef>
+              <a:buNone/>
+              <a:defRPr sz="4400" kern="1200">
+                <a:solidFill>
+                  <a:schemeClr val="tx1"/>
+                </a:solidFill>
+                <a:latin typeface="+mj-lt"/>
+                <a:ea typeface="+mj-ea"/>
+                <a:cs typeface="+mj-cs"/>
+              </a:defRPr>
+            </a:lvl1pPr>
+          </a:lstStyle>
+          <a:p>
+            <a:pPr algn="ctr"/>
+            <a:r>
+              <a:rPr lang="pt-BR" dirty="0">
+                <a:solidFill>
+                  <a:schemeClr val="tx1">
+                    <a:lumMod val="75000"/>
+                    <a:lumOff val="25000"/>
+                  </a:schemeClr>
+                </a:solidFill>
+                <a:latin typeface="HERO" panose="00000500000000000000" pitchFamily="50" charset="0"/>
+              </a:rPr>
+              <a:t>Fluxograma do atendimento ao cliente</a:t>
+            </a:r>
+          </a:p>
+        </p:txBody>
+      </p:sp>
+      <p:pic>
+        <p:nvPicPr>
+          <p:cNvPr id="8" name="Imagem 7" descr="Uma imagem contendo texto, desenho&#10;&#10;Descrição gerada automaticamente">
+            <a:extLst>
+              <a:ext uri="{FF2B5EF4-FFF2-40B4-BE49-F238E27FC236}">
+                <a16:creationId xmlns:a16="http://schemas.microsoft.com/office/drawing/2014/main" id="{CE2FB1BA-131B-4789-8C33-94777226AF2D}"/>
+              </a:ext>
+            </a:extLst>
+          </p:cNvPr>
+          <p:cNvPicPr>
+            <a:picLocks noChangeAspect="1"/>
+          </p:cNvPicPr>
+          <p:nvPr/>
+        </p:nvPicPr>
+        <p:blipFill>
+          <a:blip r:embed="rId2" cstate="hqprint">
+            <a:extLst>
+              <a:ext uri="{28A0092B-C50C-407E-A947-70E740481C1C}">
+                <a14:useLocalDpi xmlns:a14="http://schemas.microsoft.com/office/drawing/2010/main" val="0"/>
+              </a:ext>
+            </a:extLst>
+          </a:blip>
+          <a:stretch>
+            <a:fillRect/>
+          </a:stretch>
+        </p:blipFill>
+        <p:spPr>
+          <a:xfrm>
+            <a:off x="11371740" y="365125"/>
+            <a:ext cx="599846" cy="535577"/>
+          </a:xfrm>
+          <a:prstGeom prst="rect">
+            <a:avLst/>
+          </a:prstGeom>
+        </p:spPr>
+      </p:pic>
+    </p:spTree>
+    <p:extLst>
+      <p:ext uri="{BB962C8B-B14F-4D97-AF65-F5344CB8AC3E}">
+        <p14:creationId xmlns:p14="http://schemas.microsoft.com/office/powerpoint/2010/main" val="3312179100"/>
+      </p:ext>
+    </p:extLst>
+  </p:cSld>
+  <p:clrMapOvr>
+    <a:masterClrMapping/>
+  </p:clrMapOvr>
+  <p:transition>
+    <p:fade/>
+  </p:transition>
+</p:sld>
+</file>
+
+<file path=ppt/slides/slide19.xml><?xml version="1.0" encoding="utf-8"?>
+<p:sld xmlns:a="http://schemas.openxmlformats.org/drawingml/2006/main" xmlns:r="http://schemas.openxmlformats.org/officeDocument/2006/relationships" xmlns:p="http://schemas.openxmlformats.org/presentationml/2006/main">
+  <p:cSld>
+    <p:spTree>
+      <p:nvGrpSpPr>
+        <p:cNvPr id="1" name=""/>
+        <p:cNvGrpSpPr/>
+        <p:nvPr/>
+      </p:nvGrpSpPr>
+      <p:grpSpPr>
+        <a:xfrm>
+          <a:off x="0" y="0"/>
+          <a:ext cx="0" cy="0"/>
+          <a:chOff x="0" y="0"/>
+          <a:chExt cx="0" cy="0"/>
+        </a:xfrm>
+      </p:grpSpPr>
+      <p:pic>
+        <p:nvPicPr>
+          <p:cNvPr id="41" name="Imagem 40">
+            <a:extLst>
+              <a:ext uri="{FF2B5EF4-FFF2-40B4-BE49-F238E27FC236}">
+                <a16:creationId xmlns:a16="http://schemas.microsoft.com/office/drawing/2014/main" id="{A0E446E0-E6F7-4D39-A3CB-C501EB07AD8B}"/>
+              </a:ext>
+            </a:extLst>
+          </p:cNvPr>
+          <p:cNvPicPr>
+            <a:picLocks noChangeAspect="1"/>
+          </p:cNvPicPr>
+          <p:nvPr/>
+        </p:nvPicPr>
+        <p:blipFill>
+          <a:blip r:embed="rId2"/>
+          <a:stretch>
+            <a:fillRect/>
+          </a:stretch>
+        </p:blipFill>
+        <p:spPr>
+          <a:xfrm>
+            <a:off x="4968944" y="1658364"/>
+            <a:ext cx="6178887" cy="4159086"/>
+          </a:xfrm>
+          <a:prstGeom prst="rect">
+            <a:avLst/>
+          </a:prstGeom>
+        </p:spPr>
+      </p:pic>
+      <p:pic>
+        <p:nvPicPr>
+          <p:cNvPr id="43" name="Imagem 42">
+            <a:extLst>
+              <a:ext uri="{FF2B5EF4-FFF2-40B4-BE49-F238E27FC236}">
+                <a16:creationId xmlns:a16="http://schemas.microsoft.com/office/drawing/2014/main" id="{9EE493BD-E2B6-44F2-A6D6-014862672BD5}"/>
+              </a:ext>
+            </a:extLst>
+          </p:cNvPr>
+          <p:cNvPicPr>
+            <a:picLocks noChangeAspect="1"/>
+          </p:cNvPicPr>
+          <p:nvPr/>
+        </p:nvPicPr>
+        <p:blipFill>
+          <a:blip r:embed="rId3"/>
+          <a:stretch>
+            <a:fillRect/>
+          </a:stretch>
+        </p:blipFill>
+        <p:spPr>
+          <a:xfrm>
+            <a:off x="4971858" y="1655321"/>
+            <a:ext cx="6178887" cy="4159087"/>
+          </a:xfrm>
+          <a:prstGeom prst="rect">
+            <a:avLst/>
+          </a:prstGeom>
+        </p:spPr>
+      </p:pic>
+      <p:sp>
+        <p:nvSpPr>
+          <p:cNvPr id="2" name="Título 1">
+            <a:extLst>
+              <a:ext uri="{FF2B5EF4-FFF2-40B4-BE49-F238E27FC236}">
+                <a16:creationId xmlns:a16="http://schemas.microsoft.com/office/drawing/2014/main" id="{9F66FDDD-77DF-41F6-ACEC-61CAD62EAFCF}"/>
+              </a:ext>
+            </a:extLst>
+          </p:cNvPr>
+          <p:cNvSpPr>
+            <a:spLocks noGrp="1"/>
+          </p:cNvSpPr>
+          <p:nvPr>
+            <p:ph type="title"/>
+          </p:nvPr>
+        </p:nvSpPr>
+        <p:spPr>
+          <a:xfrm>
+            <a:off x="706362" y="256282"/>
+            <a:ext cx="9172904" cy="1325563"/>
+          </a:xfrm>
+        </p:spPr>
+        <p:txBody>
+          <a:bodyPr/>
+          <a:lstStyle/>
+          <a:p>
+            <a:r>
+              <a:rPr lang="pt-BR" dirty="0">
+                <a:latin typeface="HERO" panose="00000500000000000000" pitchFamily="50" charset="0"/>
+              </a:rPr>
+              <a:t>Ferramenta de Suporte </a:t>
+            </a:r>
+          </a:p>
+        </p:txBody>
+      </p:sp>
+      <p:cxnSp>
+        <p:nvCxnSpPr>
+          <p:cNvPr id="9" name="Conector reto 8">
+            <a:extLst>
+              <a:ext uri="{FF2B5EF4-FFF2-40B4-BE49-F238E27FC236}">
+                <a16:creationId xmlns:a16="http://schemas.microsoft.com/office/drawing/2014/main" id="{566BC4C1-653A-4EC0-8C52-620D2CA8AAFE}"/>
+              </a:ext>
+            </a:extLst>
+          </p:cNvPr>
+          <p:cNvCxnSpPr>
+            <a:cxnSpLocks/>
+          </p:cNvCxnSpPr>
+          <p:nvPr/>
+        </p:nvCxnSpPr>
+        <p:spPr>
+          <a:xfrm>
+            <a:off x="1064172" y="6038194"/>
+            <a:ext cx="10431519" cy="0"/>
+          </a:xfrm>
+          <a:prstGeom prst="line">
+            <a:avLst/>
+          </a:prstGeom>
+        </p:spPr>
+        <p:style>
+          <a:lnRef idx="1">
+            <a:schemeClr val="accent4"/>
+          </a:lnRef>
+          <a:fillRef idx="0">
+            <a:schemeClr val="accent4"/>
+          </a:fillRef>
+          <a:effectRef idx="0">
+            <a:schemeClr val="accent4"/>
+          </a:effectRef>
+          <a:fontRef idx="minor">
+            <a:schemeClr val="tx1"/>
+          </a:fontRef>
+        </p:style>
+      </p:cxnSp>
+      <p:cxnSp>
+        <p:nvCxnSpPr>
+          <p:cNvPr id="12" name="Conector reto 11">
+            <a:extLst>
+              <a:ext uri="{FF2B5EF4-FFF2-40B4-BE49-F238E27FC236}">
+                <a16:creationId xmlns:a16="http://schemas.microsoft.com/office/drawing/2014/main" id="{B4E296DD-DEDC-4666-8665-776C9B75D8BD}"/>
+              </a:ext>
+            </a:extLst>
+          </p:cNvPr>
+          <p:cNvCxnSpPr>
+            <a:cxnSpLocks/>
+          </p:cNvCxnSpPr>
+          <p:nvPr/>
+        </p:nvCxnSpPr>
+        <p:spPr>
+          <a:xfrm>
+            <a:off x="838199" y="1525151"/>
+            <a:ext cx="10431519" cy="0"/>
+          </a:xfrm>
+          <a:prstGeom prst="line">
+            <a:avLst/>
+          </a:prstGeom>
+        </p:spPr>
+        <p:style>
+          <a:lnRef idx="1">
+            <a:schemeClr val="accent4"/>
+          </a:lnRef>
+          <a:fillRef idx="0">
+            <a:schemeClr val="accent4"/>
+          </a:fillRef>
+          <a:effectRef idx="0">
+            <a:schemeClr val="accent4"/>
+          </a:effectRef>
+          <a:fontRef idx="minor">
+            <a:schemeClr val="tx1"/>
+          </a:fontRef>
+        </p:style>
+      </p:cxnSp>
+      <p:sp>
+        <p:nvSpPr>
+          <p:cNvPr id="13" name="Espaço Reservado para Texto 5">
+            <a:extLst>
+              <a:ext uri="{FF2B5EF4-FFF2-40B4-BE49-F238E27FC236}">
+                <a16:creationId xmlns:a16="http://schemas.microsoft.com/office/drawing/2014/main" id="{9E81C02C-2F98-46FC-9C82-B2460A73A1A1}"/>
+              </a:ext>
+            </a:extLst>
+          </p:cNvPr>
+          <p:cNvSpPr txBox="1">
+            <a:spLocks/>
+          </p:cNvSpPr>
+          <p:nvPr/>
+        </p:nvSpPr>
+        <p:spPr>
+          <a:xfrm>
+            <a:off x="1339463" y="4957402"/>
+            <a:ext cx="2637045" cy="476794"/>
+          </a:xfrm>
+          <a:prstGeom prst="rect">
+            <a:avLst/>
+          </a:prstGeom>
+        </p:spPr>
+        <p:txBody>
+          <a:bodyPr>
+            <a:noAutofit/>
+          </a:bodyPr>
+          <a:lstStyle>
+            <a:lvl1pPr marL="228600" indent="-228600" algn="l" defTabSz="914400" rtl="0" eaLnBrk="1" latinLnBrk="0" hangingPunct="1">
+              <a:lnSpc>
+                <a:spcPct val="90000"/>
+              </a:lnSpc>
+              <a:spcBef>
+                <a:spcPts val="1000"/>
+              </a:spcBef>
+              <a:buFont typeface="Arial" panose="020B0604020202020204" pitchFamily="34" charset="0"/>
+              <a:buChar char="•"/>
+              <a:defRPr sz="2800" kern="1200">
+                <a:solidFill>
+                  <a:schemeClr val="tx1"/>
+                </a:solidFill>
+                <a:latin typeface="+mn-lt"/>
+                <a:ea typeface="+mn-ea"/>
+                <a:cs typeface="+mn-cs"/>
+              </a:defRPr>
+            </a:lvl1pPr>
+            <a:lvl2pPr marL="685800" indent="-228600" algn="l" defTabSz="914400" rtl="0" eaLnBrk="1" latinLnBrk="0" hangingPunct="1">
+              <a:lnSpc>
+                <a:spcPct val="90000"/>
+              </a:lnSpc>
+              <a:spcBef>
+                <a:spcPts val="500"/>
+              </a:spcBef>
+              <a:buFont typeface="Arial" panose="020B0604020202020204" pitchFamily="34" charset="0"/>
+              <a:buChar char="•"/>
+              <a:defRPr sz="2400" kern="1200">
+                <a:solidFill>
+                  <a:schemeClr val="tx1"/>
+                </a:solidFill>
+                <a:latin typeface="+mn-lt"/>
+                <a:ea typeface="+mn-ea"/>
+                <a:cs typeface="+mn-cs"/>
+              </a:defRPr>
+            </a:lvl2pPr>
+            <a:lvl3pPr marL="1143000" indent="-228600" algn="l" defTabSz="914400" rtl="0" eaLnBrk="1" latinLnBrk="0" hangingPunct="1">
+              <a:lnSpc>
+                <a:spcPct val="90000"/>
+              </a:lnSpc>
+              <a:spcBef>
+                <a:spcPts val="500"/>
+              </a:spcBef>
+              <a:buFont typeface="Arial" panose="020B0604020202020204" pitchFamily="34" charset="0"/>
+              <a:buChar char="•"/>
+              <a:defRPr sz="2000" kern="1200">
+                <a:solidFill>
+                  <a:schemeClr val="tx1"/>
+                </a:solidFill>
+                <a:latin typeface="+mn-lt"/>
+                <a:ea typeface="+mn-ea"/>
+                <a:cs typeface="+mn-cs"/>
+              </a:defRPr>
+            </a:lvl3pPr>
+            <a:lvl4pPr marL="1600200" indent="-228600" algn="l" defTabSz="914400" rtl="0" eaLnBrk="1" latinLnBrk="0" hangingPunct="1">
+              <a:lnSpc>
+                <a:spcPct val="90000"/>
+              </a:lnSpc>
+              <a:spcBef>
+                <a:spcPts val="500"/>
+              </a:spcBef>
+              <a:buFont typeface="Arial" panose="020B0604020202020204" pitchFamily="34" charset="0"/>
+              <a:buChar char="•"/>
+              <a:defRPr sz="1800" kern="1200">
+                <a:solidFill>
+                  <a:schemeClr val="tx1"/>
+                </a:solidFill>
+                <a:latin typeface="+mn-lt"/>
+                <a:ea typeface="+mn-ea"/>
+                <a:cs typeface="+mn-cs"/>
+              </a:defRPr>
+            </a:lvl4pPr>
+            <a:lvl5pPr marL="2057400" indent="-228600" algn="l" defTabSz="914400" rtl="0" eaLnBrk="1" latinLnBrk="0" hangingPunct="1">
+              <a:lnSpc>
+                <a:spcPct val="90000"/>
+              </a:lnSpc>
+              <a:spcBef>
+                <a:spcPts val="500"/>
+              </a:spcBef>
+              <a:buFont typeface="Arial" panose="020B0604020202020204" pitchFamily="34" charset="0"/>
+              <a:buChar char="•"/>
+              <a:defRPr sz="1800" kern="1200">
+                <a:solidFill>
+                  <a:schemeClr val="tx1"/>
+                </a:solidFill>
+                <a:latin typeface="+mn-lt"/>
+                <a:ea typeface="+mn-ea"/>
+                <a:cs typeface="+mn-cs"/>
+              </a:defRPr>
+            </a:lvl5pPr>
+            <a:lvl6pPr marL="2514600" indent="-228600" algn="l" defTabSz="914400" rtl="0" eaLnBrk="1" latinLnBrk="0" hangingPunct="1">
+              <a:lnSpc>
+                <a:spcPct val="90000"/>
+              </a:lnSpc>
+              <a:spcBef>
+                <a:spcPts val="500"/>
+              </a:spcBef>
+              <a:buFont typeface="Arial" panose="020B0604020202020204" pitchFamily="34" charset="0"/>
+              <a:buChar char="•"/>
+              <a:defRPr sz="1800" kern="1200">
+                <a:solidFill>
+                  <a:schemeClr val="tx1"/>
+                </a:solidFill>
+                <a:latin typeface="+mn-lt"/>
+                <a:ea typeface="+mn-ea"/>
+                <a:cs typeface="+mn-cs"/>
+              </a:defRPr>
+            </a:lvl6pPr>
+            <a:lvl7pPr marL="2971800" indent="-228600" algn="l" defTabSz="914400" rtl="0" eaLnBrk="1" latinLnBrk="0" hangingPunct="1">
+              <a:lnSpc>
+                <a:spcPct val="90000"/>
+              </a:lnSpc>
+              <a:spcBef>
+                <a:spcPts val="500"/>
+              </a:spcBef>
+              <a:buFont typeface="Arial" panose="020B0604020202020204" pitchFamily="34" charset="0"/>
+              <a:buChar char="•"/>
+              <a:defRPr sz="1800" kern="1200">
+                <a:solidFill>
+                  <a:schemeClr val="tx1"/>
+                </a:solidFill>
+                <a:latin typeface="+mn-lt"/>
+                <a:ea typeface="+mn-ea"/>
+                <a:cs typeface="+mn-cs"/>
+              </a:defRPr>
+            </a:lvl7pPr>
+            <a:lvl8pPr marL="3429000" indent="-228600" algn="l" defTabSz="914400" rtl="0" eaLnBrk="1" latinLnBrk="0" hangingPunct="1">
+              <a:lnSpc>
+                <a:spcPct val="90000"/>
+              </a:lnSpc>
+              <a:spcBef>
+                <a:spcPts val="500"/>
+              </a:spcBef>
+              <a:buFont typeface="Arial" panose="020B0604020202020204" pitchFamily="34" charset="0"/>
+              <a:buChar char="•"/>
+              <a:defRPr sz="1800" kern="1200">
+                <a:solidFill>
+                  <a:schemeClr val="tx1"/>
+                </a:solidFill>
+                <a:latin typeface="+mn-lt"/>
+                <a:ea typeface="+mn-ea"/>
+                <a:cs typeface="+mn-cs"/>
+              </a:defRPr>
+            </a:lvl8pPr>
+            <a:lvl9pPr marL="3886200" indent="-228600" algn="l" defTabSz="914400" rtl="0" eaLnBrk="1" latinLnBrk="0" hangingPunct="1">
+              <a:lnSpc>
+                <a:spcPct val="90000"/>
+              </a:lnSpc>
+              <a:spcBef>
+                <a:spcPts val="500"/>
+              </a:spcBef>
+              <a:buFont typeface="Arial" panose="020B0604020202020204" pitchFamily="34" charset="0"/>
+              <a:buChar char="•"/>
+              <a:defRPr sz="1800" kern="1200">
+                <a:solidFill>
+                  <a:schemeClr val="tx1"/>
+                </a:solidFill>
+                <a:latin typeface="+mn-lt"/>
+                <a:ea typeface="+mn-ea"/>
+                <a:cs typeface="+mn-cs"/>
+              </a:defRPr>
+            </a:lvl9pPr>
+          </a:lstStyle>
+          <a:p>
+            <a:pPr algn="ctr">
+              <a:spcBef>
+                <a:spcPts val="0"/>
+              </a:spcBef>
+            </a:pPr>
+            <a:r>
+              <a:rPr lang="pt-BR" sz="1600" dirty="0">
+                <a:solidFill>
+                  <a:schemeClr val="bg1">
+                    <a:lumMod val="75000"/>
+                  </a:schemeClr>
+                </a:solidFill>
+                <a:latin typeface="HERO" panose="00000500000000000000" pitchFamily="50" charset="0"/>
+              </a:rPr>
+              <a:t>Ferramenta Helpdesk.</a:t>
+            </a:r>
+          </a:p>
+        </p:txBody>
+      </p:sp>
+      <p:pic>
+        <p:nvPicPr>
+          <p:cNvPr id="4" name="Imagem 3" descr="Uma imagem contendo árvore&#10;&#10;Descrição gerada automaticamente">
+            <a:extLst>
+              <a:ext uri="{FF2B5EF4-FFF2-40B4-BE49-F238E27FC236}">
+                <a16:creationId xmlns:a16="http://schemas.microsoft.com/office/drawing/2014/main" id="{D92BC9CE-C924-4223-A24F-C4F92293C831}"/>
+              </a:ext>
+            </a:extLst>
+          </p:cNvPr>
+          <p:cNvPicPr>
+            <a:picLocks noChangeAspect="1"/>
+          </p:cNvPicPr>
+          <p:nvPr/>
+        </p:nvPicPr>
+        <p:blipFill>
+          <a:blip r:embed="rId4">
+            <a:extLst>
+              <a:ext uri="{28A0092B-C50C-407E-A947-70E740481C1C}">
+                <a14:useLocalDpi xmlns:a14="http://schemas.microsoft.com/office/drawing/2010/main" val="0"/>
+              </a:ext>
+            </a:extLst>
+          </a:blip>
+          <a:stretch>
+            <a:fillRect/>
+          </a:stretch>
+        </p:blipFill>
+        <p:spPr>
+          <a:xfrm>
+            <a:off x="1339463" y="1662201"/>
+            <a:ext cx="2457450" cy="2505075"/>
+          </a:xfrm>
+          <a:prstGeom prst="rect">
+            <a:avLst/>
+          </a:prstGeom>
+        </p:spPr>
+      </p:pic>
+      <p:pic>
+        <p:nvPicPr>
+          <p:cNvPr id="10" name="Imagem 9" descr="Uma imagem contendo texto, desenho&#10;&#10;Descrição gerada automaticamente">
+            <a:extLst>
+              <a:ext uri="{FF2B5EF4-FFF2-40B4-BE49-F238E27FC236}">
+                <a16:creationId xmlns:a16="http://schemas.microsoft.com/office/drawing/2014/main" id="{3DD3DC68-24A0-488E-9197-2F57E850E2E6}"/>
+              </a:ext>
+            </a:extLst>
+          </p:cNvPr>
+          <p:cNvPicPr>
+            <a:picLocks noChangeAspect="1"/>
+          </p:cNvPicPr>
+          <p:nvPr/>
+        </p:nvPicPr>
+        <p:blipFill>
+          <a:blip r:embed="rId5" cstate="hqprint">
+            <a:extLst>
+              <a:ext uri="{28A0092B-C50C-407E-A947-70E740481C1C}">
+                <a14:useLocalDpi xmlns:a14="http://schemas.microsoft.com/office/drawing/2010/main" val="0"/>
+              </a:ext>
+            </a:extLst>
+          </a:blip>
+          <a:stretch>
+            <a:fillRect/>
+          </a:stretch>
+        </p:blipFill>
+        <p:spPr>
+          <a:xfrm>
+            <a:off x="11371740" y="365125"/>
+            <a:ext cx="599846" cy="535577"/>
+          </a:xfrm>
+          <a:prstGeom prst="rect">
+            <a:avLst/>
+          </a:prstGeom>
+        </p:spPr>
+      </p:pic>
+      <p:pic>
+        <p:nvPicPr>
+          <p:cNvPr id="39" name="Imagem 38">
+            <a:extLst>
+              <a:ext uri="{FF2B5EF4-FFF2-40B4-BE49-F238E27FC236}">
+                <a16:creationId xmlns:a16="http://schemas.microsoft.com/office/drawing/2014/main" id="{1A47ADCA-36F8-4550-8FA7-5912AE94DDF4}"/>
+              </a:ext>
+            </a:extLst>
+          </p:cNvPr>
+          <p:cNvPicPr>
+            <a:picLocks noChangeAspect="1"/>
+          </p:cNvPicPr>
+          <p:nvPr/>
+        </p:nvPicPr>
+        <p:blipFill>
+          <a:blip r:embed="rId6"/>
+          <a:stretch>
+            <a:fillRect/>
+          </a:stretch>
+        </p:blipFill>
+        <p:spPr>
+          <a:xfrm>
+            <a:off x="4930140" y="1660443"/>
+            <a:ext cx="6217692" cy="4148841"/>
+          </a:xfrm>
+          <a:prstGeom prst="rect">
+            <a:avLst/>
+          </a:prstGeom>
+        </p:spPr>
+      </p:pic>
+      <p:pic>
+        <p:nvPicPr>
+          <p:cNvPr id="36" name="Imagem 35">
+            <a:extLst>
+              <a:ext uri="{FF2B5EF4-FFF2-40B4-BE49-F238E27FC236}">
+                <a16:creationId xmlns:a16="http://schemas.microsoft.com/office/drawing/2014/main" id="{C927F9B8-1EF6-4523-8153-BD718E079D80}"/>
+              </a:ext>
+            </a:extLst>
+          </p:cNvPr>
+          <p:cNvPicPr>
+            <a:picLocks noChangeAspect="1"/>
+          </p:cNvPicPr>
+          <p:nvPr/>
+        </p:nvPicPr>
+        <p:blipFill>
+          <a:blip r:embed="rId7"/>
+          <a:stretch>
+            <a:fillRect/>
+          </a:stretch>
+        </p:blipFill>
+        <p:spPr>
+          <a:xfrm>
+            <a:off x="4927013" y="1655319"/>
+            <a:ext cx="6243907" cy="4144834"/>
+          </a:xfrm>
+          <a:prstGeom prst="rect">
+            <a:avLst/>
+          </a:prstGeom>
+        </p:spPr>
+      </p:pic>
+      <p:sp>
+        <p:nvSpPr>
+          <p:cNvPr id="45" name="Título 1">
+            <a:extLst>
+              <a:ext uri="{FF2B5EF4-FFF2-40B4-BE49-F238E27FC236}">
+                <a16:creationId xmlns:a16="http://schemas.microsoft.com/office/drawing/2014/main" id="{4E039E07-29EE-4C74-8F21-9D4E4B97FC3B}"/>
+              </a:ext>
+            </a:extLst>
+          </p:cNvPr>
+          <p:cNvSpPr txBox="1">
+            <a:spLocks/>
+          </p:cNvSpPr>
+          <p:nvPr/>
+        </p:nvSpPr>
+        <p:spPr>
+          <a:xfrm>
+            <a:off x="1519058" y="3777172"/>
+            <a:ext cx="2457450" cy="1325563"/>
+          </a:xfrm>
+          <a:prstGeom prst="rect">
+            <a:avLst/>
+          </a:prstGeom>
+        </p:spPr>
+        <p:txBody>
+          <a:bodyPr vert="horz" lIns="91440" tIns="45720" rIns="91440" bIns="45720" rtlCol="0" anchor="ctr">
+            <a:normAutofit/>
+          </a:bodyPr>
+          <a:lstStyle>
+            <a:lvl1pPr algn="l" defTabSz="914400" rtl="0" eaLnBrk="1" latinLnBrk="0" hangingPunct="1">
+              <a:lnSpc>
+                <a:spcPct val="90000"/>
+              </a:lnSpc>
+              <a:spcBef>
+                <a:spcPct val="0"/>
+              </a:spcBef>
+              <a:buNone/>
+              <a:defRPr sz="4400" kern="1200">
+                <a:solidFill>
+                  <a:schemeClr val="tx1"/>
+                </a:solidFill>
+                <a:latin typeface="+mj-lt"/>
+                <a:ea typeface="+mj-ea"/>
+                <a:cs typeface="+mj-cs"/>
+              </a:defRPr>
+            </a:lvl1pPr>
+          </a:lstStyle>
+          <a:p>
+            <a:r>
+              <a:rPr lang="pt-BR" sz="2800" dirty="0">
+                <a:latin typeface="HERO" panose="00000500000000000000" pitchFamily="50" charset="0"/>
+              </a:rPr>
+              <a:t>Spiceworks</a:t>
+            </a:r>
+          </a:p>
+        </p:txBody>
+      </p:sp>
+    </p:spTree>
+    <p:extLst>
+      <p:ext uri="{BB962C8B-B14F-4D97-AF65-F5344CB8AC3E}">
+        <p14:creationId xmlns:p14="http://schemas.microsoft.com/office/powerpoint/2010/main" val="4127704790"/>
+      </p:ext>
+    </p:extLst>
+  </p:cSld>
+  <p:clrMapOvr>
+    <a:masterClrMapping/>
+  </p:clrMapOvr>
+  <p:transition>
+    <p:fade/>
+  </p:transition>
+  <p:timing>
+    <p:tnLst>
+      <p:par>
+        <p:cTn id="1" dur="indefinite" restart="never" nodeType="tmRoot">
+          <p:childTnLst>
+            <p:seq concurrent="1" nextAc="seek">
+              <p:cTn id="2" dur="indefinite" nodeType="mainSeq">
+                <p:childTnLst>
+                  <p:par>
+                    <p:cTn id="3" fill="hold">
+                      <p:stCondLst>
+                        <p:cond delay="indefinite"/>
+                      </p:stCondLst>
+                      <p:childTnLst>
+                        <p:par>
+                          <p:cTn id="4" fill="hold">
+                            <p:stCondLst>
+                              <p:cond delay="0"/>
+                            </p:stCondLst>
+                            <p:childTnLst>
+                              <p:par>
+                                <p:cTn id="5" presetID="42" presetClass="path" presetSubtype="0" accel="50000" decel="50000" fill="hold" nodeType="clickEffect">
+                                  <p:stCondLst>
+                                    <p:cond delay="0"/>
+                                  </p:stCondLst>
+                                  <p:childTnLst>
+                                    <p:animMotion origin="layout" path="M 3.75E-6 1.48148E-6 L 0.76627 1.48148E-6 " pathEditMode="relative" rAng="0" ptsTypes="AA">
+                                      <p:cBhvr>
+                                        <p:cTn id="6" dur="2000" fill="hold"/>
+                                        <p:tgtEl>
+                                          <p:spTgt spid="36"/>
+                                        </p:tgtEl>
+                                        <p:attrNameLst>
+                                          <p:attrName>ppt_x</p:attrName>
+                                          <p:attrName>ppt_y</p:attrName>
+                                        </p:attrNameLst>
+                                      </p:cBhvr>
+                                      <p:rCtr x="38307" y="0"/>
+                                    </p:animMotion>
+                                  </p:childTnLst>
+                                </p:cTn>
+                              </p:par>
+                            </p:childTnLst>
+                          </p:cTn>
+                        </p:par>
+                      </p:childTnLst>
+                    </p:cTn>
+                  </p:par>
+                  <p:par>
+                    <p:cTn id="7" fill="hold">
+                      <p:stCondLst>
+                        <p:cond delay="indefinite"/>
+                      </p:stCondLst>
+                      <p:childTnLst>
+                        <p:par>
+                          <p:cTn id="8" fill="hold">
+                            <p:stCondLst>
+                              <p:cond delay="0"/>
+                            </p:stCondLst>
+                            <p:childTnLst>
+                              <p:par>
+                                <p:cTn id="9" presetID="42" presetClass="path" presetSubtype="0" accel="50000" decel="50000" fill="hold" nodeType="clickEffect">
+                                  <p:stCondLst>
+                                    <p:cond delay="0"/>
+                                  </p:stCondLst>
+                                  <p:childTnLst>
+                                    <p:animMotion origin="layout" path="M 5E-6 -4.44444E-6 L 0.79011 -4.44444E-6 " pathEditMode="relative" rAng="0" ptsTypes="AA">
+                                      <p:cBhvr>
+                                        <p:cTn id="10" dur="2000" fill="hold"/>
+                                        <p:tgtEl>
+                                          <p:spTgt spid="39"/>
+                                        </p:tgtEl>
+                                        <p:attrNameLst>
+                                          <p:attrName>ppt_x</p:attrName>
+                                          <p:attrName>ppt_y</p:attrName>
+                                        </p:attrNameLst>
+                                      </p:cBhvr>
+                                      <p:rCtr x="39505" y="0"/>
+                                    </p:animMotion>
+                                  </p:childTnLst>
+                                </p:cTn>
+                              </p:par>
+                            </p:childTnLst>
+                          </p:cTn>
+                        </p:par>
+                      </p:childTnLst>
+                    </p:cTn>
+                  </p:par>
+                  <p:par>
+                    <p:cTn id="11" fill="hold">
+                      <p:stCondLst>
+                        <p:cond delay="indefinite"/>
+                      </p:stCondLst>
+                      <p:childTnLst>
+                        <p:par>
+                          <p:cTn id="12" fill="hold">
+                            <p:stCondLst>
+                              <p:cond delay="0"/>
+                            </p:stCondLst>
+                            <p:childTnLst>
+                              <p:par>
+                                <p:cTn id="13" presetID="42" presetClass="path" presetSubtype="0" accel="50000" decel="50000" fill="hold" nodeType="clickEffect">
+                                  <p:stCondLst>
+                                    <p:cond delay="0"/>
+                                  </p:stCondLst>
+                                  <p:childTnLst>
+                                    <p:animMotion origin="layout" path="M 2.08333E-6 4.07407E-6 L 0.82187 4.07407E-6 " pathEditMode="relative" rAng="0" ptsTypes="AA">
+                                      <p:cBhvr>
+                                        <p:cTn id="14" dur="2000" fill="hold"/>
+                                        <p:tgtEl>
+                                          <p:spTgt spid="43"/>
+                                        </p:tgtEl>
+                                        <p:attrNameLst>
+                                          <p:attrName>ppt_x</p:attrName>
+                                          <p:attrName>ppt_y</p:attrName>
+                                        </p:attrNameLst>
+                                      </p:cBhvr>
+                                      <p:rCtr x="41094" y="0"/>
+                                    </p:animMotion>
+                                  </p:childTnLst>
+                                </p:cTn>
+                              </p:par>
+                            </p:childTnLst>
+                          </p:cTn>
+                        </p:par>
+                      </p:childTnLst>
+                    </p:cTn>
+                  </p:par>
+                </p:childTnLst>
+              </p:cTn>
+              <p:prevCondLst>
+                <p:cond evt="onPrev" delay="0">
+                  <p:tgtEl>
+                    <p:sldTgt/>
+                  </p:tgtEl>
+                </p:cond>
+              </p:prevCondLst>
+              <p:nextCondLst>
+                <p:cond evt="onNext" delay="0">
+                  <p:tgtEl>
+                    <p:sldTgt/>
+                  </p:tgtEl>
+                </p:cond>
+              </p:nextCondLst>
+            </p:seq>
+          </p:childTnLst>
+        </p:cTn>
+      </p:par>
+    </p:tnLst>
+  </p:timing>
+</p:sld>
+</file>
+
+<file path=ppt/slides/slide2.xml><?xml version="1.0" encoding="utf-8"?>
+<p:sld xmlns:a="http://schemas.openxmlformats.org/drawingml/2006/main" xmlns:r="http://schemas.openxmlformats.org/officeDocument/2006/relationships" xmlns:p="http://schemas.openxmlformats.org/presentationml/2006/main">
+  <p:cSld>
+    <p:spTree>
+      <p:nvGrpSpPr>
+        <p:cNvPr id="1" name=""/>
+        <p:cNvGrpSpPr/>
+        <p:nvPr/>
+      </p:nvGrpSpPr>
+      <p:grpSpPr>
+        <a:xfrm>
+          <a:off x="0" y="0"/>
+          <a:ext cx="0" cy="0"/>
+          <a:chOff x="0" y="0"/>
+          <a:chExt cx="0" cy="0"/>
+        </a:xfrm>
+      </p:grpSpPr>
+      <p:sp>
+        <p:nvSpPr>
+          <p:cNvPr id="2" name="Título 1">
+            <a:extLst>
+              <a:ext uri="{FF2B5EF4-FFF2-40B4-BE49-F238E27FC236}">
+                <a16:creationId xmlns:a16="http://schemas.microsoft.com/office/drawing/2014/main" id="{99F76FBE-1BC2-4EE6-B90A-22263BF7BDCD}"/>
+              </a:ext>
+            </a:extLst>
+          </p:cNvPr>
+          <p:cNvSpPr>
+            <a:spLocks noGrp="1"/>
+          </p:cNvSpPr>
+          <p:nvPr>
+            <p:ph type="title"/>
+          </p:nvPr>
+        </p:nvSpPr>
+        <p:spPr/>
+        <p:txBody>
+          <a:bodyPr/>
+          <a:lstStyle/>
+          <a:p>
+            <a:r>
+              <a:rPr lang="pt-BR" dirty="0">
+                <a:solidFill>
+                  <a:schemeClr val="tx1">
+                    <a:lumMod val="75000"/>
+                    <a:lumOff val="25000"/>
+                  </a:schemeClr>
+                </a:solidFill>
+                <a:latin typeface="HERO" panose="00000500000000000000" pitchFamily="50" charset="0"/>
+              </a:rPr>
+              <a:t>Integrantes</a:t>
+            </a:r>
+          </a:p>
+        </p:txBody>
+      </p:sp>
+      <p:sp>
+        <p:nvSpPr>
+          <p:cNvPr id="3" name="Elipse 2">
+            <a:extLst>
+              <a:ext uri="{FF2B5EF4-FFF2-40B4-BE49-F238E27FC236}">
+                <a16:creationId xmlns:a16="http://schemas.microsoft.com/office/drawing/2014/main" id="{F85690BC-8C6C-4F60-80AD-CA39895D3466}"/>
+              </a:ext>
+            </a:extLst>
+          </p:cNvPr>
+          <p:cNvSpPr/>
+          <p:nvPr/>
+        </p:nvSpPr>
+        <p:spPr>
+          <a:xfrm>
+            <a:off x="509451" y="2915295"/>
+            <a:ext cx="1460763" cy="1460763"/>
+          </a:xfrm>
+          <a:prstGeom prst="ellipse">
+            <a:avLst/>
+          </a:prstGeom>
+        </p:spPr>
+        <p:style>
+          <a:lnRef idx="2">
+            <a:schemeClr val="accent1">
+              <a:shade val="50000"/>
+            </a:schemeClr>
+          </a:lnRef>
+          <a:fillRef idx="1">
+            <a:schemeClr val="accent1"/>
+          </a:fillRef>
+          <a:effectRef idx="0">
+            <a:schemeClr val="accent1"/>
+          </a:effectRef>
+          <a:fontRef idx="minor">
+            <a:schemeClr val="lt1"/>
+          </a:fontRef>
+        </p:style>
+        <p:txBody>
+          <a:bodyPr rtlCol="0" anchor="ctr"/>
+          <a:lstStyle/>
+          <a:p>
+            <a:pPr algn="ctr"/>
+            <a:endParaRPr lang="pt-BR" dirty="0">
+              <a:latin typeface="HERO" panose="00000500000000000000" pitchFamily="50" charset="0"/>
+            </a:endParaRPr>
+          </a:p>
+        </p:txBody>
+      </p:sp>
+      <p:sp>
+        <p:nvSpPr>
+          <p:cNvPr id="4" name="Elipse 3">
+            <a:extLst>
+              <a:ext uri="{FF2B5EF4-FFF2-40B4-BE49-F238E27FC236}">
+                <a16:creationId xmlns:a16="http://schemas.microsoft.com/office/drawing/2014/main" id="{CFF7654C-5D02-48DC-8C9D-1DFC556DBA65}"/>
+              </a:ext>
+            </a:extLst>
+          </p:cNvPr>
+          <p:cNvSpPr/>
+          <p:nvPr/>
+        </p:nvSpPr>
+        <p:spPr>
+          <a:xfrm>
+            <a:off x="4294942" y="2915291"/>
+            <a:ext cx="1460763" cy="1460763"/>
+          </a:xfrm>
+          <a:prstGeom prst="ellipse">
+            <a:avLst/>
+          </a:prstGeom>
+        </p:spPr>
+        <p:style>
+          <a:lnRef idx="2">
+            <a:schemeClr val="accent1">
+              <a:shade val="50000"/>
+            </a:schemeClr>
+          </a:lnRef>
+          <a:fillRef idx="1">
+            <a:schemeClr val="accent1"/>
+          </a:fillRef>
+          <a:effectRef idx="0">
+            <a:schemeClr val="accent1"/>
+          </a:effectRef>
+          <a:fontRef idx="minor">
+            <a:schemeClr val="lt1"/>
+          </a:fontRef>
+        </p:style>
+        <p:txBody>
+          <a:bodyPr rtlCol="0" anchor="ctr"/>
+          <a:lstStyle/>
+          <a:p>
+            <a:pPr algn="ctr"/>
+            <a:endParaRPr lang="pt-BR" dirty="0">
+              <a:latin typeface="HERO" panose="00000500000000000000" pitchFamily="50" charset="0"/>
+            </a:endParaRPr>
+          </a:p>
+        </p:txBody>
+      </p:sp>
+      <p:sp>
+        <p:nvSpPr>
+          <p:cNvPr id="5" name="Elipse 4">
+            <a:extLst>
+              <a:ext uri="{FF2B5EF4-FFF2-40B4-BE49-F238E27FC236}">
+                <a16:creationId xmlns:a16="http://schemas.microsoft.com/office/drawing/2014/main" id="{4821C533-B6AD-4FE6-BF89-6B58C131F0CD}"/>
+              </a:ext>
+            </a:extLst>
+          </p:cNvPr>
+          <p:cNvSpPr/>
+          <p:nvPr/>
+        </p:nvSpPr>
+        <p:spPr>
+          <a:xfrm>
+            <a:off x="8434720" y="2915292"/>
+            <a:ext cx="1460763" cy="1460763"/>
+          </a:xfrm>
+          <a:prstGeom prst="ellipse">
+            <a:avLst/>
+          </a:prstGeom>
+        </p:spPr>
+        <p:style>
+          <a:lnRef idx="2">
+            <a:schemeClr val="accent1">
+              <a:shade val="50000"/>
+            </a:schemeClr>
+          </a:lnRef>
+          <a:fillRef idx="1">
+            <a:schemeClr val="accent1"/>
+          </a:fillRef>
+          <a:effectRef idx="0">
+            <a:schemeClr val="accent1"/>
+          </a:effectRef>
+          <a:fontRef idx="minor">
+            <a:schemeClr val="lt1"/>
+          </a:fontRef>
+        </p:style>
+        <p:txBody>
+          <a:bodyPr rtlCol="0" anchor="ctr"/>
+          <a:lstStyle/>
+          <a:p>
+            <a:pPr algn="ctr"/>
+            <a:endParaRPr lang="pt-BR" dirty="0">
+              <a:latin typeface="HERO" panose="00000500000000000000" pitchFamily="50" charset="0"/>
+            </a:endParaRPr>
+          </a:p>
+        </p:txBody>
+      </p:sp>
+      <p:sp>
+        <p:nvSpPr>
+          <p:cNvPr id="6" name="Elipse 5">
+            <a:extLst>
+              <a:ext uri="{FF2B5EF4-FFF2-40B4-BE49-F238E27FC236}">
+                <a16:creationId xmlns:a16="http://schemas.microsoft.com/office/drawing/2014/main" id="{B933C42F-90F1-4AF3-A2FA-DCB1FC97D05E}"/>
+              </a:ext>
+            </a:extLst>
+          </p:cNvPr>
+          <p:cNvSpPr/>
+          <p:nvPr/>
+        </p:nvSpPr>
+        <p:spPr>
+          <a:xfrm>
+            <a:off x="6364831" y="2915290"/>
+            <a:ext cx="1460763" cy="1460763"/>
+          </a:xfrm>
+          <a:prstGeom prst="ellipse">
+            <a:avLst/>
+          </a:prstGeom>
+        </p:spPr>
+        <p:style>
+          <a:lnRef idx="2">
+            <a:schemeClr val="accent1">
+              <a:shade val="50000"/>
+            </a:schemeClr>
+          </a:lnRef>
+          <a:fillRef idx="1">
+            <a:schemeClr val="accent1"/>
+          </a:fillRef>
+          <a:effectRef idx="0">
+            <a:schemeClr val="accent1"/>
+          </a:effectRef>
+          <a:fontRef idx="minor">
+            <a:schemeClr val="lt1"/>
+          </a:fontRef>
+        </p:style>
+        <p:txBody>
+          <a:bodyPr rtlCol="0" anchor="ctr"/>
+          <a:lstStyle/>
+          <a:p>
+            <a:pPr algn="ctr"/>
+            <a:endParaRPr lang="pt-BR" dirty="0">
+              <a:latin typeface="HERO" panose="00000500000000000000" pitchFamily="50" charset="0"/>
+            </a:endParaRPr>
+          </a:p>
+        </p:txBody>
+      </p:sp>
+      <p:sp>
+        <p:nvSpPr>
+          <p:cNvPr id="7" name="Elipse 6">
+            <a:extLst>
+              <a:ext uri="{FF2B5EF4-FFF2-40B4-BE49-F238E27FC236}">
+                <a16:creationId xmlns:a16="http://schemas.microsoft.com/office/drawing/2014/main" id="{F663AA05-740A-4CDE-B1D5-80249D0F45FF}"/>
+              </a:ext>
+            </a:extLst>
+          </p:cNvPr>
+          <p:cNvSpPr/>
+          <p:nvPr/>
+        </p:nvSpPr>
+        <p:spPr>
+          <a:xfrm>
+            <a:off x="10327465" y="2915290"/>
+            <a:ext cx="1460763" cy="1460763"/>
+          </a:xfrm>
+          <a:prstGeom prst="ellipse">
+            <a:avLst/>
+          </a:prstGeom>
+        </p:spPr>
+        <p:style>
+          <a:lnRef idx="2">
+            <a:schemeClr val="accent1">
+              <a:shade val="50000"/>
+            </a:schemeClr>
+          </a:lnRef>
+          <a:fillRef idx="1">
+            <a:schemeClr val="accent1"/>
+          </a:fillRef>
+          <a:effectRef idx="0">
+            <a:schemeClr val="accent1"/>
+          </a:effectRef>
+          <a:fontRef idx="minor">
+            <a:schemeClr val="lt1"/>
+          </a:fontRef>
+        </p:style>
+        <p:txBody>
+          <a:bodyPr rtlCol="0" anchor="ctr"/>
+          <a:lstStyle/>
+          <a:p>
+            <a:pPr algn="ctr"/>
+            <a:endParaRPr lang="pt-BR" dirty="0">
+              <a:latin typeface="HERO" panose="00000500000000000000" pitchFamily="50" charset="0"/>
+            </a:endParaRPr>
+          </a:p>
+        </p:txBody>
+      </p:sp>
+      <p:sp>
+        <p:nvSpPr>
+          <p:cNvPr id="8" name="CaixaDeTexto 7">
+            <a:extLst>
+              <a:ext uri="{FF2B5EF4-FFF2-40B4-BE49-F238E27FC236}">
+                <a16:creationId xmlns:a16="http://schemas.microsoft.com/office/drawing/2014/main" id="{B8325861-1F2F-4268-ABB8-C47708A22645}"/>
+              </a:ext>
+            </a:extLst>
+          </p:cNvPr>
+          <p:cNvSpPr txBox="1"/>
+          <p:nvPr/>
+        </p:nvSpPr>
+        <p:spPr>
+          <a:xfrm>
+            <a:off x="247054" y="4690253"/>
+            <a:ext cx="1985555" cy="954107"/>
+          </a:xfrm>
+          <a:prstGeom prst="rect">
+            <a:avLst/>
+          </a:prstGeom>
+          <a:noFill/>
+        </p:spPr>
+        <p:txBody>
+          <a:bodyPr wrap="square" rtlCol="0">
+            <a:spAutoFit/>
+          </a:bodyPr>
+          <a:lstStyle/>
+          <a:p>
+            <a:pPr algn="ctr"/>
+            <a:r>
+              <a:rPr lang="pt-BR" sz="2800" dirty="0">
+                <a:latin typeface="HERO" panose="00000500000000000000" pitchFamily="50" charset="0"/>
+              </a:rPr>
+              <a:t>Gabriel Lázaro</a:t>
+            </a:r>
+          </a:p>
+        </p:txBody>
+      </p:sp>
+      <p:sp>
+        <p:nvSpPr>
+          <p:cNvPr id="9" name="CaixaDeTexto 8">
+            <a:extLst>
+              <a:ext uri="{FF2B5EF4-FFF2-40B4-BE49-F238E27FC236}">
+                <a16:creationId xmlns:a16="http://schemas.microsoft.com/office/drawing/2014/main" id="{C1CD548A-80ED-4522-9EDB-054404B21EE9}"/>
+              </a:ext>
+            </a:extLst>
+          </p:cNvPr>
+          <p:cNvSpPr txBox="1"/>
+          <p:nvPr/>
+        </p:nvSpPr>
+        <p:spPr>
+          <a:xfrm>
+            <a:off x="4032545" y="4668399"/>
+            <a:ext cx="1985555" cy="954107"/>
+          </a:xfrm>
+          <a:prstGeom prst="rect">
+            <a:avLst/>
+          </a:prstGeom>
+          <a:noFill/>
+        </p:spPr>
+        <p:txBody>
+          <a:bodyPr wrap="square" rtlCol="0">
+            <a:spAutoFit/>
+          </a:bodyPr>
+          <a:lstStyle/>
+          <a:p>
+            <a:pPr algn="ctr"/>
+            <a:r>
+              <a:rPr lang="pt-BR" sz="2800" dirty="0">
+                <a:latin typeface="HERO" panose="00000500000000000000" pitchFamily="50" charset="0"/>
+              </a:rPr>
+              <a:t>João Baptista</a:t>
+            </a:r>
+          </a:p>
+        </p:txBody>
+      </p:sp>
+      <p:sp>
+        <p:nvSpPr>
+          <p:cNvPr id="10" name="CaixaDeTexto 9">
+            <a:extLst>
+              <a:ext uri="{FF2B5EF4-FFF2-40B4-BE49-F238E27FC236}">
+                <a16:creationId xmlns:a16="http://schemas.microsoft.com/office/drawing/2014/main" id="{A943B0FE-F317-47B4-AF95-1BF63C89F003}"/>
+              </a:ext>
+            </a:extLst>
+          </p:cNvPr>
+          <p:cNvSpPr txBox="1"/>
+          <p:nvPr/>
+        </p:nvSpPr>
+        <p:spPr>
+          <a:xfrm>
+            <a:off x="8172322" y="4690252"/>
+            <a:ext cx="1985555" cy="954107"/>
+          </a:xfrm>
+          <a:prstGeom prst="rect">
+            <a:avLst/>
+          </a:prstGeom>
+          <a:noFill/>
+        </p:spPr>
+        <p:txBody>
+          <a:bodyPr wrap="square" rtlCol="0">
+            <a:spAutoFit/>
+          </a:bodyPr>
+          <a:lstStyle/>
+          <a:p>
+            <a:pPr algn="ctr"/>
+            <a:r>
+              <a:rPr lang="pt-BR" sz="2800" dirty="0">
+                <a:latin typeface="HERO" panose="00000500000000000000" pitchFamily="50" charset="0"/>
+              </a:rPr>
+              <a:t>Larissa</a:t>
+            </a:r>
+          </a:p>
+          <a:p>
+            <a:pPr algn="ctr"/>
+            <a:r>
+              <a:rPr lang="pt-BR" sz="2800" dirty="0">
+                <a:latin typeface="HERO" panose="00000500000000000000" pitchFamily="50" charset="0"/>
+              </a:rPr>
+              <a:t>Custódio</a:t>
+            </a:r>
+          </a:p>
+        </p:txBody>
+      </p:sp>
+      <p:sp>
+        <p:nvSpPr>
+          <p:cNvPr id="11" name="CaixaDeTexto 10">
+            <a:extLst>
+              <a:ext uri="{FF2B5EF4-FFF2-40B4-BE49-F238E27FC236}">
+                <a16:creationId xmlns:a16="http://schemas.microsoft.com/office/drawing/2014/main" id="{79D4990C-EB5C-46BD-906D-1D4B714A6937}"/>
+              </a:ext>
+            </a:extLst>
+          </p:cNvPr>
+          <p:cNvSpPr txBox="1"/>
+          <p:nvPr/>
+        </p:nvSpPr>
+        <p:spPr>
+          <a:xfrm>
+            <a:off x="10065068" y="4685234"/>
+            <a:ext cx="1985555" cy="954107"/>
+          </a:xfrm>
+          <a:prstGeom prst="rect">
+            <a:avLst/>
+          </a:prstGeom>
+          <a:noFill/>
+        </p:spPr>
+        <p:txBody>
+          <a:bodyPr wrap="square" rtlCol="0">
+            <a:spAutoFit/>
+          </a:bodyPr>
+          <a:lstStyle/>
+          <a:p>
+            <a:pPr algn="ctr"/>
+            <a:r>
+              <a:rPr lang="pt-BR" sz="2800" dirty="0">
+                <a:latin typeface="HERO" panose="00000500000000000000" pitchFamily="50" charset="0"/>
+              </a:rPr>
+              <a:t>Lucas</a:t>
+            </a:r>
+          </a:p>
+          <a:p>
+            <a:pPr algn="ctr"/>
+            <a:r>
+              <a:rPr lang="pt-BR" sz="2800" dirty="0">
+                <a:latin typeface="HERO" panose="00000500000000000000" pitchFamily="50" charset="0"/>
+              </a:rPr>
+              <a:t>Matheus</a:t>
+            </a:r>
+          </a:p>
+        </p:txBody>
+      </p:sp>
+      <p:sp>
+        <p:nvSpPr>
+          <p:cNvPr id="12" name="CaixaDeTexto 11">
+            <a:extLst>
+              <a:ext uri="{FF2B5EF4-FFF2-40B4-BE49-F238E27FC236}">
+                <a16:creationId xmlns:a16="http://schemas.microsoft.com/office/drawing/2014/main" id="{3EEDA333-49AA-47A1-9E18-27FCA69C6ADA}"/>
+              </a:ext>
+            </a:extLst>
+          </p:cNvPr>
+          <p:cNvSpPr txBox="1"/>
+          <p:nvPr/>
+        </p:nvSpPr>
+        <p:spPr>
+          <a:xfrm>
+            <a:off x="2139799" y="4646545"/>
+            <a:ext cx="1985555" cy="954107"/>
+          </a:xfrm>
+          <a:prstGeom prst="rect">
+            <a:avLst/>
+          </a:prstGeom>
+          <a:noFill/>
+        </p:spPr>
+        <p:txBody>
+          <a:bodyPr wrap="square" rtlCol="0">
+            <a:spAutoFit/>
+          </a:bodyPr>
+          <a:lstStyle/>
+          <a:p>
+            <a:pPr algn="ctr"/>
+            <a:r>
+              <a:rPr lang="pt-BR" sz="2800" dirty="0">
+                <a:latin typeface="HERO" panose="00000500000000000000" pitchFamily="50" charset="0"/>
+              </a:rPr>
+              <a:t>Isabella Oliveira</a:t>
+            </a:r>
+          </a:p>
+        </p:txBody>
+      </p:sp>
+      <p:pic>
+        <p:nvPicPr>
+          <p:cNvPr id="18" name="Imagem 17" descr="Uma imagem contendo texto, desenho&#10;&#10;Descrição gerada automaticamente">
+            <a:extLst>
+              <a:ext uri="{FF2B5EF4-FFF2-40B4-BE49-F238E27FC236}">
+                <a16:creationId xmlns:a16="http://schemas.microsoft.com/office/drawing/2014/main" id="{AD26FE12-6C3C-42D5-8555-53AADF5A3248}"/>
+              </a:ext>
+            </a:extLst>
+          </p:cNvPr>
+          <p:cNvPicPr>
+            <a:picLocks noChangeAspect="1"/>
+          </p:cNvPicPr>
+          <p:nvPr/>
+        </p:nvPicPr>
+        <p:blipFill>
+          <a:blip r:embed="rId2" cstate="hqprint">
+            <a:extLst>
+              <a:ext uri="{28A0092B-C50C-407E-A947-70E740481C1C}">
+                <a14:useLocalDpi xmlns:a14="http://schemas.microsoft.com/office/drawing/2010/main" val="0"/>
+              </a:ext>
+            </a:extLst>
+          </a:blip>
+          <a:stretch>
+            <a:fillRect/>
+          </a:stretch>
+        </p:blipFill>
+        <p:spPr>
+          <a:xfrm>
+            <a:off x="11371740" y="365125"/>
+            <a:ext cx="599846" cy="535577"/>
+          </a:xfrm>
+          <a:prstGeom prst="rect">
+            <a:avLst/>
+          </a:prstGeom>
+        </p:spPr>
+      </p:pic>
+      <p:sp>
+        <p:nvSpPr>
+          <p:cNvPr id="14" name="Elipse 13">
+            <a:extLst>
+              <a:ext uri="{FF2B5EF4-FFF2-40B4-BE49-F238E27FC236}">
+                <a16:creationId xmlns:a16="http://schemas.microsoft.com/office/drawing/2014/main" id="{7D9F8C05-4696-45C8-A76A-B27C44BC7A12}"/>
+              </a:ext>
+            </a:extLst>
+          </p:cNvPr>
+          <p:cNvSpPr/>
+          <p:nvPr/>
+        </p:nvSpPr>
+        <p:spPr>
+          <a:xfrm>
+            <a:off x="2402196" y="2915290"/>
+            <a:ext cx="1460763" cy="1460763"/>
+          </a:xfrm>
+          <a:prstGeom prst="ellipse">
+            <a:avLst/>
+          </a:prstGeom>
+        </p:spPr>
+        <p:style>
+          <a:lnRef idx="2">
+            <a:schemeClr val="accent1">
+              <a:shade val="50000"/>
+            </a:schemeClr>
+          </a:lnRef>
+          <a:fillRef idx="1">
+            <a:schemeClr val="accent1"/>
+          </a:fillRef>
+          <a:effectRef idx="0">
+            <a:schemeClr val="accent1"/>
+          </a:effectRef>
+          <a:fontRef idx="minor">
+            <a:schemeClr val="lt1"/>
+          </a:fontRef>
+        </p:style>
+        <p:txBody>
+          <a:bodyPr rtlCol="0" anchor="ctr"/>
+          <a:lstStyle/>
+          <a:p>
+            <a:pPr algn="ctr"/>
+            <a:endParaRPr lang="pt-BR" dirty="0">
+              <a:latin typeface="HERO" panose="00000500000000000000" pitchFamily="50" charset="0"/>
+            </a:endParaRPr>
+          </a:p>
+        </p:txBody>
+      </p:sp>
+      <p:sp>
+        <p:nvSpPr>
+          <p:cNvPr id="15" name="CaixaDeTexto 14">
+            <a:extLst>
+              <a:ext uri="{FF2B5EF4-FFF2-40B4-BE49-F238E27FC236}">
+                <a16:creationId xmlns:a16="http://schemas.microsoft.com/office/drawing/2014/main" id="{E521C1D0-0445-4E7C-A6FE-73D8B2BC5B37}"/>
+              </a:ext>
+            </a:extLst>
+          </p:cNvPr>
+          <p:cNvSpPr txBox="1"/>
+          <p:nvPr/>
+        </p:nvSpPr>
+        <p:spPr>
+          <a:xfrm>
+            <a:off x="6102434" y="4685234"/>
+            <a:ext cx="1985555" cy="954107"/>
+          </a:xfrm>
+          <a:prstGeom prst="rect">
+            <a:avLst/>
+          </a:prstGeom>
+          <a:noFill/>
+        </p:spPr>
+        <p:txBody>
+          <a:bodyPr wrap="square" rtlCol="0">
+            <a:spAutoFit/>
+          </a:bodyPr>
+          <a:lstStyle/>
+          <a:p>
+            <a:pPr algn="ctr"/>
+            <a:r>
+              <a:rPr lang="pt-BR" sz="2800" dirty="0">
+                <a:latin typeface="HERO" panose="00000500000000000000" pitchFamily="50" charset="0"/>
+              </a:rPr>
+              <a:t>Julia </a:t>
+            </a:r>
+          </a:p>
+          <a:p>
+            <a:pPr algn="ctr"/>
+            <a:r>
+              <a:rPr lang="pt-BR" sz="2800" dirty="0">
+                <a:latin typeface="HERO" panose="00000500000000000000" pitchFamily="50" charset="0"/>
+              </a:rPr>
+              <a:t>Lima</a:t>
+            </a:r>
+          </a:p>
+        </p:txBody>
+      </p:sp>
+      <p:pic>
+        <p:nvPicPr>
+          <p:cNvPr id="13" name="Imagem 12"/>
+          <p:cNvPicPr>
+            <a:picLocks noChangeAspect="1"/>
+          </p:cNvPicPr>
+          <p:nvPr/>
+        </p:nvPicPr>
+        <p:blipFill>
+          <a:blip r:embed="rId3" cstate="hqprint">
+            <a:extLst>
+              <a:ext uri="{28A0092B-C50C-407E-A947-70E740481C1C}">
+                <a14:useLocalDpi xmlns:a14="http://schemas.microsoft.com/office/drawing/2010/main" val="0"/>
+              </a:ext>
+            </a:extLst>
+          </a:blip>
+          <a:stretch>
+            <a:fillRect/>
+          </a:stretch>
+        </p:blipFill>
+        <p:spPr>
+          <a:xfrm>
+            <a:off x="8392394" y="2855952"/>
+            <a:ext cx="1503089" cy="1536186"/>
+          </a:xfrm>
+          <a:prstGeom prst="ellipse">
+            <a:avLst/>
+          </a:prstGeom>
+          <a:ln w="63500" cap="rnd">
+            <a:noFill/>
+          </a:ln>
+          <a:effectLst>
+            <a:outerShdw blurRad="381000" dist="292100" dir="5400000" sx="-80000" sy="-18000" rotWithShape="0">
+              <a:srgbClr val="000000">
+                <a:alpha val="22000"/>
+              </a:srgbClr>
+            </a:outerShdw>
+          </a:effectLst>
+          <a:scene3d>
+            <a:camera prst="orthographicFront"/>
+            <a:lightRig rig="contrasting" dir="t">
+              <a:rot lat="0" lon="0" rev="3000000"/>
+            </a:lightRig>
+          </a:scene3d>
+          <a:sp3d contourW="7620">
+            <a:bevelT w="95250" h="31750"/>
+            <a:contourClr>
+              <a:srgbClr val="333333"/>
+            </a:contourClr>
+          </a:sp3d>
+        </p:spPr>
+      </p:pic>
+      <p:pic>
+        <p:nvPicPr>
+          <p:cNvPr id="16" name="Imagem 15"/>
+          <p:cNvPicPr>
+            <a:picLocks noChangeAspect="1"/>
+          </p:cNvPicPr>
+          <p:nvPr/>
+        </p:nvPicPr>
+        <p:blipFill>
+          <a:blip r:embed="rId4" cstate="hqprint">
+            <a:extLst>
+              <a:ext uri="{28A0092B-C50C-407E-A947-70E740481C1C}">
+                <a14:useLocalDpi xmlns:a14="http://schemas.microsoft.com/office/drawing/2010/main" val="0"/>
+              </a:ext>
+            </a:extLst>
+          </a:blip>
+          <a:stretch>
+            <a:fillRect/>
+          </a:stretch>
+        </p:blipFill>
+        <p:spPr>
+          <a:xfrm>
+            <a:off x="6287569" y="2860974"/>
+            <a:ext cx="1572960" cy="1574416"/>
+          </a:xfrm>
+          <a:prstGeom prst="ellipse">
+            <a:avLst/>
+          </a:prstGeom>
+          <a:ln w="63500" cap="rnd">
+            <a:noFill/>
+          </a:ln>
+          <a:effectLst>
+            <a:outerShdw blurRad="381000" dist="292100" dir="5400000" sx="-80000" sy="-18000" rotWithShape="0">
+              <a:srgbClr val="000000">
+                <a:alpha val="22000"/>
+              </a:srgbClr>
+            </a:outerShdw>
+          </a:effectLst>
+          <a:scene3d>
+            <a:camera prst="orthographicFront"/>
+            <a:lightRig rig="contrasting" dir="t">
+              <a:rot lat="0" lon="0" rev="3000000"/>
+            </a:lightRig>
+          </a:scene3d>
+          <a:sp3d contourW="7620">
+            <a:bevelT w="95250" h="31750"/>
+            <a:contourClr>
+              <a:srgbClr val="333333"/>
+            </a:contourClr>
+          </a:sp3d>
+        </p:spPr>
+      </p:pic>
+      <p:pic>
+        <p:nvPicPr>
+          <p:cNvPr id="17" name="Imagem 16"/>
+          <p:cNvPicPr>
+            <a:picLocks noChangeAspect="1"/>
+          </p:cNvPicPr>
+          <p:nvPr/>
+        </p:nvPicPr>
+        <p:blipFill>
+          <a:blip r:embed="rId5">
+            <a:extLst>
+              <a:ext uri="{28A0092B-C50C-407E-A947-70E740481C1C}">
+                <a14:useLocalDpi xmlns:a14="http://schemas.microsoft.com/office/drawing/2010/main" val="0"/>
+              </a:ext>
+            </a:extLst>
+          </a:blip>
+          <a:stretch>
+            <a:fillRect/>
+          </a:stretch>
+        </p:blipFill>
+        <p:spPr>
+          <a:xfrm>
+            <a:off x="10272614" y="2922220"/>
+            <a:ext cx="1563199" cy="1491613"/>
+          </a:xfrm>
+          <a:prstGeom prst="ellipse">
+            <a:avLst/>
+          </a:prstGeom>
+          <a:ln w="63500" cap="rnd">
+            <a:noFill/>
+          </a:ln>
+          <a:effectLst>
+            <a:outerShdw blurRad="381000" dist="292100" dir="5400000" sx="-80000" sy="-18000" rotWithShape="0">
+              <a:srgbClr val="000000">
+                <a:alpha val="22000"/>
+              </a:srgbClr>
+            </a:outerShdw>
+          </a:effectLst>
+          <a:scene3d>
+            <a:camera prst="orthographicFront"/>
+            <a:lightRig rig="contrasting" dir="t">
+              <a:rot lat="0" lon="0" rev="3000000"/>
+            </a:lightRig>
+          </a:scene3d>
+          <a:sp3d contourW="7620">
+            <a:bevelT w="95250" h="31750"/>
+            <a:contourClr>
+              <a:srgbClr val="333333"/>
+            </a:contourClr>
+          </a:sp3d>
+        </p:spPr>
+      </p:pic>
+      <p:pic>
+        <p:nvPicPr>
+          <p:cNvPr id="19" name="Imagem 18"/>
+          <p:cNvPicPr>
+            <a:picLocks noChangeAspect="1"/>
+          </p:cNvPicPr>
+          <p:nvPr/>
+        </p:nvPicPr>
+        <p:blipFill>
+          <a:blip r:embed="rId6" cstate="hqprint">
+            <a:extLst>
+              <a:ext uri="{28A0092B-C50C-407E-A947-70E740481C1C}">
+                <a14:useLocalDpi xmlns:a14="http://schemas.microsoft.com/office/drawing/2010/main" val="0"/>
+              </a:ext>
+            </a:extLst>
+          </a:blip>
+          <a:stretch>
+            <a:fillRect/>
+          </a:stretch>
+        </p:blipFill>
+        <p:spPr>
+          <a:xfrm>
+            <a:off x="2348211" y="2922220"/>
+            <a:ext cx="1569600" cy="1469918"/>
+          </a:xfrm>
+          <a:prstGeom prst="ellipse">
+            <a:avLst/>
+          </a:prstGeom>
+          <a:ln w="63500" cap="rnd">
+            <a:noFill/>
+          </a:ln>
+          <a:effectLst>
+            <a:outerShdw blurRad="381000" dist="292100" dir="5400000" sx="-80000" sy="-18000" rotWithShape="0">
+              <a:srgbClr val="000000">
+                <a:alpha val="22000"/>
+              </a:srgbClr>
+            </a:outerShdw>
+          </a:effectLst>
+          <a:scene3d>
+            <a:camera prst="orthographicFront"/>
+            <a:lightRig rig="contrasting" dir="t">
+              <a:rot lat="0" lon="0" rev="3000000"/>
+            </a:lightRig>
+          </a:scene3d>
+          <a:sp3d contourW="7620">
+            <a:bevelT w="95250" h="31750"/>
+            <a:contourClr>
+              <a:srgbClr val="333333"/>
+            </a:contourClr>
+          </a:sp3d>
+        </p:spPr>
+      </p:pic>
+      <p:pic>
+        <p:nvPicPr>
+          <p:cNvPr id="20" name="Imagem 19"/>
+          <p:cNvPicPr>
+            <a:picLocks noChangeAspect="1"/>
+          </p:cNvPicPr>
+          <p:nvPr/>
+        </p:nvPicPr>
+        <p:blipFill>
+          <a:blip r:embed="rId7">
+            <a:extLst>
+              <a:ext uri="{28A0092B-C50C-407E-A947-70E740481C1C}">
+                <a14:useLocalDpi xmlns:a14="http://schemas.microsoft.com/office/drawing/2010/main" val="0"/>
+              </a:ext>
+            </a:extLst>
+          </a:blip>
+          <a:stretch>
+            <a:fillRect/>
+          </a:stretch>
+        </p:blipFill>
+        <p:spPr>
+          <a:xfrm>
+            <a:off x="4240090" y="2894181"/>
+            <a:ext cx="1569600" cy="1541209"/>
+          </a:xfrm>
+          <a:prstGeom prst="ellipse">
+            <a:avLst/>
+          </a:prstGeom>
+          <a:ln w="63500" cap="rnd">
+            <a:noFill/>
+          </a:ln>
+          <a:effectLst>
+            <a:outerShdw blurRad="381000" dist="292100" dir="5400000" sx="-80000" sy="-18000" rotWithShape="0">
+              <a:srgbClr val="000000">
+                <a:alpha val="22000"/>
+              </a:srgbClr>
+            </a:outerShdw>
+          </a:effectLst>
+          <a:scene3d>
+            <a:camera prst="orthographicFront"/>
+            <a:lightRig rig="contrasting" dir="t">
+              <a:rot lat="0" lon="0" rev="3000000"/>
+            </a:lightRig>
+          </a:scene3d>
+          <a:sp3d contourW="7620">
+            <a:bevelT w="95250" h="31750"/>
+            <a:contourClr>
+              <a:srgbClr val="333333"/>
+            </a:contourClr>
+          </a:sp3d>
+        </p:spPr>
+      </p:pic>
+      <p:pic>
+        <p:nvPicPr>
+          <p:cNvPr id="21" name="Imagem 20"/>
+          <p:cNvPicPr>
+            <a:picLocks noChangeAspect="1"/>
+          </p:cNvPicPr>
+          <p:nvPr/>
+        </p:nvPicPr>
+        <p:blipFill>
+          <a:blip r:embed="rId8" cstate="hqprint">
+            <a:extLst>
+              <a:ext uri="{28A0092B-C50C-407E-A947-70E740481C1C}">
+                <a14:useLocalDpi xmlns:a14="http://schemas.microsoft.com/office/drawing/2010/main" val="0"/>
+              </a:ext>
+            </a:extLst>
+          </a:blip>
+          <a:stretch>
+            <a:fillRect/>
+          </a:stretch>
+        </p:blipFill>
+        <p:spPr>
+          <a:xfrm>
+            <a:off x="489900" y="2904663"/>
+            <a:ext cx="1499861" cy="1509170"/>
+          </a:xfrm>
+          <a:prstGeom prst="ellipse">
+            <a:avLst/>
+          </a:prstGeom>
+          <a:ln w="63500" cap="rnd">
+            <a:noFill/>
+          </a:ln>
+          <a:effectLst>
+            <a:outerShdw blurRad="381000" dist="292100" dir="5400000" sx="-80000" sy="-18000" rotWithShape="0">
+              <a:srgbClr val="000000">
+                <a:alpha val="22000"/>
+              </a:srgbClr>
+            </a:outerShdw>
+          </a:effectLst>
+          <a:scene3d>
+            <a:camera prst="orthographicFront"/>
+            <a:lightRig rig="contrasting" dir="t">
+              <a:rot lat="0" lon="0" rev="3000000"/>
+            </a:lightRig>
+          </a:scene3d>
+          <a:sp3d contourW="7620">
+            <a:bevelT w="95250" h="31750"/>
+            <a:contourClr>
+              <a:srgbClr val="333333"/>
+            </a:contourClr>
+          </a:sp3d>
+        </p:spPr>
+      </p:pic>
+    </p:spTree>
+    <p:extLst>
+      <p:ext uri="{BB962C8B-B14F-4D97-AF65-F5344CB8AC3E}">
+        <p14:creationId xmlns:p14="http://schemas.microsoft.com/office/powerpoint/2010/main" val="2304562546"/>
+      </p:ext>
+    </p:extLst>
+  </p:cSld>
+  <p:clrMapOvr>
+    <a:masterClrMapping/>
+  </p:clrMapOvr>
+  <p:transition advClick="0">
+    <p:fade/>
+  </p:transition>
+</p:sld>
+</file>
+
+<file path=ppt/slides/slide20.xml><?xml version="1.0" encoding="utf-8"?>
+<p:sld xmlns:a="http://schemas.openxmlformats.org/drawingml/2006/main" xmlns:r="http://schemas.openxmlformats.org/officeDocument/2006/relationships" xmlns:p="http://schemas.openxmlformats.org/presentationml/2006/main">
+  <p:cSld>
+    <p:spTree>
+      <p:nvGrpSpPr>
+        <p:cNvPr id="1" name=""/>
+        <p:cNvGrpSpPr/>
+        <p:nvPr/>
+      </p:nvGrpSpPr>
+      <p:grpSpPr>
+        <a:xfrm>
+          <a:off x="0" y="0"/>
+          <a:ext cx="0" cy="0"/>
+          <a:chOff x="0" y="0"/>
+          <a:chExt cx="0" cy="0"/>
+        </a:xfrm>
+      </p:grpSpPr>
+      <p:sp>
+        <p:nvSpPr>
+          <p:cNvPr id="2" name="Título 1">
+            <a:extLst>
+              <a:ext uri="{FF2B5EF4-FFF2-40B4-BE49-F238E27FC236}">
+                <a16:creationId xmlns:a16="http://schemas.microsoft.com/office/drawing/2014/main" id="{9F66FDDD-77DF-41F6-ACEC-61CAD62EAFCF}"/>
+              </a:ext>
+            </a:extLst>
+          </p:cNvPr>
+          <p:cNvSpPr>
+            <a:spLocks noGrp="1"/>
+          </p:cNvSpPr>
+          <p:nvPr>
+            <p:ph type="title"/>
+          </p:nvPr>
+        </p:nvSpPr>
+        <p:spPr>
+          <a:xfrm>
+            <a:off x="838199" y="365125"/>
+            <a:ext cx="6041572" cy="1325563"/>
+          </a:xfrm>
+        </p:spPr>
+        <p:txBody>
+          <a:bodyPr/>
+          <a:lstStyle/>
+          <a:p>
+            <a:r>
+              <a:rPr lang="pt-BR" dirty="0">
+                <a:latin typeface="HERO" panose="00000500000000000000" pitchFamily="50" charset="0"/>
+              </a:rPr>
+              <a:t>Manual de instalação </a:t>
+            </a:r>
+          </a:p>
+        </p:txBody>
+      </p:sp>
+      <p:cxnSp>
+        <p:nvCxnSpPr>
+          <p:cNvPr id="9" name="Conector reto 8">
+            <a:extLst>
+              <a:ext uri="{FF2B5EF4-FFF2-40B4-BE49-F238E27FC236}">
+                <a16:creationId xmlns:a16="http://schemas.microsoft.com/office/drawing/2014/main" id="{566BC4C1-653A-4EC0-8C52-620D2CA8AAFE}"/>
+              </a:ext>
+            </a:extLst>
+          </p:cNvPr>
+          <p:cNvCxnSpPr>
+            <a:cxnSpLocks/>
+          </p:cNvCxnSpPr>
+          <p:nvPr/>
+        </p:nvCxnSpPr>
+        <p:spPr>
+          <a:xfrm>
+            <a:off x="1064172" y="6038194"/>
+            <a:ext cx="10431519" cy="0"/>
+          </a:xfrm>
+          <a:prstGeom prst="line">
+            <a:avLst/>
+          </a:prstGeom>
+        </p:spPr>
+        <p:style>
+          <a:lnRef idx="1">
+            <a:schemeClr val="accent4"/>
+          </a:lnRef>
+          <a:fillRef idx="0">
+            <a:schemeClr val="accent4"/>
+          </a:fillRef>
+          <a:effectRef idx="0">
+            <a:schemeClr val="accent4"/>
+          </a:effectRef>
+          <a:fontRef idx="minor">
+            <a:schemeClr val="tx1"/>
+          </a:fontRef>
+        </p:style>
+      </p:cxnSp>
+      <p:cxnSp>
+        <p:nvCxnSpPr>
+          <p:cNvPr id="12" name="Conector reto 11">
+            <a:extLst>
+              <a:ext uri="{FF2B5EF4-FFF2-40B4-BE49-F238E27FC236}">
+                <a16:creationId xmlns:a16="http://schemas.microsoft.com/office/drawing/2014/main" id="{B4E296DD-DEDC-4666-8665-776C9B75D8BD}"/>
+              </a:ext>
+            </a:extLst>
+          </p:cNvPr>
+          <p:cNvCxnSpPr>
+            <a:cxnSpLocks/>
+          </p:cNvCxnSpPr>
+          <p:nvPr/>
+        </p:nvCxnSpPr>
+        <p:spPr>
+          <a:xfrm>
+            <a:off x="838199" y="1525151"/>
+            <a:ext cx="10431519" cy="0"/>
+          </a:xfrm>
+          <a:prstGeom prst="line">
+            <a:avLst/>
+          </a:prstGeom>
+        </p:spPr>
+        <p:style>
+          <a:lnRef idx="1">
+            <a:schemeClr val="accent4"/>
+          </a:lnRef>
+          <a:fillRef idx="0">
+            <a:schemeClr val="accent4"/>
+          </a:fillRef>
+          <a:effectRef idx="0">
+            <a:schemeClr val="accent4"/>
+          </a:effectRef>
+          <a:fontRef idx="minor">
+            <a:schemeClr val="tx1"/>
+          </a:fontRef>
+        </p:style>
+      </p:cxnSp>
+      <p:pic>
+        <p:nvPicPr>
+          <p:cNvPr id="11" name="Imagem 10" descr="Uma imagem contendo texto, desenho&#10;&#10;Descrição gerada automaticamente">
+            <a:extLst>
+              <a:ext uri="{FF2B5EF4-FFF2-40B4-BE49-F238E27FC236}">
+                <a16:creationId xmlns:a16="http://schemas.microsoft.com/office/drawing/2014/main" id="{07B2D08C-8018-40DD-82C2-387D2E41A52D}"/>
+              </a:ext>
+            </a:extLst>
+          </p:cNvPr>
+          <p:cNvPicPr>
+            <a:picLocks noChangeAspect="1"/>
+          </p:cNvPicPr>
+          <p:nvPr/>
+        </p:nvPicPr>
+        <p:blipFill>
+          <a:blip r:embed="rId2" cstate="hqprint">
+            <a:extLst>
+              <a:ext uri="{28A0092B-C50C-407E-A947-70E740481C1C}">
+                <a14:useLocalDpi xmlns:a14="http://schemas.microsoft.com/office/drawing/2010/main" val="0"/>
+              </a:ext>
+            </a:extLst>
+          </a:blip>
+          <a:stretch>
+            <a:fillRect/>
+          </a:stretch>
+        </p:blipFill>
+        <p:spPr>
+          <a:xfrm>
+            <a:off x="11371740" y="365125"/>
+            <a:ext cx="599846" cy="535577"/>
+          </a:xfrm>
+          <a:prstGeom prst="rect">
+            <a:avLst/>
+          </a:prstGeom>
+        </p:spPr>
+      </p:pic>
+      <p:pic>
+        <p:nvPicPr>
+          <p:cNvPr id="3" name="Imagem 2">
+            <a:extLst>
+              <a:ext uri="{FF2B5EF4-FFF2-40B4-BE49-F238E27FC236}">
+                <a16:creationId xmlns:a16="http://schemas.microsoft.com/office/drawing/2014/main" id="{16A63BB3-9375-438A-87D6-CBBAACA88867}"/>
+              </a:ext>
+            </a:extLst>
+          </p:cNvPr>
+          <p:cNvPicPr>
+            <a:picLocks noChangeAspect="1"/>
+          </p:cNvPicPr>
+          <p:nvPr/>
+        </p:nvPicPr>
+        <p:blipFill>
+          <a:blip r:embed="rId3"/>
+          <a:stretch>
+            <a:fillRect/>
+          </a:stretch>
+        </p:blipFill>
+        <p:spPr>
+          <a:xfrm>
+            <a:off x="6410229" y="1970580"/>
+            <a:ext cx="5561357" cy="3233733"/>
+          </a:xfrm>
+          <a:prstGeom prst="rect">
+            <a:avLst/>
+          </a:prstGeom>
+        </p:spPr>
+      </p:pic>
+      <p:pic>
+        <p:nvPicPr>
+          <p:cNvPr id="4" name="Imagem 3">
+            <a:extLst>
+              <a:ext uri="{FF2B5EF4-FFF2-40B4-BE49-F238E27FC236}">
+                <a16:creationId xmlns:a16="http://schemas.microsoft.com/office/drawing/2014/main" id="{219708BF-7532-45B5-AF9D-21FF0A68FE54}"/>
+              </a:ext>
+            </a:extLst>
+          </p:cNvPr>
+          <p:cNvPicPr>
+            <a:picLocks noChangeAspect="1"/>
+          </p:cNvPicPr>
+          <p:nvPr/>
+        </p:nvPicPr>
+        <p:blipFill>
+          <a:blip r:embed="rId4"/>
+          <a:stretch>
+            <a:fillRect/>
+          </a:stretch>
+        </p:blipFill>
+        <p:spPr>
+          <a:xfrm>
+            <a:off x="694672" y="2034988"/>
+            <a:ext cx="5585259" cy="3837670"/>
+          </a:xfrm>
+          <a:prstGeom prst="rect">
+            <a:avLst/>
+          </a:prstGeom>
+        </p:spPr>
+      </p:pic>
+      <p:cxnSp>
+        <p:nvCxnSpPr>
+          <p:cNvPr id="6" name="Conector reto 5">
+            <a:extLst>
+              <a:ext uri="{FF2B5EF4-FFF2-40B4-BE49-F238E27FC236}">
+                <a16:creationId xmlns:a16="http://schemas.microsoft.com/office/drawing/2014/main" id="{DF13CCF9-DBEA-4387-919B-39796E54E25D}"/>
+              </a:ext>
+            </a:extLst>
+          </p:cNvPr>
+          <p:cNvCxnSpPr/>
+          <p:nvPr/>
+        </p:nvCxnSpPr>
+        <p:spPr>
+          <a:xfrm flipV="1">
+            <a:off x="6279931" y="1981697"/>
+            <a:ext cx="0" cy="3844284"/>
+          </a:xfrm>
+          <a:prstGeom prst="line">
+            <a:avLst/>
+          </a:prstGeom>
+        </p:spPr>
+        <p:style>
+          <a:lnRef idx="1">
+            <a:schemeClr val="accent1"/>
+          </a:lnRef>
+          <a:fillRef idx="0">
+            <a:schemeClr val="accent1"/>
+          </a:fillRef>
+          <a:effectRef idx="0">
+            <a:schemeClr val="accent1"/>
+          </a:effectRef>
+          <a:fontRef idx="minor">
+            <a:schemeClr val="tx1"/>
+          </a:fontRef>
+        </p:style>
+      </p:cxnSp>
+    </p:spTree>
+    <p:extLst>
+      <p:ext uri="{BB962C8B-B14F-4D97-AF65-F5344CB8AC3E}">
+        <p14:creationId xmlns:p14="http://schemas.microsoft.com/office/powerpoint/2010/main" val="1983007844"/>
+      </p:ext>
+    </p:extLst>
+  </p:cSld>
+  <p:clrMapOvr>
+    <a:masterClrMapping/>
+  </p:clrMapOvr>
+  <p:transition>
+    <p:fade/>
+  </p:transition>
+</p:sld>
+</file>
+
+<file path=ppt/slides/slide21.xml><?xml version="1.0" encoding="utf-8"?>
+<p:sld xmlns:a="http://schemas.openxmlformats.org/drawingml/2006/main" xmlns:r="http://schemas.openxmlformats.org/officeDocument/2006/relationships" xmlns:p="http://schemas.openxmlformats.org/presentationml/2006/main">
+  <p:cSld>
+    <p:spTree>
+      <p:nvGrpSpPr>
+        <p:cNvPr id="1" name=""/>
+        <p:cNvGrpSpPr/>
+        <p:nvPr/>
+      </p:nvGrpSpPr>
+      <p:grpSpPr>
+        <a:xfrm>
+          <a:off x="0" y="0"/>
+          <a:ext cx="0" cy="0"/>
+          <a:chOff x="0" y="0"/>
+          <a:chExt cx="0" cy="0"/>
+        </a:xfrm>
+      </p:grpSpPr>
+      <p:sp>
+        <p:nvSpPr>
           <p:cNvPr id="2" name="Título 1">
             <a:extLst>
               <a:ext uri="{FF2B5EF4-FFF2-40B4-BE49-F238E27FC236}">
@@ -9860,8 +12099,8 @@
         </p:nvSpPr>
         <p:spPr>
           <a:xfrm>
-            <a:off x="196818" y="1844553"/>
-            <a:ext cx="8274270" cy="4031873"/>
+            <a:off x="244443" y="1683388"/>
+            <a:ext cx="7051707" cy="5016758"/>
           </a:xfrm>
           <a:prstGeom prst="rect">
             <a:avLst/>
@@ -9930,6 +12169,42 @@
             </a:r>
           </a:p>
           <a:p>
+            <a:pPr>
+              <a:buClr>
+                <a:srgbClr val="4772FF"/>
+              </a:buClr>
+              <a:buSzPct val="80000"/>
+            </a:pPr>
+            <a:endParaRPr lang="pt-BR" sz="3200" dirty="0">
+              <a:latin typeface="HERO" panose="00000500000000000000" pitchFamily="50" charset="0"/>
+            </a:endParaRPr>
+          </a:p>
+          <a:p>
+            <a:pPr marL="285750" indent="-285750">
+              <a:buClr>
+                <a:srgbClr val="4772FF"/>
+              </a:buClr>
+              <a:buSzPct val="80000"/>
+              <a:buFont typeface="Wingdings" panose="05000000000000000000" pitchFamily="2" charset="2"/>
+              <a:buChar char="Ø"/>
+            </a:pPr>
+            <a:r>
+              <a:rPr lang="pt-BR" sz="3200" dirty="0">
+                <a:latin typeface="HERO" panose="00000500000000000000" pitchFamily="50" charset="0"/>
+              </a:rPr>
+              <a:t>Desafio </a:t>
+            </a:r>
+            <a:r>
+              <a:rPr lang="pt-BR" sz="3200" dirty="0" err="1">
+                <a:latin typeface="HERO" panose="00000500000000000000" pitchFamily="50" charset="0"/>
+              </a:rPr>
+              <a:t>Heatmap</a:t>
+            </a:r>
+            <a:endParaRPr lang="pt-BR" sz="3200" dirty="0">
+              <a:latin typeface="HERO" panose="00000500000000000000" pitchFamily="50" charset="0"/>
+            </a:endParaRPr>
+          </a:p>
+          <a:p>
             <a:pPr marL="285750" indent="-285750">
               <a:buClr>
                 <a:srgbClr val="4772FF"/>
@@ -9955,7 +12230,7 @@
               <a:rPr lang="pt-BR" sz="3200" dirty="0">
                 <a:latin typeface="HERO" panose="00000500000000000000" pitchFamily="50" charset="0"/>
               </a:rPr>
-              <a:t>Desafio Heatmap</a:t>
+              <a:t>Demonstração da ferramenta helpdesk </a:t>
             </a:r>
           </a:p>
           <a:p>
@@ -9970,22 +12245,6 @@
             <a:endParaRPr lang="pt-BR" sz="3200" dirty="0">
               <a:latin typeface="HERO" panose="00000500000000000000" pitchFamily="50" charset="0"/>
             </a:endParaRPr>
-          </a:p>
-          <a:p>
-            <a:pPr marL="285750" indent="-285750">
-              <a:buClr>
-                <a:srgbClr val="4772FF"/>
-              </a:buClr>
-              <a:buSzPct val="80000"/>
-              <a:buFont typeface="Wingdings" panose="05000000000000000000" pitchFamily="2" charset="2"/>
-              <a:buChar char="Ø"/>
-            </a:pPr>
-            <a:r>
-              <a:rPr lang="pt-BR" sz="3200" dirty="0">
-                <a:latin typeface="HERO" panose="00000500000000000000" pitchFamily="50" charset="0"/>
-              </a:rPr>
-              <a:t>Ferramenta helpdesk </a:t>
-            </a:r>
           </a:p>
         </p:txBody>
       </p:sp>
@@ -10190,33 +12449,15 @@
                                   </p:childTnLst>
                                 </p:cTn>
                               </p:par>
-                            </p:childTnLst>
-                          </p:cTn>
-                        </p:par>
-                      </p:childTnLst>
-                    </p:cTn>
-                  </p:par>
-                  <p:par>
-                    <p:cTn id="18" fill="hold">
-                      <p:stCondLst>
-                        <p:cond delay="indefinite"/>
-                      </p:stCondLst>
-                      <p:childTnLst>
-                        <p:par>
-                          <p:cTn id="19" fill="hold">
-                            <p:stCondLst>
-                              <p:cond delay="0"/>
-                            </p:stCondLst>
-                            <p:childTnLst>
                               <p:par>
-                                <p:cTn id="20" presetID="10" presetClass="entr" presetSubtype="0" fill="hold" grpId="0" nodeType="clickEffect">
+                                <p:cTn id="18" presetID="10" presetClass="entr" presetSubtype="0" fill="hold" grpId="0" nodeType="withEffect">
                                   <p:stCondLst>
                                     <p:cond delay="0"/>
                                   </p:stCondLst>
                                   <p:childTnLst>
                                     <p:set>
                                       <p:cBhvr>
-                                        <p:cTn id="21" dur="1" fill="hold">
+                                        <p:cTn id="19" dur="1" fill="hold">
                                           <p:stCondLst>
                                             <p:cond delay="0"/>
                                           </p:stCondLst>
@@ -10238,7 +12479,7 @@
                                     </p:set>
                                     <p:animEffect transition="in" filter="fade">
                                       <p:cBhvr>
-                                        <p:cTn id="22" dur="500"/>
+                                        <p:cTn id="20" dur="500"/>
                                         <p:tgtEl>
                                           <p:spTgt spid="6">
                                             <p:txEl>
@@ -10285,1611 +12526,7 @@
 </p:sld>
 </file>
 
-<file path=ppt/slides/slide19.xml><?xml version="1.0" encoding="utf-8"?>
-<p:sld xmlns:a="http://schemas.openxmlformats.org/drawingml/2006/main" xmlns:r="http://schemas.openxmlformats.org/officeDocument/2006/relationships" xmlns:p="http://schemas.openxmlformats.org/presentationml/2006/main">
-  <p:cSld>
-    <p:spTree>
-      <p:nvGrpSpPr>
-        <p:cNvPr id="1" name=""/>
-        <p:cNvGrpSpPr/>
-        <p:nvPr/>
-      </p:nvGrpSpPr>
-      <p:grpSpPr>
-        <a:xfrm>
-          <a:off x="0" y="0"/>
-          <a:ext cx="0" cy="0"/>
-          <a:chOff x="0" y="0"/>
-          <a:chExt cx="0" cy="0"/>
-        </a:xfrm>
-      </p:grpSpPr>
-      <p:sp>
-        <p:nvSpPr>
-          <p:cNvPr id="2" name="Título 1">
-            <a:extLst>
-              <a:ext uri="{FF2B5EF4-FFF2-40B4-BE49-F238E27FC236}">
-                <a16:creationId xmlns:a16="http://schemas.microsoft.com/office/drawing/2014/main" id="{9F66FDDD-77DF-41F6-ACEC-61CAD62EAFCF}"/>
-              </a:ext>
-            </a:extLst>
-          </p:cNvPr>
-          <p:cNvSpPr>
-            <a:spLocks noGrp="1"/>
-          </p:cNvSpPr>
-          <p:nvPr>
-            <p:ph type="title"/>
-          </p:nvPr>
-        </p:nvSpPr>
-        <p:spPr>
-          <a:xfrm>
-            <a:off x="838199" y="365125"/>
-            <a:ext cx="9172904" cy="1325563"/>
-          </a:xfrm>
-        </p:spPr>
-        <p:txBody>
-          <a:bodyPr/>
-          <a:lstStyle/>
-          <a:p>
-            <a:r>
-              <a:rPr lang="pt-BR" dirty="0">
-                <a:latin typeface="HERO" panose="00000500000000000000" pitchFamily="50" charset="0"/>
-              </a:rPr>
-              <a:t>Ferramenta de Suporte </a:t>
-            </a:r>
-          </a:p>
-        </p:txBody>
-      </p:sp>
-      <p:sp>
-        <p:nvSpPr>
-          <p:cNvPr id="6" name="CaixaDeTexto 5">
-            <a:extLst>
-              <a:ext uri="{FF2B5EF4-FFF2-40B4-BE49-F238E27FC236}">
-                <a16:creationId xmlns:a16="http://schemas.microsoft.com/office/drawing/2014/main" id="{71E7BDE8-F8D0-46C5-9B50-B6C61290813C}"/>
-              </a:ext>
-            </a:extLst>
-          </p:cNvPr>
-          <p:cNvSpPr txBox="1"/>
-          <p:nvPr/>
-        </p:nvSpPr>
-        <p:spPr>
-          <a:xfrm>
-            <a:off x="4677103" y="2156281"/>
-            <a:ext cx="6592615" cy="3416320"/>
-          </a:xfrm>
-          <a:prstGeom prst="rect">
-            <a:avLst/>
-          </a:prstGeom>
-          <a:noFill/>
-        </p:spPr>
-        <p:txBody>
-          <a:bodyPr wrap="square" rtlCol="0">
-            <a:spAutoFit/>
-          </a:bodyPr>
-          <a:lstStyle/>
-          <a:p>
-            <a:r>
-              <a:rPr lang="pt-BR" sz="2400" dirty="0">
-                <a:latin typeface="HERO" panose="00000500000000000000" pitchFamily="50" charset="0"/>
-              </a:rPr>
-              <a:t>O Spiceworks Helpdesk permite que você gerencie e rastreie os problemas dos usuários em um único lugar com o objetivo de ser uma ferramenta poderosa e fácil de usar. Permitindo assim acompanhar através de relatórios, onde os técnicos estão gastando mais tempo, e assim ajustar e melhorar o atendimento aos usuários</a:t>
-            </a:r>
-          </a:p>
-        </p:txBody>
-      </p:sp>
-      <p:cxnSp>
-        <p:nvCxnSpPr>
-          <p:cNvPr id="9" name="Conector reto 8">
-            <a:extLst>
-              <a:ext uri="{FF2B5EF4-FFF2-40B4-BE49-F238E27FC236}">
-                <a16:creationId xmlns:a16="http://schemas.microsoft.com/office/drawing/2014/main" id="{566BC4C1-653A-4EC0-8C52-620D2CA8AAFE}"/>
-              </a:ext>
-            </a:extLst>
-          </p:cNvPr>
-          <p:cNvCxnSpPr>
-            <a:cxnSpLocks/>
-          </p:cNvCxnSpPr>
-          <p:nvPr/>
-        </p:nvCxnSpPr>
-        <p:spPr>
-          <a:xfrm>
-            <a:off x="1064172" y="6038194"/>
-            <a:ext cx="10431519" cy="0"/>
-          </a:xfrm>
-          <a:prstGeom prst="line">
-            <a:avLst/>
-          </a:prstGeom>
-        </p:spPr>
-        <p:style>
-          <a:lnRef idx="1">
-            <a:schemeClr val="accent4"/>
-          </a:lnRef>
-          <a:fillRef idx="0">
-            <a:schemeClr val="accent4"/>
-          </a:fillRef>
-          <a:effectRef idx="0">
-            <a:schemeClr val="accent4"/>
-          </a:effectRef>
-          <a:fontRef idx="minor">
-            <a:schemeClr val="tx1"/>
-          </a:fontRef>
-        </p:style>
-      </p:cxnSp>
-      <p:cxnSp>
-        <p:nvCxnSpPr>
-          <p:cNvPr id="12" name="Conector reto 11">
-            <a:extLst>
-              <a:ext uri="{FF2B5EF4-FFF2-40B4-BE49-F238E27FC236}">
-                <a16:creationId xmlns:a16="http://schemas.microsoft.com/office/drawing/2014/main" id="{B4E296DD-DEDC-4666-8665-776C9B75D8BD}"/>
-              </a:ext>
-            </a:extLst>
-          </p:cNvPr>
-          <p:cNvCxnSpPr>
-            <a:cxnSpLocks/>
-          </p:cNvCxnSpPr>
-          <p:nvPr/>
-        </p:nvCxnSpPr>
-        <p:spPr>
-          <a:xfrm>
-            <a:off x="838199" y="1525151"/>
-            <a:ext cx="10431519" cy="0"/>
-          </a:xfrm>
-          <a:prstGeom prst="line">
-            <a:avLst/>
-          </a:prstGeom>
-        </p:spPr>
-        <p:style>
-          <a:lnRef idx="1">
-            <a:schemeClr val="accent4"/>
-          </a:lnRef>
-          <a:fillRef idx="0">
-            <a:schemeClr val="accent4"/>
-          </a:fillRef>
-          <a:effectRef idx="0">
-            <a:schemeClr val="accent4"/>
-          </a:effectRef>
-          <a:fontRef idx="minor">
-            <a:schemeClr val="tx1"/>
-          </a:fontRef>
-        </p:style>
-      </p:cxnSp>
-      <p:sp>
-        <p:nvSpPr>
-          <p:cNvPr id="13" name="Espaço Reservado para Texto 5">
-            <a:extLst>
-              <a:ext uri="{FF2B5EF4-FFF2-40B4-BE49-F238E27FC236}">
-                <a16:creationId xmlns:a16="http://schemas.microsoft.com/office/drawing/2014/main" id="{9E81C02C-2F98-46FC-9C82-B2460A73A1A1}"/>
-              </a:ext>
-            </a:extLst>
-          </p:cNvPr>
-          <p:cNvSpPr txBox="1">
-            <a:spLocks/>
-          </p:cNvSpPr>
-          <p:nvPr/>
-        </p:nvSpPr>
-        <p:spPr>
-          <a:xfrm>
-            <a:off x="1517705" y="4199547"/>
-            <a:ext cx="2171426" cy="476794"/>
-          </a:xfrm>
-          <a:prstGeom prst="rect">
-            <a:avLst/>
-          </a:prstGeom>
-        </p:spPr>
-        <p:txBody>
-          <a:bodyPr>
-            <a:noAutofit/>
-          </a:bodyPr>
-          <a:lstStyle>
-            <a:lvl1pPr marL="228600" indent="-228600" algn="l" defTabSz="914400" rtl="0" eaLnBrk="1" latinLnBrk="0" hangingPunct="1">
-              <a:lnSpc>
-                <a:spcPct val="90000"/>
-              </a:lnSpc>
-              <a:spcBef>
-                <a:spcPts val="1000"/>
-              </a:spcBef>
-              <a:buFont typeface="Arial" panose="020B0604020202020204" pitchFamily="34" charset="0"/>
-              <a:buChar char="•"/>
-              <a:defRPr sz="2800" kern="1200">
-                <a:solidFill>
-                  <a:schemeClr val="tx1"/>
-                </a:solidFill>
-                <a:latin typeface="+mn-lt"/>
-                <a:ea typeface="+mn-ea"/>
-                <a:cs typeface="+mn-cs"/>
-              </a:defRPr>
-            </a:lvl1pPr>
-            <a:lvl2pPr marL="685800" indent="-228600" algn="l" defTabSz="914400" rtl="0" eaLnBrk="1" latinLnBrk="0" hangingPunct="1">
-              <a:lnSpc>
-                <a:spcPct val="90000"/>
-              </a:lnSpc>
-              <a:spcBef>
-                <a:spcPts val="500"/>
-              </a:spcBef>
-              <a:buFont typeface="Arial" panose="020B0604020202020204" pitchFamily="34" charset="0"/>
-              <a:buChar char="•"/>
-              <a:defRPr sz="2400" kern="1200">
-                <a:solidFill>
-                  <a:schemeClr val="tx1"/>
-                </a:solidFill>
-                <a:latin typeface="+mn-lt"/>
-                <a:ea typeface="+mn-ea"/>
-                <a:cs typeface="+mn-cs"/>
-              </a:defRPr>
-            </a:lvl2pPr>
-            <a:lvl3pPr marL="1143000" indent="-228600" algn="l" defTabSz="914400" rtl="0" eaLnBrk="1" latinLnBrk="0" hangingPunct="1">
-              <a:lnSpc>
-                <a:spcPct val="90000"/>
-              </a:lnSpc>
-              <a:spcBef>
-                <a:spcPts val="500"/>
-              </a:spcBef>
-              <a:buFont typeface="Arial" panose="020B0604020202020204" pitchFamily="34" charset="0"/>
-              <a:buChar char="•"/>
-              <a:defRPr sz="2000" kern="1200">
-                <a:solidFill>
-                  <a:schemeClr val="tx1"/>
-                </a:solidFill>
-                <a:latin typeface="+mn-lt"/>
-                <a:ea typeface="+mn-ea"/>
-                <a:cs typeface="+mn-cs"/>
-              </a:defRPr>
-            </a:lvl3pPr>
-            <a:lvl4pPr marL="1600200" indent="-228600" algn="l" defTabSz="914400" rtl="0" eaLnBrk="1" latinLnBrk="0" hangingPunct="1">
-              <a:lnSpc>
-                <a:spcPct val="90000"/>
-              </a:lnSpc>
-              <a:spcBef>
-                <a:spcPts val="500"/>
-              </a:spcBef>
-              <a:buFont typeface="Arial" panose="020B0604020202020204" pitchFamily="34" charset="0"/>
-              <a:buChar char="•"/>
-              <a:defRPr sz="1800" kern="1200">
-                <a:solidFill>
-                  <a:schemeClr val="tx1"/>
-                </a:solidFill>
-                <a:latin typeface="+mn-lt"/>
-                <a:ea typeface="+mn-ea"/>
-                <a:cs typeface="+mn-cs"/>
-              </a:defRPr>
-            </a:lvl4pPr>
-            <a:lvl5pPr marL="2057400" indent="-228600" algn="l" defTabSz="914400" rtl="0" eaLnBrk="1" latinLnBrk="0" hangingPunct="1">
-              <a:lnSpc>
-                <a:spcPct val="90000"/>
-              </a:lnSpc>
-              <a:spcBef>
-                <a:spcPts val="500"/>
-              </a:spcBef>
-              <a:buFont typeface="Arial" panose="020B0604020202020204" pitchFamily="34" charset="0"/>
-              <a:buChar char="•"/>
-              <a:defRPr sz="1800" kern="1200">
-                <a:solidFill>
-                  <a:schemeClr val="tx1"/>
-                </a:solidFill>
-                <a:latin typeface="+mn-lt"/>
-                <a:ea typeface="+mn-ea"/>
-                <a:cs typeface="+mn-cs"/>
-              </a:defRPr>
-            </a:lvl5pPr>
-            <a:lvl6pPr marL="2514600" indent="-228600" algn="l" defTabSz="914400" rtl="0" eaLnBrk="1" latinLnBrk="0" hangingPunct="1">
-              <a:lnSpc>
-                <a:spcPct val="90000"/>
-              </a:lnSpc>
-              <a:spcBef>
-                <a:spcPts val="500"/>
-              </a:spcBef>
-              <a:buFont typeface="Arial" panose="020B0604020202020204" pitchFamily="34" charset="0"/>
-              <a:buChar char="•"/>
-              <a:defRPr sz="1800" kern="1200">
-                <a:solidFill>
-                  <a:schemeClr val="tx1"/>
-                </a:solidFill>
-                <a:latin typeface="+mn-lt"/>
-                <a:ea typeface="+mn-ea"/>
-                <a:cs typeface="+mn-cs"/>
-              </a:defRPr>
-            </a:lvl6pPr>
-            <a:lvl7pPr marL="2971800" indent="-228600" algn="l" defTabSz="914400" rtl="0" eaLnBrk="1" latinLnBrk="0" hangingPunct="1">
-              <a:lnSpc>
-                <a:spcPct val="90000"/>
-              </a:lnSpc>
-              <a:spcBef>
-                <a:spcPts val="500"/>
-              </a:spcBef>
-              <a:buFont typeface="Arial" panose="020B0604020202020204" pitchFamily="34" charset="0"/>
-              <a:buChar char="•"/>
-              <a:defRPr sz="1800" kern="1200">
-                <a:solidFill>
-                  <a:schemeClr val="tx1"/>
-                </a:solidFill>
-                <a:latin typeface="+mn-lt"/>
-                <a:ea typeface="+mn-ea"/>
-                <a:cs typeface="+mn-cs"/>
-              </a:defRPr>
-            </a:lvl7pPr>
-            <a:lvl8pPr marL="3429000" indent="-228600" algn="l" defTabSz="914400" rtl="0" eaLnBrk="1" latinLnBrk="0" hangingPunct="1">
-              <a:lnSpc>
-                <a:spcPct val="90000"/>
-              </a:lnSpc>
-              <a:spcBef>
-                <a:spcPts val="500"/>
-              </a:spcBef>
-              <a:buFont typeface="Arial" panose="020B0604020202020204" pitchFamily="34" charset="0"/>
-              <a:buChar char="•"/>
-              <a:defRPr sz="1800" kern="1200">
-                <a:solidFill>
-                  <a:schemeClr val="tx1"/>
-                </a:solidFill>
-                <a:latin typeface="+mn-lt"/>
-                <a:ea typeface="+mn-ea"/>
-                <a:cs typeface="+mn-cs"/>
-              </a:defRPr>
-            </a:lvl8pPr>
-            <a:lvl9pPr marL="3886200" indent="-228600" algn="l" defTabSz="914400" rtl="0" eaLnBrk="1" latinLnBrk="0" hangingPunct="1">
-              <a:lnSpc>
-                <a:spcPct val="90000"/>
-              </a:lnSpc>
-              <a:spcBef>
-                <a:spcPts val="500"/>
-              </a:spcBef>
-              <a:buFont typeface="Arial" panose="020B0604020202020204" pitchFamily="34" charset="0"/>
-              <a:buChar char="•"/>
-              <a:defRPr sz="1800" kern="1200">
-                <a:solidFill>
-                  <a:schemeClr val="tx1"/>
-                </a:solidFill>
-                <a:latin typeface="+mn-lt"/>
-                <a:ea typeface="+mn-ea"/>
-                <a:cs typeface="+mn-cs"/>
-              </a:defRPr>
-            </a:lvl9pPr>
-          </a:lstStyle>
-          <a:p>
-            <a:pPr algn="ctr">
-              <a:spcBef>
-                <a:spcPts val="0"/>
-              </a:spcBef>
-            </a:pPr>
-            <a:r>
-              <a:rPr lang="pt-BR" sz="1600" dirty="0">
-                <a:solidFill>
-                  <a:schemeClr val="bg1">
-                    <a:lumMod val="75000"/>
-                  </a:schemeClr>
-                </a:solidFill>
-                <a:latin typeface="HERO" panose="00000500000000000000" pitchFamily="50" charset="0"/>
-              </a:rPr>
-              <a:t>Software para gestão suporte.</a:t>
-            </a:r>
-          </a:p>
-        </p:txBody>
-      </p:sp>
-      <p:pic>
-        <p:nvPicPr>
-          <p:cNvPr id="4" name="Imagem 3" descr="Uma imagem contendo árvore&#10;&#10;Descrição gerada automaticamente">
-            <a:extLst>
-              <a:ext uri="{FF2B5EF4-FFF2-40B4-BE49-F238E27FC236}">
-                <a16:creationId xmlns:a16="http://schemas.microsoft.com/office/drawing/2014/main" id="{D92BC9CE-C924-4223-A24F-C4F92293C831}"/>
-              </a:ext>
-            </a:extLst>
-          </p:cNvPr>
-          <p:cNvPicPr>
-            <a:picLocks noChangeAspect="1"/>
-          </p:cNvPicPr>
-          <p:nvPr/>
-        </p:nvPicPr>
-        <p:blipFill>
-          <a:blip r:embed="rId2">
-            <a:extLst>
-              <a:ext uri="{28A0092B-C50C-407E-A947-70E740481C1C}">
-                <a14:useLocalDpi xmlns:a14="http://schemas.microsoft.com/office/drawing/2010/main" val="0"/>
-              </a:ext>
-            </a:extLst>
-          </a:blip>
-          <a:stretch>
-            <a:fillRect/>
-          </a:stretch>
-        </p:blipFill>
-        <p:spPr>
-          <a:xfrm>
-            <a:off x="1339463" y="1690688"/>
-            <a:ext cx="2457450" cy="2505075"/>
-          </a:xfrm>
-          <a:prstGeom prst="rect">
-            <a:avLst/>
-          </a:prstGeom>
-        </p:spPr>
-      </p:pic>
-      <p:pic>
-        <p:nvPicPr>
-          <p:cNvPr id="10" name="Imagem 9" descr="Uma imagem contendo texto, desenho&#10;&#10;Descrição gerada automaticamente">
-            <a:extLst>
-              <a:ext uri="{FF2B5EF4-FFF2-40B4-BE49-F238E27FC236}">
-                <a16:creationId xmlns:a16="http://schemas.microsoft.com/office/drawing/2014/main" id="{3DD3DC68-24A0-488E-9197-2F57E850E2E6}"/>
-              </a:ext>
-            </a:extLst>
-          </p:cNvPr>
-          <p:cNvPicPr>
-            <a:picLocks noChangeAspect="1"/>
-          </p:cNvPicPr>
-          <p:nvPr/>
-        </p:nvPicPr>
-        <p:blipFill>
-          <a:blip r:embed="rId3" cstate="hqprint">
-            <a:extLst>
-              <a:ext uri="{28A0092B-C50C-407E-A947-70E740481C1C}">
-                <a14:useLocalDpi xmlns:a14="http://schemas.microsoft.com/office/drawing/2010/main" val="0"/>
-              </a:ext>
-            </a:extLst>
-          </a:blip>
-          <a:stretch>
-            <a:fillRect/>
-          </a:stretch>
-        </p:blipFill>
-        <p:spPr>
-          <a:xfrm>
-            <a:off x="11371740" y="365125"/>
-            <a:ext cx="599846" cy="535577"/>
-          </a:xfrm>
-          <a:prstGeom prst="rect">
-            <a:avLst/>
-          </a:prstGeom>
-        </p:spPr>
-      </p:pic>
-    </p:spTree>
-    <p:extLst>
-      <p:ext uri="{BB962C8B-B14F-4D97-AF65-F5344CB8AC3E}">
-        <p14:creationId xmlns:p14="http://schemas.microsoft.com/office/powerpoint/2010/main" val="4127704790"/>
-      </p:ext>
-    </p:extLst>
-  </p:cSld>
-  <p:clrMapOvr>
-    <a:masterClrMapping/>
-  </p:clrMapOvr>
-  <p:transition>
-    <p:fade/>
-  </p:transition>
-</p:sld>
-</file>
-
-<file path=ppt/slides/slide2.xml><?xml version="1.0" encoding="utf-8"?>
-<p:sld xmlns:a="http://schemas.openxmlformats.org/drawingml/2006/main" xmlns:r="http://schemas.openxmlformats.org/officeDocument/2006/relationships" xmlns:p="http://schemas.openxmlformats.org/presentationml/2006/main">
-  <p:cSld>
-    <p:spTree>
-      <p:nvGrpSpPr>
-        <p:cNvPr id="1" name=""/>
-        <p:cNvGrpSpPr/>
-        <p:nvPr/>
-      </p:nvGrpSpPr>
-      <p:grpSpPr>
-        <a:xfrm>
-          <a:off x="0" y="0"/>
-          <a:ext cx="0" cy="0"/>
-          <a:chOff x="0" y="0"/>
-          <a:chExt cx="0" cy="0"/>
-        </a:xfrm>
-      </p:grpSpPr>
-      <p:sp>
-        <p:nvSpPr>
-          <p:cNvPr id="2" name="Título 1">
-            <a:extLst>
-              <a:ext uri="{FF2B5EF4-FFF2-40B4-BE49-F238E27FC236}">
-                <a16:creationId xmlns:a16="http://schemas.microsoft.com/office/drawing/2014/main" id="{99F76FBE-1BC2-4EE6-B90A-22263BF7BDCD}"/>
-              </a:ext>
-            </a:extLst>
-          </p:cNvPr>
-          <p:cNvSpPr>
-            <a:spLocks noGrp="1"/>
-          </p:cNvSpPr>
-          <p:nvPr>
-            <p:ph type="title"/>
-          </p:nvPr>
-        </p:nvSpPr>
-        <p:spPr/>
-        <p:txBody>
-          <a:bodyPr/>
-          <a:lstStyle/>
-          <a:p>
-            <a:r>
-              <a:rPr lang="pt-BR" dirty="0">
-                <a:solidFill>
-                  <a:schemeClr val="tx1">
-                    <a:lumMod val="75000"/>
-                    <a:lumOff val="25000"/>
-                  </a:schemeClr>
-                </a:solidFill>
-                <a:latin typeface="HERO" panose="00000500000000000000" pitchFamily="50" charset="0"/>
-              </a:rPr>
-              <a:t>Integrantes</a:t>
-            </a:r>
-          </a:p>
-        </p:txBody>
-      </p:sp>
-      <p:sp>
-        <p:nvSpPr>
-          <p:cNvPr id="3" name="Elipse 2">
-            <a:extLst>
-              <a:ext uri="{FF2B5EF4-FFF2-40B4-BE49-F238E27FC236}">
-                <a16:creationId xmlns:a16="http://schemas.microsoft.com/office/drawing/2014/main" id="{F85690BC-8C6C-4F60-80AD-CA39895D3466}"/>
-              </a:ext>
-            </a:extLst>
-          </p:cNvPr>
-          <p:cNvSpPr/>
-          <p:nvPr/>
-        </p:nvSpPr>
-        <p:spPr>
-          <a:xfrm>
-            <a:off x="509451" y="2915295"/>
-            <a:ext cx="1460763" cy="1460763"/>
-          </a:xfrm>
-          <a:prstGeom prst="ellipse">
-            <a:avLst/>
-          </a:prstGeom>
-        </p:spPr>
-        <p:style>
-          <a:lnRef idx="2">
-            <a:schemeClr val="accent1">
-              <a:shade val="50000"/>
-            </a:schemeClr>
-          </a:lnRef>
-          <a:fillRef idx="1">
-            <a:schemeClr val="accent1"/>
-          </a:fillRef>
-          <a:effectRef idx="0">
-            <a:schemeClr val="accent1"/>
-          </a:effectRef>
-          <a:fontRef idx="minor">
-            <a:schemeClr val="lt1"/>
-          </a:fontRef>
-        </p:style>
-        <p:txBody>
-          <a:bodyPr rtlCol="0" anchor="ctr"/>
-          <a:lstStyle/>
-          <a:p>
-            <a:pPr algn="ctr"/>
-            <a:endParaRPr lang="pt-BR" dirty="0">
-              <a:latin typeface="HERO" panose="00000500000000000000" pitchFamily="50" charset="0"/>
-            </a:endParaRPr>
-          </a:p>
-        </p:txBody>
-      </p:sp>
-      <p:sp>
-        <p:nvSpPr>
-          <p:cNvPr id="4" name="Elipse 3">
-            <a:extLst>
-              <a:ext uri="{FF2B5EF4-FFF2-40B4-BE49-F238E27FC236}">
-                <a16:creationId xmlns:a16="http://schemas.microsoft.com/office/drawing/2014/main" id="{CFF7654C-5D02-48DC-8C9D-1DFC556DBA65}"/>
-              </a:ext>
-            </a:extLst>
-          </p:cNvPr>
-          <p:cNvSpPr/>
-          <p:nvPr/>
-        </p:nvSpPr>
-        <p:spPr>
-          <a:xfrm>
-            <a:off x="4294942" y="2915291"/>
-            <a:ext cx="1460763" cy="1460763"/>
-          </a:xfrm>
-          <a:prstGeom prst="ellipse">
-            <a:avLst/>
-          </a:prstGeom>
-        </p:spPr>
-        <p:style>
-          <a:lnRef idx="2">
-            <a:schemeClr val="accent1">
-              <a:shade val="50000"/>
-            </a:schemeClr>
-          </a:lnRef>
-          <a:fillRef idx="1">
-            <a:schemeClr val="accent1"/>
-          </a:fillRef>
-          <a:effectRef idx="0">
-            <a:schemeClr val="accent1"/>
-          </a:effectRef>
-          <a:fontRef idx="minor">
-            <a:schemeClr val="lt1"/>
-          </a:fontRef>
-        </p:style>
-        <p:txBody>
-          <a:bodyPr rtlCol="0" anchor="ctr"/>
-          <a:lstStyle/>
-          <a:p>
-            <a:pPr algn="ctr"/>
-            <a:endParaRPr lang="pt-BR" dirty="0">
-              <a:latin typeface="HERO" panose="00000500000000000000" pitchFamily="50" charset="0"/>
-            </a:endParaRPr>
-          </a:p>
-        </p:txBody>
-      </p:sp>
-      <p:sp>
-        <p:nvSpPr>
-          <p:cNvPr id="5" name="Elipse 4">
-            <a:extLst>
-              <a:ext uri="{FF2B5EF4-FFF2-40B4-BE49-F238E27FC236}">
-                <a16:creationId xmlns:a16="http://schemas.microsoft.com/office/drawing/2014/main" id="{4821C533-B6AD-4FE6-BF89-6B58C131F0CD}"/>
-              </a:ext>
-            </a:extLst>
-          </p:cNvPr>
-          <p:cNvSpPr/>
-          <p:nvPr/>
-        </p:nvSpPr>
-        <p:spPr>
-          <a:xfrm>
-            <a:off x="8434720" y="2915292"/>
-            <a:ext cx="1460763" cy="1460763"/>
-          </a:xfrm>
-          <a:prstGeom prst="ellipse">
-            <a:avLst/>
-          </a:prstGeom>
-        </p:spPr>
-        <p:style>
-          <a:lnRef idx="2">
-            <a:schemeClr val="accent1">
-              <a:shade val="50000"/>
-            </a:schemeClr>
-          </a:lnRef>
-          <a:fillRef idx="1">
-            <a:schemeClr val="accent1"/>
-          </a:fillRef>
-          <a:effectRef idx="0">
-            <a:schemeClr val="accent1"/>
-          </a:effectRef>
-          <a:fontRef idx="minor">
-            <a:schemeClr val="lt1"/>
-          </a:fontRef>
-        </p:style>
-        <p:txBody>
-          <a:bodyPr rtlCol="0" anchor="ctr"/>
-          <a:lstStyle/>
-          <a:p>
-            <a:pPr algn="ctr"/>
-            <a:endParaRPr lang="pt-BR" dirty="0">
-              <a:latin typeface="HERO" panose="00000500000000000000" pitchFamily="50" charset="0"/>
-            </a:endParaRPr>
-          </a:p>
-        </p:txBody>
-      </p:sp>
-      <p:sp>
-        <p:nvSpPr>
-          <p:cNvPr id="6" name="Elipse 5">
-            <a:extLst>
-              <a:ext uri="{FF2B5EF4-FFF2-40B4-BE49-F238E27FC236}">
-                <a16:creationId xmlns:a16="http://schemas.microsoft.com/office/drawing/2014/main" id="{B933C42F-90F1-4AF3-A2FA-DCB1FC97D05E}"/>
-              </a:ext>
-            </a:extLst>
-          </p:cNvPr>
-          <p:cNvSpPr/>
-          <p:nvPr/>
-        </p:nvSpPr>
-        <p:spPr>
-          <a:xfrm>
-            <a:off x="6364831" y="2915290"/>
-            <a:ext cx="1460763" cy="1460763"/>
-          </a:xfrm>
-          <a:prstGeom prst="ellipse">
-            <a:avLst/>
-          </a:prstGeom>
-        </p:spPr>
-        <p:style>
-          <a:lnRef idx="2">
-            <a:schemeClr val="accent1">
-              <a:shade val="50000"/>
-            </a:schemeClr>
-          </a:lnRef>
-          <a:fillRef idx="1">
-            <a:schemeClr val="accent1"/>
-          </a:fillRef>
-          <a:effectRef idx="0">
-            <a:schemeClr val="accent1"/>
-          </a:effectRef>
-          <a:fontRef idx="minor">
-            <a:schemeClr val="lt1"/>
-          </a:fontRef>
-        </p:style>
-        <p:txBody>
-          <a:bodyPr rtlCol="0" anchor="ctr"/>
-          <a:lstStyle/>
-          <a:p>
-            <a:pPr algn="ctr"/>
-            <a:endParaRPr lang="pt-BR" dirty="0">
-              <a:latin typeface="HERO" panose="00000500000000000000" pitchFamily="50" charset="0"/>
-            </a:endParaRPr>
-          </a:p>
-        </p:txBody>
-      </p:sp>
-      <p:sp>
-        <p:nvSpPr>
-          <p:cNvPr id="7" name="Elipse 6">
-            <a:extLst>
-              <a:ext uri="{FF2B5EF4-FFF2-40B4-BE49-F238E27FC236}">
-                <a16:creationId xmlns:a16="http://schemas.microsoft.com/office/drawing/2014/main" id="{F663AA05-740A-4CDE-B1D5-80249D0F45FF}"/>
-              </a:ext>
-            </a:extLst>
-          </p:cNvPr>
-          <p:cNvSpPr/>
-          <p:nvPr/>
-        </p:nvSpPr>
-        <p:spPr>
-          <a:xfrm>
-            <a:off x="10327465" y="2915290"/>
-            <a:ext cx="1460763" cy="1460763"/>
-          </a:xfrm>
-          <a:prstGeom prst="ellipse">
-            <a:avLst/>
-          </a:prstGeom>
-        </p:spPr>
-        <p:style>
-          <a:lnRef idx="2">
-            <a:schemeClr val="accent1">
-              <a:shade val="50000"/>
-            </a:schemeClr>
-          </a:lnRef>
-          <a:fillRef idx="1">
-            <a:schemeClr val="accent1"/>
-          </a:fillRef>
-          <a:effectRef idx="0">
-            <a:schemeClr val="accent1"/>
-          </a:effectRef>
-          <a:fontRef idx="minor">
-            <a:schemeClr val="lt1"/>
-          </a:fontRef>
-        </p:style>
-        <p:txBody>
-          <a:bodyPr rtlCol="0" anchor="ctr"/>
-          <a:lstStyle/>
-          <a:p>
-            <a:pPr algn="ctr"/>
-            <a:endParaRPr lang="pt-BR" dirty="0">
-              <a:latin typeface="HERO" panose="00000500000000000000" pitchFamily="50" charset="0"/>
-            </a:endParaRPr>
-          </a:p>
-        </p:txBody>
-      </p:sp>
-      <p:sp>
-        <p:nvSpPr>
-          <p:cNvPr id="8" name="CaixaDeTexto 7">
-            <a:extLst>
-              <a:ext uri="{FF2B5EF4-FFF2-40B4-BE49-F238E27FC236}">
-                <a16:creationId xmlns:a16="http://schemas.microsoft.com/office/drawing/2014/main" id="{B8325861-1F2F-4268-ABB8-C47708A22645}"/>
-              </a:ext>
-            </a:extLst>
-          </p:cNvPr>
-          <p:cNvSpPr txBox="1"/>
-          <p:nvPr/>
-        </p:nvSpPr>
-        <p:spPr>
-          <a:xfrm>
-            <a:off x="247054" y="4690253"/>
-            <a:ext cx="1985555" cy="954107"/>
-          </a:xfrm>
-          <a:prstGeom prst="rect">
-            <a:avLst/>
-          </a:prstGeom>
-          <a:noFill/>
-        </p:spPr>
-        <p:txBody>
-          <a:bodyPr wrap="square" rtlCol="0">
-            <a:spAutoFit/>
-          </a:bodyPr>
-          <a:lstStyle/>
-          <a:p>
-            <a:pPr algn="ctr"/>
-            <a:r>
-              <a:rPr lang="pt-BR" sz="2800" dirty="0">
-                <a:latin typeface="HERO" panose="00000500000000000000" pitchFamily="50" charset="0"/>
-              </a:rPr>
-              <a:t>Gabriel Lázaro</a:t>
-            </a:r>
-          </a:p>
-        </p:txBody>
-      </p:sp>
-      <p:sp>
-        <p:nvSpPr>
-          <p:cNvPr id="9" name="CaixaDeTexto 8">
-            <a:extLst>
-              <a:ext uri="{FF2B5EF4-FFF2-40B4-BE49-F238E27FC236}">
-                <a16:creationId xmlns:a16="http://schemas.microsoft.com/office/drawing/2014/main" id="{C1CD548A-80ED-4522-9EDB-054404B21EE9}"/>
-              </a:ext>
-            </a:extLst>
-          </p:cNvPr>
-          <p:cNvSpPr txBox="1"/>
-          <p:nvPr/>
-        </p:nvSpPr>
-        <p:spPr>
-          <a:xfrm>
-            <a:off x="4032545" y="4668399"/>
-            <a:ext cx="1985555" cy="954107"/>
-          </a:xfrm>
-          <a:prstGeom prst="rect">
-            <a:avLst/>
-          </a:prstGeom>
-          <a:noFill/>
-        </p:spPr>
-        <p:txBody>
-          <a:bodyPr wrap="square" rtlCol="0">
-            <a:spAutoFit/>
-          </a:bodyPr>
-          <a:lstStyle/>
-          <a:p>
-            <a:pPr algn="ctr"/>
-            <a:r>
-              <a:rPr lang="pt-BR" sz="2800" dirty="0">
-                <a:latin typeface="HERO" panose="00000500000000000000" pitchFamily="50" charset="0"/>
-              </a:rPr>
-              <a:t>João Baptista</a:t>
-            </a:r>
-          </a:p>
-        </p:txBody>
-      </p:sp>
-      <p:sp>
-        <p:nvSpPr>
-          <p:cNvPr id="10" name="CaixaDeTexto 9">
-            <a:extLst>
-              <a:ext uri="{FF2B5EF4-FFF2-40B4-BE49-F238E27FC236}">
-                <a16:creationId xmlns:a16="http://schemas.microsoft.com/office/drawing/2014/main" id="{A943B0FE-F317-47B4-AF95-1BF63C89F003}"/>
-              </a:ext>
-            </a:extLst>
-          </p:cNvPr>
-          <p:cNvSpPr txBox="1"/>
-          <p:nvPr/>
-        </p:nvSpPr>
-        <p:spPr>
-          <a:xfrm>
-            <a:off x="8172322" y="4690252"/>
-            <a:ext cx="1985555" cy="954107"/>
-          </a:xfrm>
-          <a:prstGeom prst="rect">
-            <a:avLst/>
-          </a:prstGeom>
-          <a:noFill/>
-        </p:spPr>
-        <p:txBody>
-          <a:bodyPr wrap="square" rtlCol="0">
-            <a:spAutoFit/>
-          </a:bodyPr>
-          <a:lstStyle/>
-          <a:p>
-            <a:pPr algn="ctr"/>
-            <a:r>
-              <a:rPr lang="pt-BR" sz="2800" dirty="0">
-                <a:latin typeface="HERO" panose="00000500000000000000" pitchFamily="50" charset="0"/>
-              </a:rPr>
-              <a:t>Larissa</a:t>
-            </a:r>
-          </a:p>
-          <a:p>
-            <a:pPr algn="ctr"/>
-            <a:r>
-              <a:rPr lang="pt-BR" sz="2800" dirty="0">
-                <a:latin typeface="HERO" panose="00000500000000000000" pitchFamily="50" charset="0"/>
-              </a:rPr>
-              <a:t>Custódio</a:t>
-            </a:r>
-          </a:p>
-        </p:txBody>
-      </p:sp>
-      <p:sp>
-        <p:nvSpPr>
-          <p:cNvPr id="11" name="CaixaDeTexto 10">
-            <a:extLst>
-              <a:ext uri="{FF2B5EF4-FFF2-40B4-BE49-F238E27FC236}">
-                <a16:creationId xmlns:a16="http://schemas.microsoft.com/office/drawing/2014/main" id="{79D4990C-EB5C-46BD-906D-1D4B714A6937}"/>
-              </a:ext>
-            </a:extLst>
-          </p:cNvPr>
-          <p:cNvSpPr txBox="1"/>
-          <p:nvPr/>
-        </p:nvSpPr>
-        <p:spPr>
-          <a:xfrm>
-            <a:off x="10065068" y="4685234"/>
-            <a:ext cx="1985555" cy="954107"/>
-          </a:xfrm>
-          <a:prstGeom prst="rect">
-            <a:avLst/>
-          </a:prstGeom>
-          <a:noFill/>
-        </p:spPr>
-        <p:txBody>
-          <a:bodyPr wrap="square" rtlCol="0">
-            <a:spAutoFit/>
-          </a:bodyPr>
-          <a:lstStyle/>
-          <a:p>
-            <a:pPr algn="ctr"/>
-            <a:r>
-              <a:rPr lang="pt-BR" sz="2800" dirty="0">
-                <a:latin typeface="HERO" panose="00000500000000000000" pitchFamily="50" charset="0"/>
-              </a:rPr>
-              <a:t>Lucas</a:t>
-            </a:r>
-          </a:p>
-          <a:p>
-            <a:pPr algn="ctr"/>
-            <a:r>
-              <a:rPr lang="pt-BR" sz="2800" dirty="0">
-                <a:latin typeface="HERO" panose="00000500000000000000" pitchFamily="50" charset="0"/>
-              </a:rPr>
-              <a:t>Matheus</a:t>
-            </a:r>
-          </a:p>
-        </p:txBody>
-      </p:sp>
-      <p:sp>
-        <p:nvSpPr>
-          <p:cNvPr id="12" name="CaixaDeTexto 11">
-            <a:extLst>
-              <a:ext uri="{FF2B5EF4-FFF2-40B4-BE49-F238E27FC236}">
-                <a16:creationId xmlns:a16="http://schemas.microsoft.com/office/drawing/2014/main" id="{3EEDA333-49AA-47A1-9E18-27FCA69C6ADA}"/>
-              </a:ext>
-            </a:extLst>
-          </p:cNvPr>
-          <p:cNvSpPr txBox="1"/>
-          <p:nvPr/>
-        </p:nvSpPr>
-        <p:spPr>
-          <a:xfrm>
-            <a:off x="2139799" y="4646545"/>
-            <a:ext cx="1985555" cy="954107"/>
-          </a:xfrm>
-          <a:prstGeom prst="rect">
-            <a:avLst/>
-          </a:prstGeom>
-          <a:noFill/>
-        </p:spPr>
-        <p:txBody>
-          <a:bodyPr wrap="square" rtlCol="0">
-            <a:spAutoFit/>
-          </a:bodyPr>
-          <a:lstStyle/>
-          <a:p>
-            <a:pPr algn="ctr"/>
-            <a:r>
-              <a:rPr lang="pt-BR" sz="2800" dirty="0">
-                <a:latin typeface="HERO" panose="00000500000000000000" pitchFamily="50" charset="0"/>
-              </a:rPr>
-              <a:t>Isabella Oliveira</a:t>
-            </a:r>
-          </a:p>
-        </p:txBody>
-      </p:sp>
-      <p:pic>
-        <p:nvPicPr>
-          <p:cNvPr id="18" name="Imagem 17" descr="Uma imagem contendo texto, desenho&#10;&#10;Descrição gerada automaticamente">
-            <a:extLst>
-              <a:ext uri="{FF2B5EF4-FFF2-40B4-BE49-F238E27FC236}">
-                <a16:creationId xmlns:a16="http://schemas.microsoft.com/office/drawing/2014/main" id="{AD26FE12-6C3C-42D5-8555-53AADF5A3248}"/>
-              </a:ext>
-            </a:extLst>
-          </p:cNvPr>
-          <p:cNvPicPr>
-            <a:picLocks noChangeAspect="1"/>
-          </p:cNvPicPr>
-          <p:nvPr/>
-        </p:nvPicPr>
-        <p:blipFill>
-          <a:blip r:embed="rId2" cstate="hqprint">
-            <a:extLst>
-              <a:ext uri="{28A0092B-C50C-407E-A947-70E740481C1C}">
-                <a14:useLocalDpi xmlns:a14="http://schemas.microsoft.com/office/drawing/2010/main" val="0"/>
-              </a:ext>
-            </a:extLst>
-          </a:blip>
-          <a:stretch>
-            <a:fillRect/>
-          </a:stretch>
-        </p:blipFill>
-        <p:spPr>
-          <a:xfrm>
-            <a:off x="11371740" y="365125"/>
-            <a:ext cx="599846" cy="535577"/>
-          </a:xfrm>
-          <a:prstGeom prst="rect">
-            <a:avLst/>
-          </a:prstGeom>
-        </p:spPr>
-      </p:pic>
-      <p:sp>
-        <p:nvSpPr>
-          <p:cNvPr id="14" name="Elipse 13">
-            <a:extLst>
-              <a:ext uri="{FF2B5EF4-FFF2-40B4-BE49-F238E27FC236}">
-                <a16:creationId xmlns:a16="http://schemas.microsoft.com/office/drawing/2014/main" id="{7D9F8C05-4696-45C8-A76A-B27C44BC7A12}"/>
-              </a:ext>
-            </a:extLst>
-          </p:cNvPr>
-          <p:cNvSpPr/>
-          <p:nvPr/>
-        </p:nvSpPr>
-        <p:spPr>
-          <a:xfrm>
-            <a:off x="2402196" y="2915290"/>
-            <a:ext cx="1460763" cy="1460763"/>
-          </a:xfrm>
-          <a:prstGeom prst="ellipse">
-            <a:avLst/>
-          </a:prstGeom>
-        </p:spPr>
-        <p:style>
-          <a:lnRef idx="2">
-            <a:schemeClr val="accent1">
-              <a:shade val="50000"/>
-            </a:schemeClr>
-          </a:lnRef>
-          <a:fillRef idx="1">
-            <a:schemeClr val="accent1"/>
-          </a:fillRef>
-          <a:effectRef idx="0">
-            <a:schemeClr val="accent1"/>
-          </a:effectRef>
-          <a:fontRef idx="minor">
-            <a:schemeClr val="lt1"/>
-          </a:fontRef>
-        </p:style>
-        <p:txBody>
-          <a:bodyPr rtlCol="0" anchor="ctr"/>
-          <a:lstStyle/>
-          <a:p>
-            <a:pPr algn="ctr"/>
-            <a:endParaRPr lang="pt-BR" dirty="0">
-              <a:latin typeface="HERO" panose="00000500000000000000" pitchFamily="50" charset="0"/>
-            </a:endParaRPr>
-          </a:p>
-        </p:txBody>
-      </p:sp>
-      <p:sp>
-        <p:nvSpPr>
-          <p:cNvPr id="15" name="CaixaDeTexto 14">
-            <a:extLst>
-              <a:ext uri="{FF2B5EF4-FFF2-40B4-BE49-F238E27FC236}">
-                <a16:creationId xmlns:a16="http://schemas.microsoft.com/office/drawing/2014/main" id="{E521C1D0-0445-4E7C-A6FE-73D8B2BC5B37}"/>
-              </a:ext>
-            </a:extLst>
-          </p:cNvPr>
-          <p:cNvSpPr txBox="1"/>
-          <p:nvPr/>
-        </p:nvSpPr>
-        <p:spPr>
-          <a:xfrm>
-            <a:off x="6102434" y="4685234"/>
-            <a:ext cx="1985555" cy="954107"/>
-          </a:xfrm>
-          <a:prstGeom prst="rect">
-            <a:avLst/>
-          </a:prstGeom>
-          <a:noFill/>
-        </p:spPr>
-        <p:txBody>
-          <a:bodyPr wrap="square" rtlCol="0">
-            <a:spAutoFit/>
-          </a:bodyPr>
-          <a:lstStyle/>
-          <a:p>
-            <a:pPr algn="ctr"/>
-            <a:r>
-              <a:rPr lang="pt-BR" sz="2800" dirty="0">
-                <a:latin typeface="HERO" panose="00000500000000000000" pitchFamily="50" charset="0"/>
-              </a:rPr>
-              <a:t>Julia </a:t>
-            </a:r>
-          </a:p>
-          <a:p>
-            <a:pPr algn="ctr"/>
-            <a:r>
-              <a:rPr lang="pt-BR" sz="2800" dirty="0">
-                <a:latin typeface="HERO" panose="00000500000000000000" pitchFamily="50" charset="0"/>
-              </a:rPr>
-              <a:t>Lima</a:t>
-            </a:r>
-          </a:p>
-        </p:txBody>
-      </p:sp>
-      <p:pic>
-        <p:nvPicPr>
-          <p:cNvPr id="13" name="Imagem 12"/>
-          <p:cNvPicPr>
-            <a:picLocks noChangeAspect="1"/>
-          </p:cNvPicPr>
-          <p:nvPr/>
-        </p:nvPicPr>
-        <p:blipFill>
-          <a:blip r:embed="rId3" cstate="hqprint">
-            <a:extLst>
-              <a:ext uri="{28A0092B-C50C-407E-A947-70E740481C1C}">
-                <a14:useLocalDpi xmlns:a14="http://schemas.microsoft.com/office/drawing/2010/main" val="0"/>
-              </a:ext>
-            </a:extLst>
-          </a:blip>
-          <a:stretch>
-            <a:fillRect/>
-          </a:stretch>
-        </p:blipFill>
-        <p:spPr>
-          <a:xfrm>
-            <a:off x="8392394" y="2855952"/>
-            <a:ext cx="1503089" cy="1536186"/>
-          </a:xfrm>
-          <a:prstGeom prst="ellipse">
-            <a:avLst/>
-          </a:prstGeom>
-          <a:ln w="63500" cap="rnd">
-            <a:noFill/>
-          </a:ln>
-          <a:effectLst>
-            <a:outerShdw blurRad="381000" dist="292100" dir="5400000" sx="-80000" sy="-18000" rotWithShape="0">
-              <a:srgbClr val="000000">
-                <a:alpha val="22000"/>
-              </a:srgbClr>
-            </a:outerShdw>
-          </a:effectLst>
-          <a:scene3d>
-            <a:camera prst="orthographicFront"/>
-            <a:lightRig rig="contrasting" dir="t">
-              <a:rot lat="0" lon="0" rev="3000000"/>
-            </a:lightRig>
-          </a:scene3d>
-          <a:sp3d contourW="7620">
-            <a:bevelT w="95250" h="31750"/>
-            <a:contourClr>
-              <a:srgbClr val="333333"/>
-            </a:contourClr>
-          </a:sp3d>
-        </p:spPr>
-      </p:pic>
-      <p:pic>
-        <p:nvPicPr>
-          <p:cNvPr id="16" name="Imagem 15"/>
-          <p:cNvPicPr>
-            <a:picLocks noChangeAspect="1"/>
-          </p:cNvPicPr>
-          <p:nvPr/>
-        </p:nvPicPr>
-        <p:blipFill>
-          <a:blip r:embed="rId4" cstate="hqprint">
-            <a:extLst>
-              <a:ext uri="{28A0092B-C50C-407E-A947-70E740481C1C}">
-                <a14:useLocalDpi xmlns:a14="http://schemas.microsoft.com/office/drawing/2010/main" val="0"/>
-              </a:ext>
-            </a:extLst>
-          </a:blip>
-          <a:stretch>
-            <a:fillRect/>
-          </a:stretch>
-        </p:blipFill>
-        <p:spPr>
-          <a:xfrm>
-            <a:off x="6287569" y="2860974"/>
-            <a:ext cx="1572960" cy="1574416"/>
-          </a:xfrm>
-          <a:prstGeom prst="ellipse">
-            <a:avLst/>
-          </a:prstGeom>
-          <a:ln w="63500" cap="rnd">
-            <a:noFill/>
-          </a:ln>
-          <a:effectLst>
-            <a:outerShdw blurRad="381000" dist="292100" dir="5400000" sx="-80000" sy="-18000" rotWithShape="0">
-              <a:srgbClr val="000000">
-                <a:alpha val="22000"/>
-              </a:srgbClr>
-            </a:outerShdw>
-          </a:effectLst>
-          <a:scene3d>
-            <a:camera prst="orthographicFront"/>
-            <a:lightRig rig="contrasting" dir="t">
-              <a:rot lat="0" lon="0" rev="3000000"/>
-            </a:lightRig>
-          </a:scene3d>
-          <a:sp3d contourW="7620">
-            <a:bevelT w="95250" h="31750"/>
-            <a:contourClr>
-              <a:srgbClr val="333333"/>
-            </a:contourClr>
-          </a:sp3d>
-        </p:spPr>
-      </p:pic>
-      <p:pic>
-        <p:nvPicPr>
-          <p:cNvPr id="17" name="Imagem 16"/>
-          <p:cNvPicPr>
-            <a:picLocks noChangeAspect="1"/>
-          </p:cNvPicPr>
-          <p:nvPr/>
-        </p:nvPicPr>
-        <p:blipFill>
-          <a:blip r:embed="rId5">
-            <a:extLst>
-              <a:ext uri="{28A0092B-C50C-407E-A947-70E740481C1C}">
-                <a14:useLocalDpi xmlns:a14="http://schemas.microsoft.com/office/drawing/2010/main" val="0"/>
-              </a:ext>
-            </a:extLst>
-          </a:blip>
-          <a:stretch>
-            <a:fillRect/>
-          </a:stretch>
-        </p:blipFill>
-        <p:spPr>
-          <a:xfrm>
-            <a:off x="10272614" y="2922220"/>
-            <a:ext cx="1563199" cy="1491613"/>
-          </a:xfrm>
-          <a:prstGeom prst="ellipse">
-            <a:avLst/>
-          </a:prstGeom>
-          <a:ln w="63500" cap="rnd">
-            <a:noFill/>
-          </a:ln>
-          <a:effectLst>
-            <a:outerShdw blurRad="381000" dist="292100" dir="5400000" sx="-80000" sy="-18000" rotWithShape="0">
-              <a:srgbClr val="000000">
-                <a:alpha val="22000"/>
-              </a:srgbClr>
-            </a:outerShdw>
-          </a:effectLst>
-          <a:scene3d>
-            <a:camera prst="orthographicFront"/>
-            <a:lightRig rig="contrasting" dir="t">
-              <a:rot lat="0" lon="0" rev="3000000"/>
-            </a:lightRig>
-          </a:scene3d>
-          <a:sp3d contourW="7620">
-            <a:bevelT w="95250" h="31750"/>
-            <a:contourClr>
-              <a:srgbClr val="333333"/>
-            </a:contourClr>
-          </a:sp3d>
-        </p:spPr>
-      </p:pic>
-      <p:pic>
-        <p:nvPicPr>
-          <p:cNvPr id="19" name="Imagem 18"/>
-          <p:cNvPicPr>
-            <a:picLocks noChangeAspect="1"/>
-          </p:cNvPicPr>
-          <p:nvPr/>
-        </p:nvPicPr>
-        <p:blipFill>
-          <a:blip r:embed="rId6" cstate="hqprint">
-            <a:extLst>
-              <a:ext uri="{28A0092B-C50C-407E-A947-70E740481C1C}">
-                <a14:useLocalDpi xmlns:a14="http://schemas.microsoft.com/office/drawing/2010/main" val="0"/>
-              </a:ext>
-            </a:extLst>
-          </a:blip>
-          <a:stretch>
-            <a:fillRect/>
-          </a:stretch>
-        </p:blipFill>
-        <p:spPr>
-          <a:xfrm>
-            <a:off x="2348211" y="2922220"/>
-            <a:ext cx="1569600" cy="1469918"/>
-          </a:xfrm>
-          <a:prstGeom prst="ellipse">
-            <a:avLst/>
-          </a:prstGeom>
-          <a:ln w="63500" cap="rnd">
-            <a:noFill/>
-          </a:ln>
-          <a:effectLst>
-            <a:outerShdw blurRad="381000" dist="292100" dir="5400000" sx="-80000" sy="-18000" rotWithShape="0">
-              <a:srgbClr val="000000">
-                <a:alpha val="22000"/>
-              </a:srgbClr>
-            </a:outerShdw>
-          </a:effectLst>
-          <a:scene3d>
-            <a:camera prst="orthographicFront"/>
-            <a:lightRig rig="contrasting" dir="t">
-              <a:rot lat="0" lon="0" rev="3000000"/>
-            </a:lightRig>
-          </a:scene3d>
-          <a:sp3d contourW="7620">
-            <a:bevelT w="95250" h="31750"/>
-            <a:contourClr>
-              <a:srgbClr val="333333"/>
-            </a:contourClr>
-          </a:sp3d>
-        </p:spPr>
-      </p:pic>
-      <p:pic>
-        <p:nvPicPr>
-          <p:cNvPr id="20" name="Imagem 19"/>
-          <p:cNvPicPr>
-            <a:picLocks noChangeAspect="1"/>
-          </p:cNvPicPr>
-          <p:nvPr/>
-        </p:nvPicPr>
-        <p:blipFill>
-          <a:blip r:embed="rId7">
-            <a:extLst>
-              <a:ext uri="{28A0092B-C50C-407E-A947-70E740481C1C}">
-                <a14:useLocalDpi xmlns:a14="http://schemas.microsoft.com/office/drawing/2010/main" val="0"/>
-              </a:ext>
-            </a:extLst>
-          </a:blip>
-          <a:stretch>
-            <a:fillRect/>
-          </a:stretch>
-        </p:blipFill>
-        <p:spPr>
-          <a:xfrm>
-            <a:off x="4240090" y="2894181"/>
-            <a:ext cx="1569600" cy="1541209"/>
-          </a:xfrm>
-          <a:prstGeom prst="ellipse">
-            <a:avLst/>
-          </a:prstGeom>
-          <a:ln w="63500" cap="rnd">
-            <a:noFill/>
-          </a:ln>
-          <a:effectLst>
-            <a:outerShdw blurRad="381000" dist="292100" dir="5400000" sx="-80000" sy="-18000" rotWithShape="0">
-              <a:srgbClr val="000000">
-                <a:alpha val="22000"/>
-              </a:srgbClr>
-            </a:outerShdw>
-          </a:effectLst>
-          <a:scene3d>
-            <a:camera prst="orthographicFront"/>
-            <a:lightRig rig="contrasting" dir="t">
-              <a:rot lat="0" lon="0" rev="3000000"/>
-            </a:lightRig>
-          </a:scene3d>
-          <a:sp3d contourW="7620">
-            <a:bevelT w="95250" h="31750"/>
-            <a:contourClr>
-              <a:srgbClr val="333333"/>
-            </a:contourClr>
-          </a:sp3d>
-        </p:spPr>
-      </p:pic>
-      <p:pic>
-        <p:nvPicPr>
-          <p:cNvPr id="21" name="Imagem 20"/>
-          <p:cNvPicPr>
-            <a:picLocks noChangeAspect="1"/>
-          </p:cNvPicPr>
-          <p:nvPr/>
-        </p:nvPicPr>
-        <p:blipFill>
-          <a:blip r:embed="rId8" cstate="hqprint">
-            <a:extLst>
-              <a:ext uri="{28A0092B-C50C-407E-A947-70E740481C1C}">
-                <a14:useLocalDpi xmlns:a14="http://schemas.microsoft.com/office/drawing/2010/main" val="0"/>
-              </a:ext>
-            </a:extLst>
-          </a:blip>
-          <a:stretch>
-            <a:fillRect/>
-          </a:stretch>
-        </p:blipFill>
-        <p:spPr>
-          <a:xfrm>
-            <a:off x="489900" y="2904663"/>
-            <a:ext cx="1499861" cy="1509170"/>
-          </a:xfrm>
-          <a:prstGeom prst="ellipse">
-            <a:avLst/>
-          </a:prstGeom>
-          <a:ln w="63500" cap="rnd">
-            <a:noFill/>
-          </a:ln>
-          <a:effectLst>
-            <a:outerShdw blurRad="381000" dist="292100" dir="5400000" sx="-80000" sy="-18000" rotWithShape="0">
-              <a:srgbClr val="000000">
-                <a:alpha val="22000"/>
-              </a:srgbClr>
-            </a:outerShdw>
-          </a:effectLst>
-          <a:scene3d>
-            <a:camera prst="orthographicFront"/>
-            <a:lightRig rig="contrasting" dir="t">
-              <a:rot lat="0" lon="0" rev="3000000"/>
-            </a:lightRig>
-          </a:scene3d>
-          <a:sp3d contourW="7620">
-            <a:bevelT w="95250" h="31750"/>
-            <a:contourClr>
-              <a:srgbClr val="333333"/>
-            </a:contourClr>
-          </a:sp3d>
-        </p:spPr>
-      </p:pic>
-    </p:spTree>
-    <p:extLst>
-      <p:ext uri="{BB962C8B-B14F-4D97-AF65-F5344CB8AC3E}">
-        <p14:creationId xmlns:p14="http://schemas.microsoft.com/office/powerpoint/2010/main" val="2304562546"/>
-      </p:ext>
-    </p:extLst>
-  </p:cSld>
-  <p:clrMapOvr>
-    <a:masterClrMapping/>
-  </p:clrMapOvr>
-  <p:transition advClick="0">
-    <p:fade/>
-  </p:transition>
-</p:sld>
-</file>
-
-<file path=ppt/slides/slide20.xml><?xml version="1.0" encoding="utf-8"?>
-<p:sld xmlns:a="http://schemas.openxmlformats.org/drawingml/2006/main" xmlns:r="http://schemas.openxmlformats.org/officeDocument/2006/relationships" xmlns:p="http://schemas.openxmlformats.org/presentationml/2006/main">
-  <p:cSld>
-    <p:spTree>
-      <p:nvGrpSpPr>
-        <p:cNvPr id="1" name=""/>
-        <p:cNvGrpSpPr/>
-        <p:nvPr/>
-      </p:nvGrpSpPr>
-      <p:grpSpPr>
-        <a:xfrm>
-          <a:off x="0" y="0"/>
-          <a:ext cx="0" cy="0"/>
-          <a:chOff x="0" y="0"/>
-          <a:chExt cx="0" cy="0"/>
-        </a:xfrm>
-      </p:grpSpPr>
-      <p:sp>
-        <p:nvSpPr>
-          <p:cNvPr id="2" name="Título 1">
-            <a:extLst>
-              <a:ext uri="{FF2B5EF4-FFF2-40B4-BE49-F238E27FC236}">
-                <a16:creationId xmlns:a16="http://schemas.microsoft.com/office/drawing/2014/main" id="{9F66FDDD-77DF-41F6-ACEC-61CAD62EAFCF}"/>
-              </a:ext>
-            </a:extLst>
-          </p:cNvPr>
-          <p:cNvSpPr>
-            <a:spLocks noGrp="1"/>
-          </p:cNvSpPr>
-          <p:nvPr>
-            <p:ph type="title"/>
-          </p:nvPr>
-        </p:nvSpPr>
-        <p:spPr>
-          <a:xfrm>
-            <a:off x="838199" y="365125"/>
-            <a:ext cx="6041572" cy="1325563"/>
-          </a:xfrm>
-        </p:spPr>
-        <p:txBody>
-          <a:bodyPr/>
-          <a:lstStyle/>
-          <a:p>
-            <a:r>
-              <a:rPr lang="pt-BR" dirty="0">
-                <a:latin typeface="HERO" panose="00000500000000000000" pitchFamily="50" charset="0"/>
-              </a:rPr>
-              <a:t>Manual de instalação </a:t>
-            </a:r>
-          </a:p>
-        </p:txBody>
-      </p:sp>
-      <p:cxnSp>
-        <p:nvCxnSpPr>
-          <p:cNvPr id="9" name="Conector reto 8">
-            <a:extLst>
-              <a:ext uri="{FF2B5EF4-FFF2-40B4-BE49-F238E27FC236}">
-                <a16:creationId xmlns:a16="http://schemas.microsoft.com/office/drawing/2014/main" id="{566BC4C1-653A-4EC0-8C52-620D2CA8AAFE}"/>
-              </a:ext>
-            </a:extLst>
-          </p:cNvPr>
-          <p:cNvCxnSpPr>
-            <a:cxnSpLocks/>
-          </p:cNvCxnSpPr>
-          <p:nvPr/>
-        </p:nvCxnSpPr>
-        <p:spPr>
-          <a:xfrm>
-            <a:off x="1064172" y="6038194"/>
-            <a:ext cx="10431519" cy="0"/>
-          </a:xfrm>
-          <a:prstGeom prst="line">
-            <a:avLst/>
-          </a:prstGeom>
-        </p:spPr>
-        <p:style>
-          <a:lnRef idx="1">
-            <a:schemeClr val="accent4"/>
-          </a:lnRef>
-          <a:fillRef idx="0">
-            <a:schemeClr val="accent4"/>
-          </a:fillRef>
-          <a:effectRef idx="0">
-            <a:schemeClr val="accent4"/>
-          </a:effectRef>
-          <a:fontRef idx="minor">
-            <a:schemeClr val="tx1"/>
-          </a:fontRef>
-        </p:style>
-      </p:cxnSp>
-      <p:cxnSp>
-        <p:nvCxnSpPr>
-          <p:cNvPr id="12" name="Conector reto 11">
-            <a:extLst>
-              <a:ext uri="{FF2B5EF4-FFF2-40B4-BE49-F238E27FC236}">
-                <a16:creationId xmlns:a16="http://schemas.microsoft.com/office/drawing/2014/main" id="{B4E296DD-DEDC-4666-8665-776C9B75D8BD}"/>
-              </a:ext>
-            </a:extLst>
-          </p:cNvPr>
-          <p:cNvCxnSpPr>
-            <a:cxnSpLocks/>
-          </p:cNvCxnSpPr>
-          <p:nvPr/>
-        </p:nvCxnSpPr>
-        <p:spPr>
-          <a:xfrm>
-            <a:off x="838199" y="1525151"/>
-            <a:ext cx="10431519" cy="0"/>
-          </a:xfrm>
-          <a:prstGeom prst="line">
-            <a:avLst/>
-          </a:prstGeom>
-        </p:spPr>
-        <p:style>
-          <a:lnRef idx="1">
-            <a:schemeClr val="accent4"/>
-          </a:lnRef>
-          <a:fillRef idx="0">
-            <a:schemeClr val="accent4"/>
-          </a:fillRef>
-          <a:effectRef idx="0">
-            <a:schemeClr val="accent4"/>
-          </a:effectRef>
-          <a:fontRef idx="minor">
-            <a:schemeClr val="tx1"/>
-          </a:fontRef>
-        </p:style>
-      </p:cxnSp>
-      <p:pic>
-        <p:nvPicPr>
-          <p:cNvPr id="11" name="Imagem 10" descr="Uma imagem contendo texto, desenho&#10;&#10;Descrição gerada automaticamente">
-            <a:extLst>
-              <a:ext uri="{FF2B5EF4-FFF2-40B4-BE49-F238E27FC236}">
-                <a16:creationId xmlns:a16="http://schemas.microsoft.com/office/drawing/2014/main" id="{07B2D08C-8018-40DD-82C2-387D2E41A52D}"/>
-              </a:ext>
-            </a:extLst>
-          </p:cNvPr>
-          <p:cNvPicPr>
-            <a:picLocks noChangeAspect="1"/>
-          </p:cNvPicPr>
-          <p:nvPr/>
-        </p:nvPicPr>
-        <p:blipFill>
-          <a:blip r:embed="rId2" cstate="hqprint">
-            <a:extLst>
-              <a:ext uri="{28A0092B-C50C-407E-A947-70E740481C1C}">
-                <a14:useLocalDpi xmlns:a14="http://schemas.microsoft.com/office/drawing/2010/main" val="0"/>
-              </a:ext>
-            </a:extLst>
-          </a:blip>
-          <a:stretch>
-            <a:fillRect/>
-          </a:stretch>
-        </p:blipFill>
-        <p:spPr>
-          <a:xfrm>
-            <a:off x="11371740" y="365125"/>
-            <a:ext cx="599846" cy="535577"/>
-          </a:xfrm>
-          <a:prstGeom prst="rect">
-            <a:avLst/>
-          </a:prstGeom>
-        </p:spPr>
-      </p:pic>
-    </p:spTree>
-    <p:extLst>
-      <p:ext uri="{BB962C8B-B14F-4D97-AF65-F5344CB8AC3E}">
-        <p14:creationId xmlns:p14="http://schemas.microsoft.com/office/powerpoint/2010/main" val="1983007844"/>
-      </p:ext>
-    </p:extLst>
-  </p:cSld>
-  <p:clrMapOvr>
-    <a:masterClrMapping/>
-  </p:clrMapOvr>
-  <p:transition>
-    <p:fade/>
-  </p:transition>
-</p:sld>
-</file>
-
-<file path=ppt/slides/slide21.xml><?xml version="1.0" encoding="utf-8"?>
+<file path=ppt/slides/slide22.xml><?xml version="1.0" encoding="utf-8"?>
 <p:sld xmlns:a="http://schemas.openxmlformats.org/drawingml/2006/main" xmlns:r="http://schemas.openxmlformats.org/officeDocument/2006/relationships" xmlns:p="http://schemas.openxmlformats.org/presentationml/2006/main">
   <p:cSld>
     <p:spTree>
@@ -12227,7 +12864,7 @@
               <a:rPr lang="pt-BR" sz="5400" dirty="0">
                 <a:latin typeface="HERO" panose="00000500000000000000" pitchFamily="50" charset="0"/>
               </a:rPr>
-              <a:t>Obrigada pele sua atenção</a:t>
+              <a:t>Obrigada pela sua atenção</a:t>
             </a:r>
           </a:p>
         </p:txBody>
@@ -16051,7 +16688,7 @@
         <p:spPr>
           <a:xfrm>
             <a:off x="538655" y="2065863"/>
-            <a:ext cx="5995851" cy="4031873"/>
+            <a:ext cx="5995851" cy="3046988"/>
           </a:xfrm>
           <a:prstGeom prst="rect">
             <a:avLst/>
@@ -16096,35 +16733,6 @@
                 <a:srgbClr val="4772FF"/>
               </a:buClr>
               <a:buSzPct val="80000"/>
-            </a:pPr>
-            <a:endParaRPr lang="pt-BR" sz="3200" dirty="0">
-              <a:latin typeface="HERO" panose="00000500000000000000" pitchFamily="50" charset="0"/>
-            </a:endParaRPr>
-          </a:p>
-          <a:p>
-            <a:pPr marL="285750" indent="-285750">
-              <a:buClr>
-                <a:srgbClr val="4772FF"/>
-              </a:buClr>
-              <a:buSzPct val="80000"/>
-              <a:buFont typeface="Wingdings" panose="05000000000000000000" pitchFamily="2" charset="2"/>
-              <a:buChar char="Ø"/>
-            </a:pPr>
-            <a:r>
-              <a:rPr lang="pt-BR" sz="3200" dirty="0">
-                <a:latin typeface="HERO" panose="00000500000000000000" pitchFamily="50" charset="0"/>
-              </a:rPr>
-              <a:t>O que cada um fez</a:t>
-            </a:r>
-          </a:p>
-          <a:p>
-            <a:pPr marL="285750" indent="-285750">
-              <a:buClr>
-                <a:srgbClr val="4772FF"/>
-              </a:buClr>
-              <a:buSzPct val="80000"/>
-              <a:buFont typeface="Wingdings" panose="05000000000000000000" pitchFamily="2" charset="2"/>
-              <a:buChar char="Ø"/>
             </a:pPr>
             <a:endParaRPr lang="pt-BR" sz="3200" dirty="0">
               <a:latin typeface="HERO" panose="00000500000000000000" pitchFamily="50" charset="0"/>
@@ -16414,67 +17022,6 @@
                                           <p:spTgt spid="5">
                                             <p:txEl>
                                               <p:pRg st="5" end="5"/>
-                                            </p:txEl>
-                                          </p:spTgt>
-                                        </p:tgtEl>
-                                      </p:cBhvr>
-                                    </p:animEffect>
-                                  </p:childTnLst>
-                                </p:cTn>
-                              </p:par>
-                            </p:childTnLst>
-                          </p:cTn>
-                        </p:par>
-                      </p:childTnLst>
-                    </p:cTn>
-                  </p:par>
-                  <p:par>
-                    <p:cTn id="22" fill="hold">
-                      <p:stCondLst>
-                        <p:cond delay="indefinite"/>
-                      </p:stCondLst>
-                      <p:childTnLst>
-                        <p:par>
-                          <p:cTn id="23" fill="hold">
-                            <p:stCondLst>
-                              <p:cond delay="0"/>
-                            </p:stCondLst>
-                            <p:childTnLst>
-                              <p:par>
-                                <p:cTn id="24" presetID="10" presetClass="entr" presetSubtype="0" fill="hold" grpId="0" nodeType="clickEffect">
-                                  <p:stCondLst>
-                                    <p:cond delay="0"/>
-                                  </p:stCondLst>
-                                  <p:childTnLst>
-                                    <p:set>
-                                      <p:cBhvr>
-                                        <p:cTn id="25" dur="1" fill="hold">
-                                          <p:stCondLst>
-                                            <p:cond delay="0"/>
-                                          </p:stCondLst>
-                                        </p:cTn>
-                                        <p:tgtEl>
-                                          <p:spTgt spid="5">
-                                            <p:txEl>
-                                              <p:pRg st="7" end="7"/>
-                                            </p:txEl>
-                                          </p:spTgt>
-                                        </p:tgtEl>
-                                        <p:attrNameLst>
-                                          <p:attrName>style.visibility</p:attrName>
-                                        </p:attrNameLst>
-                                      </p:cBhvr>
-                                      <p:to>
-                                        <p:strVal val="visible"/>
-                                      </p:to>
-                                    </p:set>
-                                    <p:animEffect transition="in" filter="fade">
-                                      <p:cBhvr>
-                                        <p:cTn id="26" dur="500"/>
-                                        <p:tgtEl>
-                                          <p:spTgt spid="5">
-                                            <p:txEl>
-                                              <p:pRg st="7" end="7"/>
                                             </p:txEl>
                                           </p:spTgt>
                                         </p:tgtEl>

--- a/Documentacao/Sobre o projeto/Apresentação Synergy.pptx
+++ b/Documentacao/Sobre o projeto/Apresentação Synergy.pptx
@@ -5,7 +5,7 @@
     <p:sldMasterId id="2147483648" r:id="rId1"/>
   </p:sldMasterIdLst>
   <p:notesMasterIdLst>
-    <p:notesMasterId r:id="rId24"/>
+    <p:notesMasterId r:id="rId23"/>
   </p:notesMasterIdLst>
   <p:sldIdLst>
     <p:sldId id="256" r:id="rId2"/>
@@ -25,11 +25,10 @@
     <p:sldId id="288" r:id="rId16"/>
     <p:sldId id="289" r:id="rId17"/>
     <p:sldId id="290" r:id="rId18"/>
-    <p:sldId id="295" r:id="rId19"/>
-    <p:sldId id="294" r:id="rId20"/>
-    <p:sldId id="293" r:id="rId21"/>
-    <p:sldId id="262" r:id="rId22"/>
-    <p:sldId id="284" r:id="rId23"/>
+    <p:sldId id="294" r:id="rId19"/>
+    <p:sldId id="293" r:id="rId20"/>
+    <p:sldId id="262" r:id="rId21"/>
+    <p:sldId id="284" r:id="rId22"/>
   </p:sldIdLst>
   <p:sldSz cx="12192000" cy="6858000"/>
   <p:notesSz cx="6858000" cy="9144000"/>
@@ -4499,7 +4498,7 @@
               <a:rPr lang="pt-BR" sz="1600" dirty="0">
                 <a:solidFill>
                   <a:schemeClr val="bg1">
-                    <a:lumMod val="75000"/>
+                    <a:lumMod val="50000"/>
                   </a:schemeClr>
                 </a:solidFill>
                 <a:latin typeface="HERO" panose="00000500000000000000" pitchFamily="50" charset="0"/>
@@ -5258,286 +5257,6 @@
   <p:transition>
     <p:fade/>
   </p:transition>
-  <p:timing>
-    <p:tnLst>
-      <p:par>
-        <p:cTn id="1" dur="indefinite" restart="never" nodeType="tmRoot">
-          <p:childTnLst>
-            <p:seq concurrent="1" nextAc="seek">
-              <p:cTn id="2" dur="indefinite" nodeType="mainSeq">
-                <p:childTnLst>
-                  <p:par>
-                    <p:cTn id="3" fill="hold">
-                      <p:stCondLst>
-                        <p:cond delay="indefinite"/>
-                        <p:cond evt="onBegin" delay="0">
-                          <p:tn val="2"/>
-                        </p:cond>
-                      </p:stCondLst>
-                      <p:childTnLst>
-                        <p:par>
-                          <p:cTn id="4" fill="hold">
-                            <p:stCondLst>
-                              <p:cond delay="0"/>
-                            </p:stCondLst>
-                            <p:childTnLst>
-                              <p:par>
-                                <p:cTn id="5" presetID="10" presetClass="entr" presetSubtype="0" fill="hold" grpId="0" nodeType="afterEffect">
-                                  <p:stCondLst>
-                                    <p:cond delay="0"/>
-                                  </p:stCondLst>
-                                  <p:childTnLst>
-                                    <p:set>
-                                      <p:cBhvr>
-                                        <p:cTn id="6" dur="1" fill="hold">
-                                          <p:stCondLst>
-                                            <p:cond delay="0"/>
-                                          </p:stCondLst>
-                                        </p:cTn>
-                                        <p:tgtEl>
-                                          <p:spTgt spid="5">
-                                            <p:txEl>
-                                              <p:pRg st="1" end="1"/>
-                                            </p:txEl>
-                                          </p:spTgt>
-                                        </p:tgtEl>
-                                        <p:attrNameLst>
-                                          <p:attrName>style.visibility</p:attrName>
-                                        </p:attrNameLst>
-                                      </p:cBhvr>
-                                      <p:to>
-                                        <p:strVal val="visible"/>
-                                      </p:to>
-                                    </p:set>
-                                    <p:animEffect transition="in" filter="fade">
-                                      <p:cBhvr>
-                                        <p:cTn id="7" dur="500"/>
-                                        <p:tgtEl>
-                                          <p:spTgt spid="5">
-                                            <p:txEl>
-                                              <p:pRg st="1" end="1"/>
-                                            </p:txEl>
-                                          </p:spTgt>
-                                        </p:tgtEl>
-                                      </p:cBhvr>
-                                    </p:animEffect>
-                                  </p:childTnLst>
-                                </p:cTn>
-                              </p:par>
-                            </p:childTnLst>
-                          </p:cTn>
-                        </p:par>
-                      </p:childTnLst>
-                    </p:cTn>
-                  </p:par>
-                  <p:par>
-                    <p:cTn id="8" fill="hold">
-                      <p:stCondLst>
-                        <p:cond delay="indefinite"/>
-                      </p:stCondLst>
-                      <p:childTnLst>
-                        <p:par>
-                          <p:cTn id="9" fill="hold">
-                            <p:stCondLst>
-                              <p:cond delay="0"/>
-                            </p:stCondLst>
-                            <p:childTnLst>
-                              <p:par>
-                                <p:cTn id="10" presetID="10" presetClass="entr" presetSubtype="0" fill="hold" grpId="0" nodeType="clickEffect">
-                                  <p:stCondLst>
-                                    <p:cond delay="0"/>
-                                  </p:stCondLst>
-                                  <p:childTnLst>
-                                    <p:set>
-                                      <p:cBhvr>
-                                        <p:cTn id="11" dur="1" fill="hold">
-                                          <p:stCondLst>
-                                            <p:cond delay="0"/>
-                                          </p:stCondLst>
-                                        </p:cTn>
-                                        <p:tgtEl>
-                                          <p:spTgt spid="5">
-                                            <p:txEl>
-                                              <p:pRg st="3" end="3"/>
-                                            </p:txEl>
-                                          </p:spTgt>
-                                        </p:tgtEl>
-                                        <p:attrNameLst>
-                                          <p:attrName>style.visibility</p:attrName>
-                                        </p:attrNameLst>
-                                      </p:cBhvr>
-                                      <p:to>
-                                        <p:strVal val="visible"/>
-                                      </p:to>
-                                    </p:set>
-                                    <p:animEffect transition="in" filter="fade">
-                                      <p:cBhvr>
-                                        <p:cTn id="12" dur="500"/>
-                                        <p:tgtEl>
-                                          <p:spTgt spid="5">
-                                            <p:txEl>
-                                              <p:pRg st="3" end="3"/>
-                                            </p:txEl>
-                                          </p:spTgt>
-                                        </p:tgtEl>
-                                      </p:cBhvr>
-                                    </p:animEffect>
-                                  </p:childTnLst>
-                                </p:cTn>
-                              </p:par>
-                            </p:childTnLst>
-                          </p:cTn>
-                        </p:par>
-                      </p:childTnLst>
-                    </p:cTn>
-                  </p:par>
-                  <p:par>
-                    <p:cTn id="13" fill="hold">
-                      <p:stCondLst>
-                        <p:cond delay="indefinite"/>
-                      </p:stCondLst>
-                      <p:childTnLst>
-                        <p:par>
-                          <p:cTn id="14" fill="hold">
-                            <p:stCondLst>
-                              <p:cond delay="0"/>
-                            </p:stCondLst>
-                            <p:childTnLst>
-                              <p:par>
-                                <p:cTn id="15" presetID="10" presetClass="entr" presetSubtype="0" fill="hold" grpId="0" nodeType="clickEffect">
-                                  <p:stCondLst>
-                                    <p:cond delay="0"/>
-                                  </p:stCondLst>
-                                  <p:childTnLst>
-                                    <p:set>
-                                      <p:cBhvr>
-                                        <p:cTn id="16" dur="1" fill="hold">
-                                          <p:stCondLst>
-                                            <p:cond delay="0"/>
-                                          </p:stCondLst>
-                                        </p:cTn>
-                                        <p:tgtEl>
-                                          <p:spTgt spid="5">
-                                            <p:txEl>
-                                              <p:pRg st="5" end="5"/>
-                                            </p:txEl>
-                                          </p:spTgt>
-                                        </p:tgtEl>
-                                        <p:attrNameLst>
-                                          <p:attrName>style.visibility</p:attrName>
-                                        </p:attrNameLst>
-                                      </p:cBhvr>
-                                      <p:to>
-                                        <p:strVal val="visible"/>
-                                      </p:to>
-                                    </p:set>
-                                    <p:animEffect transition="in" filter="fade">
-                                      <p:cBhvr>
-                                        <p:cTn id="17" dur="500"/>
-                                        <p:tgtEl>
-                                          <p:spTgt spid="5">
-                                            <p:txEl>
-                                              <p:pRg st="5" end="5"/>
-                                            </p:txEl>
-                                          </p:spTgt>
-                                        </p:tgtEl>
-                                      </p:cBhvr>
-                                    </p:animEffect>
-                                  </p:childTnLst>
-                                </p:cTn>
-                              </p:par>
-                            </p:childTnLst>
-                          </p:cTn>
-                        </p:par>
-                      </p:childTnLst>
-                    </p:cTn>
-                  </p:par>
-                  <p:par>
-                    <p:cTn id="18" fill="hold">
-                      <p:stCondLst>
-                        <p:cond delay="indefinite"/>
-                      </p:stCondLst>
-                      <p:childTnLst>
-                        <p:par>
-                          <p:cTn id="19" fill="hold">
-                            <p:stCondLst>
-                              <p:cond delay="0"/>
-                            </p:stCondLst>
-                            <p:childTnLst>
-                              <p:par>
-                                <p:cTn id="20" presetID="10" presetClass="entr" presetSubtype="0" fill="hold" grpId="0" nodeType="clickEffect">
-                                  <p:stCondLst>
-                                    <p:cond delay="0"/>
-                                  </p:stCondLst>
-                                  <p:childTnLst>
-                                    <p:set>
-                                      <p:cBhvr>
-                                        <p:cTn id="21" dur="1" fill="hold">
-                                          <p:stCondLst>
-                                            <p:cond delay="0"/>
-                                          </p:stCondLst>
-                                        </p:cTn>
-                                        <p:tgtEl>
-                                          <p:spTgt spid="5">
-                                            <p:txEl>
-                                              <p:pRg st="7" end="7"/>
-                                            </p:txEl>
-                                          </p:spTgt>
-                                        </p:tgtEl>
-                                        <p:attrNameLst>
-                                          <p:attrName>style.visibility</p:attrName>
-                                        </p:attrNameLst>
-                                      </p:cBhvr>
-                                      <p:to>
-                                        <p:strVal val="visible"/>
-                                      </p:to>
-                                    </p:set>
-                                    <p:animEffect transition="in" filter="fade">
-                                      <p:cBhvr>
-                                        <p:cTn id="22" dur="500"/>
-                                        <p:tgtEl>
-                                          <p:spTgt spid="5">
-                                            <p:txEl>
-                                              <p:pRg st="7" end="7"/>
-                                            </p:txEl>
-                                          </p:spTgt>
-                                        </p:tgtEl>
-                                      </p:cBhvr>
-                                    </p:animEffect>
-                                  </p:childTnLst>
-                                </p:cTn>
-                              </p:par>
-                            </p:childTnLst>
-                          </p:cTn>
-                        </p:par>
-                      </p:childTnLst>
-                    </p:cTn>
-                  </p:par>
-                </p:childTnLst>
-              </p:cTn>
-              <p:prevCondLst>
-                <p:cond evt="onPrev" delay="0">
-                  <p:tgtEl>
-                    <p:sldTgt/>
-                  </p:tgtEl>
-                </p:cond>
-              </p:prevCondLst>
-              <p:nextCondLst>
-                <p:cond evt="onNext" delay="0">
-                  <p:tgtEl>
-                    <p:sldTgt/>
-                  </p:tgtEl>
-                </p:cond>
-              </p:nextCondLst>
-            </p:seq>
-          </p:childTnLst>
-        </p:cTn>
-      </p:par>
-    </p:tnLst>
-    <p:bldLst>
-      <p:bldP spid="5" grpId="0" uiExpand="1" build="allAtOnce"/>
-    </p:bldLst>
-  </p:timing>
 </p:sld>
 </file>
 
@@ -9851,138 +9570,6 @@
           <a:chExt cx="0" cy="0"/>
         </a:xfrm>
       </p:grpSpPr>
-      <p:sp>
-        <p:nvSpPr>
-          <p:cNvPr id="4" name="Título 1">
-            <a:extLst>
-              <a:ext uri="{FF2B5EF4-FFF2-40B4-BE49-F238E27FC236}">
-                <a16:creationId xmlns:a16="http://schemas.microsoft.com/office/drawing/2014/main" id="{69DB9AD2-FEC0-42F4-BAC6-469367A1506D}"/>
-              </a:ext>
-            </a:extLst>
-          </p:cNvPr>
-          <p:cNvSpPr txBox="1">
-            <a:spLocks/>
-          </p:cNvSpPr>
-          <p:nvPr/>
-        </p:nvSpPr>
-        <p:spPr>
-          <a:xfrm>
-            <a:off x="2697843" y="367393"/>
-            <a:ext cx="6999514" cy="1325563"/>
-          </a:xfrm>
-          <a:prstGeom prst="rect">
-            <a:avLst/>
-          </a:prstGeom>
-        </p:spPr>
-        <p:txBody>
-          <a:bodyPr vert="horz" lIns="91440" tIns="45720" rIns="91440" bIns="45720" rtlCol="0" anchor="ctr">
-            <a:normAutofit/>
-          </a:bodyPr>
-          <a:lstStyle>
-            <a:lvl1pPr algn="l" defTabSz="914400" rtl="0" eaLnBrk="1" latinLnBrk="0" hangingPunct="1">
-              <a:lnSpc>
-                <a:spcPct val="90000"/>
-              </a:lnSpc>
-              <a:spcBef>
-                <a:spcPct val="0"/>
-              </a:spcBef>
-              <a:buNone/>
-              <a:defRPr sz="4400" kern="1200">
-                <a:solidFill>
-                  <a:schemeClr val="tx1"/>
-                </a:solidFill>
-                <a:latin typeface="+mj-lt"/>
-                <a:ea typeface="+mj-ea"/>
-                <a:cs typeface="+mj-cs"/>
-              </a:defRPr>
-            </a:lvl1pPr>
-          </a:lstStyle>
-          <a:p>
-            <a:pPr algn="ctr"/>
-            <a:r>
-              <a:rPr lang="pt-BR" dirty="0">
-                <a:solidFill>
-                  <a:schemeClr val="tx1">
-                    <a:lumMod val="75000"/>
-                    <a:lumOff val="25000"/>
-                  </a:schemeClr>
-                </a:solidFill>
-                <a:latin typeface="HERO" panose="00000500000000000000" pitchFamily="50" charset="0"/>
-              </a:rPr>
-              <a:t>Fluxograma do atendimento ao cliente</a:t>
-            </a:r>
-          </a:p>
-        </p:txBody>
-      </p:sp>
-      <p:pic>
-        <p:nvPicPr>
-          <p:cNvPr id="8" name="Imagem 7" descr="Uma imagem contendo texto, desenho&#10;&#10;Descrição gerada automaticamente">
-            <a:extLst>
-              <a:ext uri="{FF2B5EF4-FFF2-40B4-BE49-F238E27FC236}">
-                <a16:creationId xmlns:a16="http://schemas.microsoft.com/office/drawing/2014/main" id="{CE2FB1BA-131B-4789-8C33-94777226AF2D}"/>
-              </a:ext>
-            </a:extLst>
-          </p:cNvPr>
-          <p:cNvPicPr>
-            <a:picLocks noChangeAspect="1"/>
-          </p:cNvPicPr>
-          <p:nvPr/>
-        </p:nvPicPr>
-        <p:blipFill>
-          <a:blip r:embed="rId2" cstate="hqprint">
-            <a:extLst>
-              <a:ext uri="{28A0092B-C50C-407E-A947-70E740481C1C}">
-                <a14:useLocalDpi xmlns:a14="http://schemas.microsoft.com/office/drawing/2010/main" val="0"/>
-              </a:ext>
-            </a:extLst>
-          </a:blip>
-          <a:stretch>
-            <a:fillRect/>
-          </a:stretch>
-        </p:blipFill>
-        <p:spPr>
-          <a:xfrm>
-            <a:off x="11371740" y="365125"/>
-            <a:ext cx="599846" cy="535577"/>
-          </a:xfrm>
-          <a:prstGeom prst="rect">
-            <a:avLst/>
-          </a:prstGeom>
-        </p:spPr>
-      </p:pic>
-    </p:spTree>
-    <p:extLst>
-      <p:ext uri="{BB962C8B-B14F-4D97-AF65-F5344CB8AC3E}">
-        <p14:creationId xmlns:p14="http://schemas.microsoft.com/office/powerpoint/2010/main" val="3312179100"/>
-      </p:ext>
-    </p:extLst>
-  </p:cSld>
-  <p:clrMapOvr>
-    <a:masterClrMapping/>
-  </p:clrMapOvr>
-  <p:transition>
-    <p:fade/>
-  </p:transition>
-</p:sld>
-</file>
-
-<file path=ppt/slides/slide19.xml><?xml version="1.0" encoding="utf-8"?>
-<p:sld xmlns:a="http://schemas.openxmlformats.org/drawingml/2006/main" xmlns:r="http://schemas.openxmlformats.org/officeDocument/2006/relationships" xmlns:p="http://schemas.openxmlformats.org/presentationml/2006/main">
-  <p:cSld>
-    <p:spTree>
-      <p:nvGrpSpPr>
-        <p:cNvPr id="1" name=""/>
-        <p:cNvGrpSpPr/>
-        <p:nvPr/>
-      </p:nvGrpSpPr>
-      <p:grpSpPr>
-        <a:xfrm>
-          <a:off x="0" y="0"/>
-          <a:ext cx="0" cy="0"/>
-          <a:chOff x="0" y="0"/>
-          <a:chExt cx="0" cy="0"/>
-        </a:xfrm>
-      </p:grpSpPr>
       <p:pic>
         <p:nvPicPr>
           <p:cNvPr id="41" name="Imagem 40">
@@ -10355,7 +9942,7 @@
               <a:rPr lang="pt-BR" sz="1600" dirty="0">
                 <a:solidFill>
                   <a:schemeClr val="bg1">
-                    <a:lumMod val="75000"/>
+                    <a:lumMod val="50000"/>
                   </a:schemeClr>
                 </a:solidFill>
                 <a:latin typeface="HERO" panose="00000500000000000000" pitchFamily="50" charset="0"/>
@@ -10719,6 +10306,282 @@
 </p:sld>
 </file>
 
+<file path=ppt/slides/slide19.xml><?xml version="1.0" encoding="utf-8"?>
+<p:sld xmlns:a="http://schemas.openxmlformats.org/drawingml/2006/main" xmlns:r="http://schemas.openxmlformats.org/officeDocument/2006/relationships" xmlns:p="http://schemas.openxmlformats.org/presentationml/2006/main">
+  <p:cSld>
+    <p:spTree>
+      <p:nvGrpSpPr>
+        <p:cNvPr id="1" name=""/>
+        <p:cNvGrpSpPr/>
+        <p:nvPr/>
+      </p:nvGrpSpPr>
+      <p:grpSpPr>
+        <a:xfrm>
+          <a:off x="0" y="0"/>
+          <a:ext cx="0" cy="0"/>
+          <a:chOff x="0" y="0"/>
+          <a:chExt cx="0" cy="0"/>
+        </a:xfrm>
+      </p:grpSpPr>
+      <p:sp>
+        <p:nvSpPr>
+          <p:cNvPr id="2" name="Título 1">
+            <a:extLst>
+              <a:ext uri="{FF2B5EF4-FFF2-40B4-BE49-F238E27FC236}">
+                <a16:creationId xmlns:a16="http://schemas.microsoft.com/office/drawing/2014/main" id="{9F66FDDD-77DF-41F6-ACEC-61CAD62EAFCF}"/>
+              </a:ext>
+            </a:extLst>
+          </p:cNvPr>
+          <p:cNvSpPr>
+            <a:spLocks noGrp="1"/>
+          </p:cNvSpPr>
+          <p:nvPr>
+            <p:ph type="title"/>
+          </p:nvPr>
+        </p:nvSpPr>
+        <p:spPr>
+          <a:xfrm>
+            <a:off x="838199" y="365125"/>
+            <a:ext cx="6041572" cy="1325563"/>
+          </a:xfrm>
+        </p:spPr>
+        <p:txBody>
+          <a:bodyPr/>
+          <a:lstStyle/>
+          <a:p>
+            <a:r>
+              <a:rPr lang="pt-BR" dirty="0">
+                <a:latin typeface="HERO" panose="00000500000000000000" pitchFamily="50" charset="0"/>
+              </a:rPr>
+              <a:t>Manual de instalação </a:t>
+            </a:r>
+          </a:p>
+        </p:txBody>
+      </p:sp>
+      <p:cxnSp>
+        <p:nvCxnSpPr>
+          <p:cNvPr id="9" name="Conector reto 8">
+            <a:extLst>
+              <a:ext uri="{FF2B5EF4-FFF2-40B4-BE49-F238E27FC236}">
+                <a16:creationId xmlns:a16="http://schemas.microsoft.com/office/drawing/2014/main" id="{566BC4C1-653A-4EC0-8C52-620D2CA8AAFE}"/>
+              </a:ext>
+            </a:extLst>
+          </p:cNvPr>
+          <p:cNvCxnSpPr>
+            <a:cxnSpLocks/>
+          </p:cNvCxnSpPr>
+          <p:nvPr/>
+        </p:nvCxnSpPr>
+        <p:spPr>
+          <a:xfrm>
+            <a:off x="1064172" y="6038194"/>
+            <a:ext cx="10431519" cy="0"/>
+          </a:xfrm>
+          <a:prstGeom prst="line">
+            <a:avLst/>
+          </a:prstGeom>
+        </p:spPr>
+        <p:style>
+          <a:lnRef idx="1">
+            <a:schemeClr val="accent4"/>
+          </a:lnRef>
+          <a:fillRef idx="0">
+            <a:schemeClr val="accent4"/>
+          </a:fillRef>
+          <a:effectRef idx="0">
+            <a:schemeClr val="accent4"/>
+          </a:effectRef>
+          <a:fontRef idx="minor">
+            <a:schemeClr val="tx1"/>
+          </a:fontRef>
+        </p:style>
+      </p:cxnSp>
+      <p:cxnSp>
+        <p:nvCxnSpPr>
+          <p:cNvPr id="12" name="Conector reto 11">
+            <a:extLst>
+              <a:ext uri="{FF2B5EF4-FFF2-40B4-BE49-F238E27FC236}">
+                <a16:creationId xmlns:a16="http://schemas.microsoft.com/office/drawing/2014/main" id="{B4E296DD-DEDC-4666-8665-776C9B75D8BD}"/>
+              </a:ext>
+            </a:extLst>
+          </p:cNvPr>
+          <p:cNvCxnSpPr>
+            <a:cxnSpLocks/>
+          </p:cNvCxnSpPr>
+          <p:nvPr/>
+        </p:nvCxnSpPr>
+        <p:spPr>
+          <a:xfrm>
+            <a:off x="838199" y="1525151"/>
+            <a:ext cx="10431519" cy="0"/>
+          </a:xfrm>
+          <a:prstGeom prst="line">
+            <a:avLst/>
+          </a:prstGeom>
+        </p:spPr>
+        <p:style>
+          <a:lnRef idx="1">
+            <a:schemeClr val="accent4"/>
+          </a:lnRef>
+          <a:fillRef idx="0">
+            <a:schemeClr val="accent4"/>
+          </a:fillRef>
+          <a:effectRef idx="0">
+            <a:schemeClr val="accent4"/>
+          </a:effectRef>
+          <a:fontRef idx="minor">
+            <a:schemeClr val="tx1"/>
+          </a:fontRef>
+        </p:style>
+      </p:cxnSp>
+      <p:pic>
+        <p:nvPicPr>
+          <p:cNvPr id="11" name="Imagem 10" descr="Uma imagem contendo texto, desenho&#10;&#10;Descrição gerada automaticamente">
+            <a:extLst>
+              <a:ext uri="{FF2B5EF4-FFF2-40B4-BE49-F238E27FC236}">
+                <a16:creationId xmlns:a16="http://schemas.microsoft.com/office/drawing/2014/main" id="{07B2D08C-8018-40DD-82C2-387D2E41A52D}"/>
+              </a:ext>
+            </a:extLst>
+          </p:cNvPr>
+          <p:cNvPicPr>
+            <a:picLocks noChangeAspect="1"/>
+          </p:cNvPicPr>
+          <p:nvPr/>
+        </p:nvPicPr>
+        <p:blipFill>
+          <a:blip r:embed="rId2" cstate="hqprint">
+            <a:extLst>
+              <a:ext uri="{28A0092B-C50C-407E-A947-70E740481C1C}">
+                <a14:useLocalDpi xmlns:a14="http://schemas.microsoft.com/office/drawing/2010/main" val="0"/>
+              </a:ext>
+            </a:extLst>
+          </a:blip>
+          <a:stretch>
+            <a:fillRect/>
+          </a:stretch>
+        </p:blipFill>
+        <p:spPr>
+          <a:xfrm>
+            <a:off x="11371740" y="365125"/>
+            <a:ext cx="599846" cy="535577"/>
+          </a:xfrm>
+          <a:prstGeom prst="rect">
+            <a:avLst/>
+          </a:prstGeom>
+        </p:spPr>
+      </p:pic>
+      <p:pic>
+        <p:nvPicPr>
+          <p:cNvPr id="3" name="Imagem 2">
+            <a:extLst>
+              <a:ext uri="{FF2B5EF4-FFF2-40B4-BE49-F238E27FC236}">
+                <a16:creationId xmlns:a16="http://schemas.microsoft.com/office/drawing/2014/main" id="{16A63BB3-9375-438A-87D6-CBBAACA88867}"/>
+              </a:ext>
+            </a:extLst>
+          </p:cNvPr>
+          <p:cNvPicPr>
+            <a:picLocks noChangeAspect="1"/>
+          </p:cNvPicPr>
+          <p:nvPr/>
+        </p:nvPicPr>
+        <p:blipFill>
+          <a:blip r:embed="rId3"/>
+          <a:stretch>
+            <a:fillRect/>
+          </a:stretch>
+        </p:blipFill>
+        <p:spPr>
+          <a:xfrm>
+            <a:off x="6410229" y="1970580"/>
+            <a:ext cx="5561357" cy="3233733"/>
+          </a:xfrm>
+          <a:prstGeom prst="rect">
+            <a:avLst/>
+          </a:prstGeom>
+        </p:spPr>
+      </p:pic>
+      <p:pic>
+        <p:nvPicPr>
+          <p:cNvPr id="4" name="Imagem 3">
+            <a:extLst>
+              <a:ext uri="{FF2B5EF4-FFF2-40B4-BE49-F238E27FC236}">
+                <a16:creationId xmlns:a16="http://schemas.microsoft.com/office/drawing/2014/main" id="{219708BF-7532-45B5-AF9D-21FF0A68FE54}"/>
+              </a:ext>
+            </a:extLst>
+          </p:cNvPr>
+          <p:cNvPicPr>
+            <a:picLocks noChangeAspect="1"/>
+          </p:cNvPicPr>
+          <p:nvPr/>
+        </p:nvPicPr>
+        <p:blipFill>
+          <a:blip r:embed="rId4"/>
+          <a:stretch>
+            <a:fillRect/>
+          </a:stretch>
+        </p:blipFill>
+        <p:spPr>
+          <a:xfrm>
+            <a:off x="694672" y="2034988"/>
+            <a:ext cx="5585259" cy="3837670"/>
+          </a:xfrm>
+          <a:prstGeom prst="rect">
+            <a:avLst/>
+          </a:prstGeom>
+        </p:spPr>
+      </p:pic>
+      <p:cxnSp>
+        <p:nvCxnSpPr>
+          <p:cNvPr id="6" name="Conector reto 5">
+            <a:extLst>
+              <a:ext uri="{FF2B5EF4-FFF2-40B4-BE49-F238E27FC236}">
+                <a16:creationId xmlns:a16="http://schemas.microsoft.com/office/drawing/2014/main" id="{DF13CCF9-DBEA-4387-919B-39796E54E25D}"/>
+              </a:ext>
+            </a:extLst>
+          </p:cNvPr>
+          <p:cNvCxnSpPr/>
+          <p:nvPr/>
+        </p:nvCxnSpPr>
+        <p:spPr>
+          <a:xfrm flipV="1">
+            <a:off x="6279931" y="1981697"/>
+            <a:ext cx="0" cy="3844284"/>
+          </a:xfrm>
+          <a:prstGeom prst="line">
+            <a:avLst/>
+          </a:prstGeom>
+        </p:spPr>
+        <p:style>
+          <a:lnRef idx="1">
+            <a:schemeClr val="accent1"/>
+          </a:lnRef>
+          <a:fillRef idx="0">
+            <a:schemeClr val="accent1"/>
+          </a:fillRef>
+          <a:effectRef idx="0">
+            <a:schemeClr val="accent1"/>
+          </a:effectRef>
+          <a:fontRef idx="minor">
+            <a:schemeClr val="tx1"/>
+          </a:fontRef>
+        </p:style>
+      </p:cxnSp>
+    </p:spTree>
+    <p:extLst>
+      <p:ext uri="{BB962C8B-B14F-4D97-AF65-F5344CB8AC3E}">
+        <p14:creationId xmlns:p14="http://schemas.microsoft.com/office/powerpoint/2010/main" val="1983007844"/>
+      </p:ext>
+    </p:extLst>
+  </p:cSld>
+  <p:clrMapOvr>
+    <a:masterClrMapping/>
+  </p:clrMapOvr>
+  <p:transition>
+    <p:fade/>
+  </p:transition>
+</p:sld>
+</file>
+
 <file path=ppt/slides/slide2.xml><?xml version="1.0" encoding="utf-8"?>
 <p:sld xmlns:a="http://schemas.openxmlformats.org/drawingml/2006/main" xmlns:r="http://schemas.openxmlformats.org/officeDocument/2006/relationships" xmlns:p="http://schemas.openxmlformats.org/presentationml/2006/main">
   <p:cSld>
@@ -11701,7 +11564,7 @@
           <p:cNvPr id="2" name="Título 1">
             <a:extLst>
               <a:ext uri="{FF2B5EF4-FFF2-40B4-BE49-F238E27FC236}">
-                <a16:creationId xmlns:a16="http://schemas.microsoft.com/office/drawing/2014/main" id="{9F66FDDD-77DF-41F6-ACEC-61CAD62EAFCF}"/>
+                <a16:creationId xmlns:a16="http://schemas.microsoft.com/office/drawing/2014/main" id="{99F76FBE-1BC2-4EE6-B90A-22263BF7BDCD}"/>
               </a:ext>
             </a:extLst>
           </p:cNvPr>
@@ -11714,105 +11577,36 @@
         </p:nvSpPr>
         <p:spPr>
           <a:xfrm>
-            <a:off x="838199" y="365125"/>
-            <a:ext cx="6041572" cy="1325563"/>
+            <a:off x="0" y="632913"/>
+            <a:ext cx="12192000" cy="1325563"/>
           </a:xfrm>
         </p:spPr>
         <p:txBody>
           <a:bodyPr/>
           <a:lstStyle/>
           <a:p>
+            <a:pPr algn="ctr"/>
             <a:r>
               <a:rPr lang="pt-BR" dirty="0">
+                <a:solidFill>
+                  <a:schemeClr val="tx1">
+                    <a:lumMod val="75000"/>
+                    <a:lumOff val="25000"/>
+                  </a:schemeClr>
+                </a:solidFill>
                 <a:latin typeface="HERO" panose="00000500000000000000" pitchFamily="50" charset="0"/>
               </a:rPr>
-              <a:t>Manual de instalação </a:t>
+              <a:t>Website</a:t>
             </a:r>
           </a:p>
         </p:txBody>
       </p:sp>
-      <p:cxnSp>
-        <p:nvCxnSpPr>
-          <p:cNvPr id="9" name="Conector reto 8">
-            <a:extLst>
-              <a:ext uri="{FF2B5EF4-FFF2-40B4-BE49-F238E27FC236}">
-                <a16:creationId xmlns:a16="http://schemas.microsoft.com/office/drawing/2014/main" id="{566BC4C1-653A-4EC0-8C52-620D2CA8AAFE}"/>
-              </a:ext>
-            </a:extLst>
-          </p:cNvPr>
-          <p:cNvCxnSpPr>
-            <a:cxnSpLocks/>
-          </p:cNvCxnSpPr>
-          <p:nvPr/>
-        </p:nvCxnSpPr>
-        <p:spPr>
-          <a:xfrm>
-            <a:off x="1064172" y="6038194"/>
-            <a:ext cx="10431519" cy="0"/>
-          </a:xfrm>
-          <a:prstGeom prst="line">
-            <a:avLst/>
-          </a:prstGeom>
-        </p:spPr>
-        <p:style>
-          <a:lnRef idx="1">
-            <a:schemeClr val="accent4"/>
-          </a:lnRef>
-          <a:fillRef idx="0">
-            <a:schemeClr val="accent4"/>
-          </a:fillRef>
-          <a:effectRef idx="0">
-            <a:schemeClr val="accent4"/>
-          </a:effectRef>
-          <a:fontRef idx="minor">
-            <a:schemeClr val="tx1"/>
-          </a:fontRef>
-        </p:style>
-      </p:cxnSp>
-      <p:cxnSp>
-        <p:nvCxnSpPr>
-          <p:cNvPr id="12" name="Conector reto 11">
-            <a:extLst>
-              <a:ext uri="{FF2B5EF4-FFF2-40B4-BE49-F238E27FC236}">
-                <a16:creationId xmlns:a16="http://schemas.microsoft.com/office/drawing/2014/main" id="{B4E296DD-DEDC-4666-8665-776C9B75D8BD}"/>
-              </a:ext>
-            </a:extLst>
-          </p:cNvPr>
-          <p:cNvCxnSpPr>
-            <a:cxnSpLocks/>
-          </p:cNvCxnSpPr>
-          <p:nvPr/>
-        </p:nvCxnSpPr>
-        <p:spPr>
-          <a:xfrm>
-            <a:off x="838199" y="1525151"/>
-            <a:ext cx="10431519" cy="0"/>
-          </a:xfrm>
-          <a:prstGeom prst="line">
-            <a:avLst/>
-          </a:prstGeom>
-        </p:spPr>
-        <p:style>
-          <a:lnRef idx="1">
-            <a:schemeClr val="accent4"/>
-          </a:lnRef>
-          <a:fillRef idx="0">
-            <a:schemeClr val="accent4"/>
-          </a:fillRef>
-          <a:effectRef idx="0">
-            <a:schemeClr val="accent4"/>
-          </a:effectRef>
-          <a:fontRef idx="minor">
-            <a:schemeClr val="tx1"/>
-          </a:fontRef>
-        </p:style>
-      </p:cxnSp>
       <p:pic>
         <p:nvPicPr>
-          <p:cNvPr id="11" name="Imagem 10" descr="Uma imagem contendo texto, desenho&#10;&#10;Descrição gerada automaticamente">
-            <a:extLst>
-              <a:ext uri="{FF2B5EF4-FFF2-40B4-BE49-F238E27FC236}">
-                <a16:creationId xmlns:a16="http://schemas.microsoft.com/office/drawing/2014/main" id="{07B2D08C-8018-40DD-82C2-387D2E41A52D}"/>
+          <p:cNvPr id="3" name="Imagem 2" descr="Uma imagem contendo texto, desenho&#10;&#10;Descrição gerada automaticamente">
+            <a:extLst>
+              <a:ext uri="{FF2B5EF4-FFF2-40B4-BE49-F238E27FC236}">
+                <a16:creationId xmlns:a16="http://schemas.microsoft.com/office/drawing/2014/main" id="{33CEE295-8B68-4E72-8E77-548A33B7E7BB}"/>
               </a:ext>
             </a:extLst>
           </p:cNvPr>
@@ -11845,10 +11639,10 @@
       </p:pic>
       <p:pic>
         <p:nvPicPr>
-          <p:cNvPr id="3" name="Imagem 2">
-            <a:extLst>
-              <a:ext uri="{FF2B5EF4-FFF2-40B4-BE49-F238E27FC236}">
-                <a16:creationId xmlns:a16="http://schemas.microsoft.com/office/drawing/2014/main" id="{16A63BB3-9375-438A-87D6-CBBAACA88867}"/>
+          <p:cNvPr id="5" name="Imagem 4" descr="Uma imagem contendo computador&#10;&#10;Descrição gerada automaticamente">
+            <a:extLst>
+              <a:ext uri="{FF2B5EF4-FFF2-40B4-BE49-F238E27FC236}">
+                <a16:creationId xmlns:a16="http://schemas.microsoft.com/office/drawing/2014/main" id="{83C4BF57-CA9B-4FB0-826A-3CF89B791B0E}"/>
               </a:ext>
             </a:extLst>
           </p:cNvPr>
@@ -11857,92 +11651,194 @@
           </p:cNvPicPr>
           <p:nvPr/>
         </p:nvPicPr>
-        <p:blipFill>
-          <a:blip r:embed="rId3"/>
-          <a:stretch>
-            <a:fillRect/>
-          </a:stretch>
+        <p:blipFill rotWithShape="1">
+          <a:blip r:embed="rId3">
+            <a:extLst>
+              <a:ext uri="{28A0092B-C50C-407E-A947-70E740481C1C}">
+                <a14:useLocalDpi xmlns:a14="http://schemas.microsoft.com/office/drawing/2010/main" val="0"/>
+              </a:ext>
+            </a:extLst>
+          </a:blip>
+          <a:srcRect r="4586"/>
+          <a:stretch/>
         </p:blipFill>
         <p:spPr>
           <a:xfrm>
-            <a:off x="6410229" y="1970580"/>
-            <a:ext cx="5561357" cy="3233733"/>
+            <a:off x="5850817" y="2226264"/>
+            <a:ext cx="6341183" cy="3931007"/>
           </a:xfrm>
           <a:prstGeom prst="rect">
             <a:avLst/>
           </a:prstGeom>
         </p:spPr>
       </p:pic>
-      <p:pic>
-        <p:nvPicPr>
-          <p:cNvPr id="4" name="Imagem 3">
-            <a:extLst>
-              <a:ext uri="{FF2B5EF4-FFF2-40B4-BE49-F238E27FC236}">
-                <a16:creationId xmlns:a16="http://schemas.microsoft.com/office/drawing/2014/main" id="{219708BF-7532-45B5-AF9D-21FF0A68FE54}"/>
-              </a:ext>
-            </a:extLst>
-          </p:cNvPr>
-          <p:cNvPicPr>
-            <a:picLocks noChangeAspect="1"/>
-          </p:cNvPicPr>
+      <p:sp>
+        <p:nvSpPr>
+          <p:cNvPr id="6" name="CaixaDeTexto 5">
+            <a:extLst>
+              <a:ext uri="{FF2B5EF4-FFF2-40B4-BE49-F238E27FC236}">
+                <a16:creationId xmlns:a16="http://schemas.microsoft.com/office/drawing/2014/main" id="{C42EEBB2-004D-463C-B41C-9AD2C75B6F96}"/>
+              </a:ext>
+            </a:extLst>
+          </p:cNvPr>
+          <p:cNvSpPr txBox="1"/>
           <p:nvPr/>
-        </p:nvPicPr>
-        <p:blipFill>
-          <a:blip r:embed="rId4"/>
-          <a:stretch>
-            <a:fillRect/>
-          </a:stretch>
-        </p:blipFill>
-        <p:spPr>
-          <a:xfrm>
-            <a:off x="694672" y="2034988"/>
-            <a:ext cx="5585259" cy="3837670"/>
+        </p:nvSpPr>
+        <p:spPr>
+          <a:xfrm>
+            <a:off x="244443" y="1683388"/>
+            <a:ext cx="7051707" cy="5016758"/>
           </a:xfrm>
           <a:prstGeom prst="rect">
             <a:avLst/>
           </a:prstGeom>
-        </p:spPr>
-      </p:pic>
-      <p:cxnSp>
-        <p:nvCxnSpPr>
-          <p:cNvPr id="6" name="Conector reto 5">
-            <a:extLst>
-              <a:ext uri="{FF2B5EF4-FFF2-40B4-BE49-F238E27FC236}">
-                <a16:creationId xmlns:a16="http://schemas.microsoft.com/office/drawing/2014/main" id="{DF13CCF9-DBEA-4387-919B-39796E54E25D}"/>
-              </a:ext>
-            </a:extLst>
-          </p:cNvPr>
-          <p:cNvCxnSpPr/>
-          <p:nvPr/>
-        </p:nvCxnSpPr>
-        <p:spPr>
-          <a:xfrm flipV="1">
-            <a:off x="6279931" y="1981697"/>
-            <a:ext cx="0" cy="3844284"/>
-          </a:xfrm>
-          <a:prstGeom prst="line">
-            <a:avLst/>
-          </a:prstGeom>
-        </p:spPr>
-        <p:style>
-          <a:lnRef idx="1">
-            <a:schemeClr val="accent1"/>
-          </a:lnRef>
-          <a:fillRef idx="0">
-            <a:schemeClr val="accent1"/>
-          </a:fillRef>
-          <a:effectRef idx="0">
-            <a:schemeClr val="accent1"/>
-          </a:effectRef>
-          <a:fontRef idx="minor">
-            <a:schemeClr val="tx1"/>
-          </a:fontRef>
-        </p:style>
-      </p:cxnSp>
+          <a:noFill/>
+        </p:spPr>
+        <p:txBody>
+          <a:bodyPr wrap="square" rtlCol="0">
+            <a:spAutoFit/>
+          </a:bodyPr>
+          <a:lstStyle/>
+          <a:p>
+            <a:pPr>
+              <a:buClr>
+                <a:srgbClr val="4772FF"/>
+              </a:buClr>
+              <a:buSzPct val="80000"/>
+            </a:pPr>
+            <a:endParaRPr lang="pt-BR" sz="3200" dirty="0">
+              <a:latin typeface="HERO" panose="00000500000000000000" pitchFamily="50" charset="0"/>
+            </a:endParaRPr>
+          </a:p>
+          <a:p>
+            <a:pPr marL="285750" indent="-285750">
+              <a:buClr>
+                <a:srgbClr val="4772FF"/>
+              </a:buClr>
+              <a:buSzPct val="80000"/>
+              <a:buFont typeface="Wingdings" panose="05000000000000000000" pitchFamily="2" charset="2"/>
+              <a:buChar char="Ø"/>
+            </a:pPr>
+            <a:r>
+              <a:rPr lang="pt-BR" sz="3200" dirty="0">
+                <a:latin typeface="HERO" panose="00000500000000000000" pitchFamily="50" charset="0"/>
+              </a:rPr>
+              <a:t>Demonstração do institucional</a:t>
+            </a:r>
+          </a:p>
+          <a:p>
+            <a:pPr marL="285750" indent="-285750">
+              <a:buClr>
+                <a:srgbClr val="4772FF"/>
+              </a:buClr>
+              <a:buSzPct val="80000"/>
+              <a:buFont typeface="Wingdings" panose="05000000000000000000" pitchFamily="2" charset="2"/>
+              <a:buChar char="Ø"/>
+            </a:pPr>
+            <a:endParaRPr lang="pt-BR" sz="3200" dirty="0">
+              <a:latin typeface="HERO" panose="00000500000000000000" pitchFamily="50" charset="0"/>
+            </a:endParaRPr>
+          </a:p>
+          <a:p>
+            <a:pPr marL="285750" indent="-285750">
+              <a:buClr>
+                <a:srgbClr val="4772FF"/>
+              </a:buClr>
+              <a:buSzPct val="80000"/>
+              <a:buFont typeface="Wingdings" panose="05000000000000000000" pitchFamily="2" charset="2"/>
+              <a:buChar char="Ø"/>
+            </a:pPr>
+            <a:r>
+              <a:rPr lang="pt-BR" sz="3200" dirty="0">
+                <a:latin typeface="HERO" panose="00000500000000000000" pitchFamily="50" charset="0"/>
+              </a:rPr>
+              <a:t>Dashboard</a:t>
+            </a:r>
+          </a:p>
+          <a:p>
+            <a:pPr>
+              <a:buClr>
+                <a:srgbClr val="4772FF"/>
+              </a:buClr>
+              <a:buSzPct val="80000"/>
+            </a:pPr>
+            <a:endParaRPr lang="pt-BR" sz="3200" dirty="0">
+              <a:latin typeface="HERO" panose="00000500000000000000" pitchFamily="50" charset="0"/>
+            </a:endParaRPr>
+          </a:p>
+          <a:p>
+            <a:pPr marL="285750" indent="-285750">
+              <a:buClr>
+                <a:srgbClr val="4772FF"/>
+              </a:buClr>
+              <a:buSzPct val="80000"/>
+              <a:buFont typeface="Wingdings" panose="05000000000000000000" pitchFamily="2" charset="2"/>
+              <a:buChar char="Ø"/>
+            </a:pPr>
+            <a:r>
+              <a:rPr lang="pt-BR" sz="3200" dirty="0">
+                <a:latin typeface="HERO" panose="00000500000000000000" pitchFamily="50" charset="0"/>
+              </a:rPr>
+              <a:t>Desafio </a:t>
+            </a:r>
+            <a:r>
+              <a:rPr lang="pt-BR" sz="3200" dirty="0" err="1">
+                <a:latin typeface="HERO" panose="00000500000000000000" pitchFamily="50" charset="0"/>
+              </a:rPr>
+              <a:t>Heatmap</a:t>
+            </a:r>
+            <a:endParaRPr lang="pt-BR" sz="3200" dirty="0">
+              <a:latin typeface="HERO" panose="00000500000000000000" pitchFamily="50" charset="0"/>
+            </a:endParaRPr>
+          </a:p>
+          <a:p>
+            <a:pPr marL="285750" indent="-285750">
+              <a:buClr>
+                <a:srgbClr val="4772FF"/>
+              </a:buClr>
+              <a:buSzPct val="80000"/>
+              <a:buFont typeface="Wingdings" panose="05000000000000000000" pitchFamily="2" charset="2"/>
+              <a:buChar char="Ø"/>
+            </a:pPr>
+            <a:endParaRPr lang="pt-BR" sz="3200" dirty="0">
+              <a:latin typeface="HERO" panose="00000500000000000000" pitchFamily="50" charset="0"/>
+            </a:endParaRPr>
+          </a:p>
+          <a:p>
+            <a:pPr marL="285750" indent="-285750">
+              <a:buClr>
+                <a:srgbClr val="4772FF"/>
+              </a:buClr>
+              <a:buSzPct val="80000"/>
+              <a:buFont typeface="Wingdings" panose="05000000000000000000" pitchFamily="2" charset="2"/>
+              <a:buChar char="Ø"/>
+            </a:pPr>
+            <a:r>
+              <a:rPr lang="pt-BR" sz="3200" dirty="0">
+                <a:latin typeface="HERO" panose="00000500000000000000" pitchFamily="50" charset="0"/>
+              </a:rPr>
+              <a:t>Demonstração da ferramenta helpdesk </a:t>
+            </a:r>
+          </a:p>
+          <a:p>
+            <a:pPr marL="285750" indent="-285750">
+              <a:buClr>
+                <a:srgbClr val="4772FF"/>
+              </a:buClr>
+              <a:buSzPct val="80000"/>
+              <a:buFont typeface="Wingdings" panose="05000000000000000000" pitchFamily="2" charset="2"/>
+              <a:buChar char="Ø"/>
+            </a:pPr>
+            <a:endParaRPr lang="pt-BR" sz="3200" dirty="0">
+              <a:latin typeface="HERO" panose="00000500000000000000" pitchFamily="50" charset="0"/>
+            </a:endParaRPr>
+          </a:p>
+        </p:txBody>
+      </p:sp>
     </p:spTree>
     <p:extLst>
       <p:ext uri="{BB962C8B-B14F-4D97-AF65-F5344CB8AC3E}">
-        <p14:creationId xmlns:p14="http://schemas.microsoft.com/office/powerpoint/2010/main" val="1983007844"/>
+        <p14:creationId xmlns:p14="http://schemas.microsoft.com/office/powerpoint/2010/main" val="2246586275"/>
       </p:ext>
     </p:extLst>
   </p:cSld>
@@ -11972,35 +11868,93 @@
           <a:chExt cx="0" cy="0"/>
         </a:xfrm>
       </p:grpSpPr>
+      <p:pic>
+        <p:nvPicPr>
+          <p:cNvPr id="21" name="Imagem 20" descr="Uma imagem contendo texto, desenho&#10;&#10;Descrição gerada automaticamente">
+            <a:extLst>
+              <a:ext uri="{FF2B5EF4-FFF2-40B4-BE49-F238E27FC236}">
+                <a16:creationId xmlns:a16="http://schemas.microsoft.com/office/drawing/2014/main" id="{42A0F740-B2A0-4F0E-8A83-24FC92E8FEAE}"/>
+              </a:ext>
+            </a:extLst>
+          </p:cNvPr>
+          <p:cNvPicPr>
+            <a:picLocks noChangeAspect="1"/>
+          </p:cNvPicPr>
+          <p:nvPr/>
+        </p:nvPicPr>
+        <p:blipFill>
+          <a:blip r:embed="rId2" cstate="hqprint">
+            <a:alphaModFix amt="58000"/>
+            <a:extLst>
+              <a:ext uri="{28A0092B-C50C-407E-A947-70E740481C1C}">
+                <a14:useLocalDpi xmlns:a14="http://schemas.microsoft.com/office/drawing/2010/main" val="0"/>
+              </a:ext>
+            </a:extLst>
+          </a:blip>
+          <a:stretch>
+            <a:fillRect/>
+          </a:stretch>
+        </p:blipFill>
+        <p:spPr>
+          <a:xfrm>
+            <a:off x="7152445" y="1248059"/>
+            <a:ext cx="4819581" cy="4361882"/>
+          </a:xfrm>
+          <a:prstGeom prst="rect">
+            <a:avLst/>
+          </a:prstGeom>
+        </p:spPr>
+      </p:pic>
       <p:sp>
         <p:nvSpPr>
-          <p:cNvPr id="2" name="Título 1">
-            <a:extLst>
-              <a:ext uri="{FF2B5EF4-FFF2-40B4-BE49-F238E27FC236}">
-                <a16:creationId xmlns:a16="http://schemas.microsoft.com/office/drawing/2014/main" id="{99F76FBE-1BC2-4EE6-B90A-22263BF7BDCD}"/>
-              </a:ext>
-            </a:extLst>
-          </p:cNvPr>
-          <p:cNvSpPr>
-            <a:spLocks noGrp="1"/>
+          <p:cNvPr id="7" name="Título 1">
+            <a:extLst>
+              <a:ext uri="{FF2B5EF4-FFF2-40B4-BE49-F238E27FC236}">
+                <a16:creationId xmlns:a16="http://schemas.microsoft.com/office/drawing/2014/main" id="{1C6F79D6-DD38-4BA5-9935-110C2A2CB5B4}"/>
+              </a:ext>
+            </a:extLst>
+          </p:cNvPr>
+          <p:cNvSpPr txBox="1">
+            <a:spLocks/>
           </p:cNvSpPr>
-          <p:nvPr>
-            <p:ph type="title"/>
-          </p:nvPr>
+          <p:nvPr/>
         </p:nvSpPr>
         <p:spPr>
           <a:xfrm>
-            <a:off x="0" y="632913"/>
-            <a:ext cx="12192000" cy="1325563"/>
-          </a:xfrm>
+            <a:off x="2223507" y="2766218"/>
+            <a:ext cx="8344701" cy="1325563"/>
+          </a:xfrm>
+          <a:prstGeom prst="rect">
+            <a:avLst/>
+          </a:prstGeom>
         </p:spPr>
         <p:txBody>
-          <a:bodyPr/>
-          <a:lstStyle/>
+          <a:bodyPr vert="horz" lIns="91440" tIns="45720" rIns="91440" bIns="45720" rtlCol="0" anchor="ctr">
+            <a:noAutofit/>
+          </a:bodyPr>
+          <a:lstStyle>
+            <a:lvl1pPr algn="l" defTabSz="914400" rtl="0" eaLnBrk="1" latinLnBrk="0" hangingPunct="1">
+              <a:lnSpc>
+                <a:spcPct val="90000"/>
+              </a:lnSpc>
+              <a:spcBef>
+                <a:spcPct val="0"/>
+              </a:spcBef>
+              <a:buNone/>
+              <a:defRPr sz="4400" kern="1200">
+                <a:solidFill>
+                  <a:schemeClr val="tx1"/>
+                </a:solidFill>
+                <a:latin typeface="+mj-lt"/>
+                <a:ea typeface="+mj-ea"/>
+                <a:cs typeface="+mj-cs"/>
+              </a:defRPr>
+            </a:lvl1pPr>
+          </a:lstStyle>
           <a:p>
             <a:pPr algn="ctr"/>
             <a:r>
-              <a:rPr lang="pt-BR" dirty="0">
+              <a:rPr lang="pt-BR" sz="6000" dirty="0">
                 <a:solidFill>
                   <a:schemeClr val="tx1">
                     <a:lumMod val="75000"/>
@@ -12009,88 +11963,17 @@
                 </a:solidFill>
                 <a:latin typeface="HERO" panose="00000500000000000000" pitchFamily="50" charset="0"/>
               </a:rPr>
-              <a:t>Website</a:t>
+              <a:t>Considerações finais</a:t>
             </a:r>
           </a:p>
         </p:txBody>
       </p:sp>
-      <p:pic>
-        <p:nvPicPr>
-          <p:cNvPr id="3" name="Imagem 2" descr="Uma imagem contendo texto, desenho&#10;&#10;Descrição gerada automaticamente">
-            <a:extLst>
-              <a:ext uri="{FF2B5EF4-FFF2-40B4-BE49-F238E27FC236}">
-                <a16:creationId xmlns:a16="http://schemas.microsoft.com/office/drawing/2014/main" id="{33CEE295-8B68-4E72-8E77-548A33B7E7BB}"/>
-              </a:ext>
-            </a:extLst>
-          </p:cNvPr>
-          <p:cNvPicPr>
-            <a:picLocks noChangeAspect="1"/>
-          </p:cNvPicPr>
-          <p:nvPr/>
-        </p:nvPicPr>
-        <p:blipFill>
-          <a:blip r:embed="rId2" cstate="hqprint">
-            <a:extLst>
-              <a:ext uri="{28A0092B-C50C-407E-A947-70E740481C1C}">
-                <a14:useLocalDpi xmlns:a14="http://schemas.microsoft.com/office/drawing/2010/main" val="0"/>
-              </a:ext>
-            </a:extLst>
-          </a:blip>
-          <a:stretch>
-            <a:fillRect/>
-          </a:stretch>
-        </p:blipFill>
-        <p:spPr>
-          <a:xfrm>
-            <a:off x="11371740" y="365125"/>
-            <a:ext cx="599846" cy="535577"/>
-          </a:xfrm>
-          <a:prstGeom prst="rect">
-            <a:avLst/>
-          </a:prstGeom>
-        </p:spPr>
-      </p:pic>
-      <p:pic>
-        <p:nvPicPr>
-          <p:cNvPr id="5" name="Imagem 4" descr="Uma imagem contendo computador&#10;&#10;Descrição gerada automaticamente">
-            <a:extLst>
-              <a:ext uri="{FF2B5EF4-FFF2-40B4-BE49-F238E27FC236}">
-                <a16:creationId xmlns:a16="http://schemas.microsoft.com/office/drawing/2014/main" id="{83C4BF57-CA9B-4FB0-826A-3CF89B791B0E}"/>
-              </a:ext>
-            </a:extLst>
-          </p:cNvPr>
-          <p:cNvPicPr>
-            <a:picLocks noChangeAspect="1"/>
-          </p:cNvPicPr>
-          <p:nvPr/>
-        </p:nvPicPr>
-        <p:blipFill rotWithShape="1">
-          <a:blip r:embed="rId3">
-            <a:extLst>
-              <a:ext uri="{28A0092B-C50C-407E-A947-70E740481C1C}">
-                <a14:useLocalDpi xmlns:a14="http://schemas.microsoft.com/office/drawing/2010/main" val="0"/>
-              </a:ext>
-            </a:extLst>
-          </a:blip>
-          <a:srcRect r="4586"/>
-          <a:stretch/>
-        </p:blipFill>
-        <p:spPr>
-          <a:xfrm>
-            <a:off x="5850817" y="2226264"/>
-            <a:ext cx="6341183" cy="3931007"/>
-          </a:xfrm>
-          <a:prstGeom prst="rect">
-            <a:avLst/>
-          </a:prstGeom>
-        </p:spPr>
-      </p:pic>
       <p:sp>
         <p:nvSpPr>
-          <p:cNvPr id="6" name="CaixaDeTexto 5">
-            <a:extLst>
-              <a:ext uri="{FF2B5EF4-FFF2-40B4-BE49-F238E27FC236}">
-                <a16:creationId xmlns:a16="http://schemas.microsoft.com/office/drawing/2014/main" id="{C42EEBB2-004D-463C-B41C-9AD2C75B6F96}"/>
+          <p:cNvPr id="8" name="CaixaDeTexto 7">
+            <a:extLst>
+              <a:ext uri="{FF2B5EF4-FFF2-40B4-BE49-F238E27FC236}">
+                <a16:creationId xmlns:a16="http://schemas.microsoft.com/office/drawing/2014/main" id="{FEC14383-7F9B-4CF1-9904-7086E8DF9108}"/>
               </a:ext>
             </a:extLst>
           </p:cNvPr>
@@ -12099,8 +11982,8 @@
         </p:nvSpPr>
         <p:spPr>
           <a:xfrm>
-            <a:off x="244443" y="1683388"/>
-            <a:ext cx="7051707" cy="5016758"/>
+            <a:off x="1783664" y="7350485"/>
+            <a:ext cx="9224385" cy="923330"/>
           </a:xfrm>
           <a:prstGeom prst="rect">
             <a:avLst/>
@@ -12108,150 +11991,24 @@
           <a:noFill/>
         </p:spPr>
         <p:txBody>
-          <a:bodyPr wrap="square" rtlCol="0">
+          <a:bodyPr wrap="none" rtlCol="0">
             <a:spAutoFit/>
           </a:bodyPr>
           <a:lstStyle/>
           <a:p>
-            <a:pPr>
-              <a:buClr>
-                <a:srgbClr val="4772FF"/>
-              </a:buClr>
-              <a:buSzPct val="80000"/>
-            </a:pPr>
-            <a:endParaRPr lang="pt-BR" sz="3200" dirty="0">
-              <a:latin typeface="HERO" panose="00000500000000000000" pitchFamily="50" charset="0"/>
-            </a:endParaRPr>
-          </a:p>
-          <a:p>
-            <a:pPr marL="285750" indent="-285750">
-              <a:buClr>
-                <a:srgbClr val="4772FF"/>
-              </a:buClr>
-              <a:buSzPct val="80000"/>
-              <a:buFont typeface="Wingdings" panose="05000000000000000000" pitchFamily="2" charset="2"/>
-              <a:buChar char="Ø"/>
-            </a:pPr>
-            <a:r>
-              <a:rPr lang="pt-BR" sz="3200" dirty="0">
+            <a:r>
+              <a:rPr lang="pt-BR" sz="5400" dirty="0">
                 <a:latin typeface="HERO" panose="00000500000000000000" pitchFamily="50" charset="0"/>
               </a:rPr>
-              <a:t>Demonstração do institucional</a:t>
-            </a:r>
-          </a:p>
-          <a:p>
-            <a:pPr marL="285750" indent="-285750">
-              <a:buClr>
-                <a:srgbClr val="4772FF"/>
-              </a:buClr>
-              <a:buSzPct val="80000"/>
-              <a:buFont typeface="Wingdings" panose="05000000000000000000" pitchFamily="2" charset="2"/>
-              <a:buChar char="Ø"/>
-            </a:pPr>
-            <a:endParaRPr lang="pt-BR" sz="3200" dirty="0">
-              <a:latin typeface="HERO" panose="00000500000000000000" pitchFamily="50" charset="0"/>
-            </a:endParaRPr>
-          </a:p>
-          <a:p>
-            <a:pPr marL="285750" indent="-285750">
-              <a:buClr>
-                <a:srgbClr val="4772FF"/>
-              </a:buClr>
-              <a:buSzPct val="80000"/>
-              <a:buFont typeface="Wingdings" panose="05000000000000000000" pitchFamily="2" charset="2"/>
-              <a:buChar char="Ø"/>
-            </a:pPr>
-            <a:r>
-              <a:rPr lang="pt-BR" sz="3200" dirty="0">
-                <a:latin typeface="HERO" panose="00000500000000000000" pitchFamily="50" charset="0"/>
-              </a:rPr>
-              <a:t>Dashboard</a:t>
-            </a:r>
-          </a:p>
-          <a:p>
-            <a:pPr>
-              <a:buClr>
-                <a:srgbClr val="4772FF"/>
-              </a:buClr>
-              <a:buSzPct val="80000"/>
-            </a:pPr>
-            <a:endParaRPr lang="pt-BR" sz="3200" dirty="0">
-              <a:latin typeface="HERO" panose="00000500000000000000" pitchFamily="50" charset="0"/>
-            </a:endParaRPr>
-          </a:p>
-          <a:p>
-            <a:pPr marL="285750" indent="-285750">
-              <a:buClr>
-                <a:srgbClr val="4772FF"/>
-              </a:buClr>
-              <a:buSzPct val="80000"/>
-              <a:buFont typeface="Wingdings" panose="05000000000000000000" pitchFamily="2" charset="2"/>
-              <a:buChar char="Ø"/>
-            </a:pPr>
-            <a:r>
-              <a:rPr lang="pt-BR" sz="3200" dirty="0">
-                <a:latin typeface="HERO" panose="00000500000000000000" pitchFamily="50" charset="0"/>
-              </a:rPr>
-              <a:t>Desafio </a:t>
-            </a:r>
-            <a:r>
-              <a:rPr lang="pt-BR" sz="3200" dirty="0" err="1">
-                <a:latin typeface="HERO" panose="00000500000000000000" pitchFamily="50" charset="0"/>
-              </a:rPr>
-              <a:t>Heatmap</a:t>
-            </a:r>
-            <a:endParaRPr lang="pt-BR" sz="3200" dirty="0">
-              <a:latin typeface="HERO" panose="00000500000000000000" pitchFamily="50" charset="0"/>
-            </a:endParaRPr>
-          </a:p>
-          <a:p>
-            <a:pPr marL="285750" indent="-285750">
-              <a:buClr>
-                <a:srgbClr val="4772FF"/>
-              </a:buClr>
-              <a:buSzPct val="80000"/>
-              <a:buFont typeface="Wingdings" panose="05000000000000000000" pitchFamily="2" charset="2"/>
-              <a:buChar char="Ø"/>
-            </a:pPr>
-            <a:endParaRPr lang="pt-BR" sz="3200" dirty="0">
-              <a:latin typeface="HERO" panose="00000500000000000000" pitchFamily="50" charset="0"/>
-            </a:endParaRPr>
-          </a:p>
-          <a:p>
-            <a:pPr marL="285750" indent="-285750">
-              <a:buClr>
-                <a:srgbClr val="4772FF"/>
-              </a:buClr>
-              <a:buSzPct val="80000"/>
-              <a:buFont typeface="Wingdings" panose="05000000000000000000" pitchFamily="2" charset="2"/>
-              <a:buChar char="Ø"/>
-            </a:pPr>
-            <a:r>
-              <a:rPr lang="pt-BR" sz="3200" dirty="0">
-                <a:latin typeface="HERO" panose="00000500000000000000" pitchFamily="50" charset="0"/>
-              </a:rPr>
-              <a:t>Demonstração da ferramenta helpdesk </a:t>
-            </a:r>
-          </a:p>
-          <a:p>
-            <a:pPr marL="285750" indent="-285750">
-              <a:buClr>
-                <a:srgbClr val="4772FF"/>
-              </a:buClr>
-              <a:buSzPct val="80000"/>
-              <a:buFont typeface="Wingdings" panose="05000000000000000000" pitchFamily="2" charset="2"/>
-              <a:buChar char="Ø"/>
-            </a:pPr>
-            <a:endParaRPr lang="pt-BR" sz="3200" dirty="0">
-              <a:latin typeface="HERO" panose="00000500000000000000" pitchFamily="50" charset="0"/>
-            </a:endParaRPr>
+              <a:t>Obrigada pela sua atenção</a:t>
+            </a:r>
           </a:p>
         </p:txBody>
       </p:sp>
     </p:spTree>
     <p:extLst>
       <p:ext uri="{BB962C8B-B14F-4D97-AF65-F5344CB8AC3E}">
-        <p14:creationId xmlns:p14="http://schemas.microsoft.com/office/powerpoint/2010/main" val="2246586275"/>
+        <p14:creationId xmlns:p14="http://schemas.microsoft.com/office/powerpoint/2010/main" val="2047144661"/>
       </p:ext>
     </p:extLst>
   </p:cSld>
@@ -12285,698 +12042,14 @@
                             </p:stCondLst>
                             <p:childTnLst>
                               <p:par>
-                                <p:cTn id="5" presetID="10" presetClass="entr" presetSubtype="0" fill="hold" grpId="0" nodeType="afterEffect">
+                                <p:cTn id="5" presetID="42" presetClass="path" presetSubtype="0" accel="50000" decel="50000" fill="hold" grpId="0" nodeType="withEffect">
                                   <p:stCondLst>
                                     <p:cond delay="0"/>
                                   </p:stCondLst>
                                   <p:childTnLst>
-                                    <p:set>
-                                      <p:cBhvr>
-                                        <p:cTn id="6" dur="1" fill="hold">
-                                          <p:stCondLst>
-                                            <p:cond delay="0"/>
-                                          </p:stCondLst>
-                                        </p:cTn>
-                                        <p:tgtEl>
-                                          <p:spTgt spid="6">
-                                            <p:txEl>
-                                              <p:pRg st="1" end="1"/>
-                                            </p:txEl>
-                                          </p:spTgt>
-                                        </p:tgtEl>
-                                        <p:attrNameLst>
-                                          <p:attrName>style.visibility</p:attrName>
-                                        </p:attrNameLst>
-                                      </p:cBhvr>
-                                      <p:to>
-                                        <p:strVal val="visible"/>
-                                      </p:to>
-                                    </p:set>
-                                    <p:animEffect transition="in" filter="fade">
-                                      <p:cBhvr>
-                                        <p:cTn id="7" dur="500"/>
-                                        <p:tgtEl>
-                                          <p:spTgt spid="6">
-                                            <p:txEl>
-                                              <p:pRg st="1" end="1"/>
-                                            </p:txEl>
-                                          </p:spTgt>
-                                        </p:tgtEl>
-                                      </p:cBhvr>
-                                    </p:animEffect>
-                                  </p:childTnLst>
-                                </p:cTn>
-                              </p:par>
-                            </p:childTnLst>
-                          </p:cTn>
-                        </p:par>
-                      </p:childTnLst>
-                    </p:cTn>
-                  </p:par>
-                  <p:par>
-                    <p:cTn id="8" fill="hold">
-                      <p:stCondLst>
-                        <p:cond delay="indefinite"/>
-                      </p:stCondLst>
-                      <p:childTnLst>
-                        <p:par>
-                          <p:cTn id="9" fill="hold">
-                            <p:stCondLst>
-                              <p:cond delay="0"/>
-                            </p:stCondLst>
-                            <p:childTnLst>
-                              <p:par>
-                                <p:cTn id="10" presetID="10" presetClass="entr" presetSubtype="0" fill="hold" grpId="0" nodeType="clickEffect">
-                                  <p:stCondLst>
-                                    <p:cond delay="0"/>
-                                  </p:stCondLst>
-                                  <p:childTnLst>
-                                    <p:set>
-                                      <p:cBhvr>
-                                        <p:cTn id="11" dur="1" fill="hold">
-                                          <p:stCondLst>
-                                            <p:cond delay="0"/>
-                                          </p:stCondLst>
-                                        </p:cTn>
-                                        <p:tgtEl>
-                                          <p:spTgt spid="6">
-                                            <p:txEl>
-                                              <p:pRg st="3" end="3"/>
-                                            </p:txEl>
-                                          </p:spTgt>
-                                        </p:tgtEl>
-                                        <p:attrNameLst>
-                                          <p:attrName>style.visibility</p:attrName>
-                                        </p:attrNameLst>
-                                      </p:cBhvr>
-                                      <p:to>
-                                        <p:strVal val="visible"/>
-                                      </p:to>
-                                    </p:set>
-                                    <p:animEffect transition="in" filter="fade">
-                                      <p:cBhvr>
-                                        <p:cTn id="12" dur="500"/>
-                                        <p:tgtEl>
-                                          <p:spTgt spid="6">
-                                            <p:txEl>
-                                              <p:pRg st="3" end="3"/>
-                                            </p:txEl>
-                                          </p:spTgt>
-                                        </p:tgtEl>
-                                      </p:cBhvr>
-                                    </p:animEffect>
-                                  </p:childTnLst>
-                                </p:cTn>
-                              </p:par>
-                            </p:childTnLst>
-                          </p:cTn>
-                        </p:par>
-                      </p:childTnLst>
-                    </p:cTn>
-                  </p:par>
-                  <p:par>
-                    <p:cTn id="13" fill="hold">
-                      <p:stCondLst>
-                        <p:cond delay="indefinite"/>
-                      </p:stCondLst>
-                      <p:childTnLst>
-                        <p:par>
-                          <p:cTn id="14" fill="hold">
-                            <p:stCondLst>
-                              <p:cond delay="0"/>
-                            </p:stCondLst>
-                            <p:childTnLst>
-                              <p:par>
-                                <p:cTn id="15" presetID="10" presetClass="entr" presetSubtype="0" fill="hold" grpId="0" nodeType="clickEffect">
-                                  <p:stCondLst>
-                                    <p:cond delay="0"/>
-                                  </p:stCondLst>
-                                  <p:childTnLst>
-                                    <p:set>
-                                      <p:cBhvr>
-                                        <p:cTn id="16" dur="1" fill="hold">
-                                          <p:stCondLst>
-                                            <p:cond delay="0"/>
-                                          </p:stCondLst>
-                                        </p:cTn>
-                                        <p:tgtEl>
-                                          <p:spTgt spid="6">
-                                            <p:txEl>
-                                              <p:pRg st="5" end="5"/>
-                                            </p:txEl>
-                                          </p:spTgt>
-                                        </p:tgtEl>
-                                        <p:attrNameLst>
-                                          <p:attrName>style.visibility</p:attrName>
-                                        </p:attrNameLst>
-                                      </p:cBhvr>
-                                      <p:to>
-                                        <p:strVal val="visible"/>
-                                      </p:to>
-                                    </p:set>
-                                    <p:animEffect transition="in" filter="fade">
-                                      <p:cBhvr>
-                                        <p:cTn id="17" dur="500"/>
-                                        <p:tgtEl>
-                                          <p:spTgt spid="6">
-                                            <p:txEl>
-                                              <p:pRg st="5" end="5"/>
-                                            </p:txEl>
-                                          </p:spTgt>
-                                        </p:tgtEl>
-                                      </p:cBhvr>
-                                    </p:animEffect>
-                                  </p:childTnLst>
-                                </p:cTn>
-                              </p:par>
-                              <p:par>
-                                <p:cTn id="18" presetID="10" presetClass="entr" presetSubtype="0" fill="hold" grpId="0" nodeType="withEffect">
-                                  <p:stCondLst>
-                                    <p:cond delay="0"/>
-                                  </p:stCondLst>
-                                  <p:childTnLst>
-                                    <p:set>
-                                      <p:cBhvr>
-                                        <p:cTn id="19" dur="1" fill="hold">
-                                          <p:stCondLst>
-                                            <p:cond delay="0"/>
-                                          </p:stCondLst>
-                                        </p:cTn>
-                                        <p:tgtEl>
-                                          <p:spTgt spid="6">
-                                            <p:txEl>
-                                              <p:pRg st="7" end="7"/>
-                                            </p:txEl>
-                                          </p:spTgt>
-                                        </p:tgtEl>
-                                        <p:attrNameLst>
-                                          <p:attrName>style.visibility</p:attrName>
-                                        </p:attrNameLst>
-                                      </p:cBhvr>
-                                      <p:to>
-                                        <p:strVal val="visible"/>
-                                      </p:to>
-                                    </p:set>
-                                    <p:animEffect transition="in" filter="fade">
-                                      <p:cBhvr>
-                                        <p:cTn id="20" dur="500"/>
-                                        <p:tgtEl>
-                                          <p:spTgt spid="6">
-                                            <p:txEl>
-                                              <p:pRg st="7" end="7"/>
-                                            </p:txEl>
-                                          </p:spTgt>
-                                        </p:tgtEl>
-                                      </p:cBhvr>
-                                    </p:animEffect>
-                                  </p:childTnLst>
-                                </p:cTn>
-                              </p:par>
-                            </p:childTnLst>
-                          </p:cTn>
-                        </p:par>
-                      </p:childTnLst>
-                    </p:cTn>
-                  </p:par>
-                </p:childTnLst>
-              </p:cTn>
-              <p:prevCondLst>
-                <p:cond evt="onPrev" delay="0">
-                  <p:tgtEl>
-                    <p:sldTgt/>
-                  </p:tgtEl>
-                </p:cond>
-              </p:prevCondLst>
-              <p:nextCondLst>
-                <p:cond evt="onNext" delay="0">
-                  <p:tgtEl>
-                    <p:sldTgt/>
-                  </p:tgtEl>
-                </p:cond>
-              </p:nextCondLst>
-            </p:seq>
-          </p:childTnLst>
-        </p:cTn>
-      </p:par>
-    </p:tnLst>
-    <p:bldLst>
-      <p:bldP spid="6" grpId="0" uiExpand="1" build="allAtOnce"/>
-    </p:bldLst>
-  </p:timing>
-</p:sld>
-</file>
-
-<file path=ppt/slides/slide22.xml><?xml version="1.0" encoding="utf-8"?>
-<p:sld xmlns:a="http://schemas.openxmlformats.org/drawingml/2006/main" xmlns:r="http://schemas.openxmlformats.org/officeDocument/2006/relationships" xmlns:p="http://schemas.openxmlformats.org/presentationml/2006/main">
-  <p:cSld>
-    <p:spTree>
-      <p:nvGrpSpPr>
-        <p:cNvPr id="1" name=""/>
-        <p:cNvGrpSpPr/>
-        <p:nvPr/>
-      </p:nvGrpSpPr>
-      <p:grpSpPr>
-        <a:xfrm>
-          <a:off x="0" y="0"/>
-          <a:ext cx="0" cy="0"/>
-          <a:chOff x="0" y="0"/>
-          <a:chExt cx="0" cy="0"/>
-        </a:xfrm>
-      </p:grpSpPr>
-      <p:pic>
-        <p:nvPicPr>
-          <p:cNvPr id="21" name="Imagem 20" descr="Uma imagem contendo texto, desenho&#10;&#10;Descrição gerada automaticamente">
-            <a:extLst>
-              <a:ext uri="{FF2B5EF4-FFF2-40B4-BE49-F238E27FC236}">
-                <a16:creationId xmlns:a16="http://schemas.microsoft.com/office/drawing/2014/main" id="{42A0F740-B2A0-4F0E-8A83-24FC92E8FEAE}"/>
-              </a:ext>
-            </a:extLst>
-          </p:cNvPr>
-          <p:cNvPicPr>
-            <a:picLocks noChangeAspect="1"/>
-          </p:cNvPicPr>
-          <p:nvPr/>
-        </p:nvPicPr>
-        <p:blipFill>
-          <a:blip r:embed="rId2" cstate="hqprint">
-            <a:alphaModFix amt="58000"/>
-            <a:extLst>
-              <a:ext uri="{28A0092B-C50C-407E-A947-70E740481C1C}">
-                <a14:useLocalDpi xmlns:a14="http://schemas.microsoft.com/office/drawing/2010/main" val="0"/>
-              </a:ext>
-            </a:extLst>
-          </a:blip>
-          <a:stretch>
-            <a:fillRect/>
-          </a:stretch>
-        </p:blipFill>
-        <p:spPr>
-          <a:xfrm>
-            <a:off x="7152445" y="1248059"/>
-            <a:ext cx="4819581" cy="4361882"/>
-          </a:xfrm>
-          <a:prstGeom prst="rect">
-            <a:avLst/>
-          </a:prstGeom>
-        </p:spPr>
-      </p:pic>
-      <p:sp>
-        <p:nvSpPr>
-          <p:cNvPr id="4" name="Título 1">
-            <a:extLst>
-              <a:ext uri="{FF2B5EF4-FFF2-40B4-BE49-F238E27FC236}">
-                <a16:creationId xmlns:a16="http://schemas.microsoft.com/office/drawing/2014/main" id="{29BE4399-B1AD-4D2A-89B7-B8E06B83E693}"/>
-              </a:ext>
-            </a:extLst>
-          </p:cNvPr>
-          <p:cNvSpPr txBox="1">
-            <a:spLocks/>
-          </p:cNvSpPr>
-          <p:nvPr/>
-        </p:nvSpPr>
-        <p:spPr>
-          <a:xfrm>
-            <a:off x="909406" y="240816"/>
-            <a:ext cx="3520551" cy="1325563"/>
-          </a:xfrm>
-          <a:prstGeom prst="rect">
-            <a:avLst/>
-          </a:prstGeom>
-        </p:spPr>
-        <p:txBody>
-          <a:bodyPr vert="horz" lIns="91440" tIns="45720" rIns="91440" bIns="45720" rtlCol="0" anchor="ctr">
-            <a:normAutofit/>
-          </a:bodyPr>
-          <a:lstStyle>
-            <a:lvl1pPr algn="l" defTabSz="914400" rtl="0" eaLnBrk="1" latinLnBrk="0" hangingPunct="1">
-              <a:lnSpc>
-                <a:spcPct val="90000"/>
-              </a:lnSpc>
-              <a:spcBef>
-                <a:spcPct val="0"/>
-              </a:spcBef>
-              <a:buNone/>
-              <a:defRPr sz="4400" kern="1200">
-                <a:solidFill>
-                  <a:schemeClr val="tx1"/>
-                </a:solidFill>
-                <a:latin typeface="+mj-lt"/>
-                <a:ea typeface="+mj-ea"/>
-                <a:cs typeface="+mj-cs"/>
-              </a:defRPr>
-            </a:lvl1pPr>
-          </a:lstStyle>
-          <a:p>
-            <a:pPr algn="ctr"/>
-            <a:r>
-              <a:rPr lang="pt-BR" dirty="0">
-                <a:solidFill>
-                  <a:schemeClr val="tx1">
-                    <a:lumMod val="75000"/>
-                    <a:lumOff val="25000"/>
-                  </a:schemeClr>
-                </a:solidFill>
-                <a:latin typeface="HERO" panose="00000500000000000000" pitchFamily="50" charset="0"/>
-              </a:rPr>
-              <a:t>Conclusão</a:t>
-            </a:r>
-          </a:p>
-        </p:txBody>
-      </p:sp>
-      <p:sp>
-        <p:nvSpPr>
-          <p:cNvPr id="5" name="Título 1">
-            <a:extLst>
-              <a:ext uri="{FF2B5EF4-FFF2-40B4-BE49-F238E27FC236}">
-                <a16:creationId xmlns:a16="http://schemas.microsoft.com/office/drawing/2014/main" id="{C0811979-09EF-4344-8DEF-10359A5CC3D2}"/>
-              </a:ext>
-            </a:extLst>
-          </p:cNvPr>
-          <p:cNvSpPr txBox="1">
-            <a:spLocks/>
-          </p:cNvSpPr>
-          <p:nvPr/>
-        </p:nvSpPr>
-        <p:spPr>
-          <a:xfrm>
-            <a:off x="673228" y="3245712"/>
-            <a:ext cx="7034204" cy="1325563"/>
-          </a:xfrm>
-          <a:prstGeom prst="rect">
-            <a:avLst/>
-          </a:prstGeom>
-        </p:spPr>
-        <p:txBody>
-          <a:bodyPr vert="horz" lIns="91440" tIns="45720" rIns="91440" bIns="45720" rtlCol="0" anchor="ctr">
-            <a:normAutofit/>
-          </a:bodyPr>
-          <a:lstStyle>
-            <a:lvl1pPr algn="l" defTabSz="914400" rtl="0" eaLnBrk="1" latinLnBrk="0" hangingPunct="1">
-              <a:lnSpc>
-                <a:spcPct val="90000"/>
-              </a:lnSpc>
-              <a:spcBef>
-                <a:spcPct val="0"/>
-              </a:spcBef>
-              <a:buNone/>
-              <a:defRPr sz="4400" kern="1200">
-                <a:solidFill>
-                  <a:schemeClr val="tx1"/>
-                </a:solidFill>
-                <a:latin typeface="+mj-lt"/>
-                <a:ea typeface="+mj-ea"/>
-                <a:cs typeface="+mj-cs"/>
-              </a:defRPr>
-            </a:lvl1pPr>
-          </a:lstStyle>
-          <a:p>
-            <a:pPr algn="ctr"/>
-            <a:r>
-              <a:rPr lang="pt-BR" dirty="0">
-                <a:solidFill>
-                  <a:schemeClr val="tx1">
-                    <a:lumMod val="75000"/>
-                    <a:lumOff val="25000"/>
-                  </a:schemeClr>
-                </a:solidFill>
-                <a:latin typeface="HERO" panose="00000500000000000000" pitchFamily="50" charset="0"/>
-              </a:rPr>
-              <a:t>Integridade</a:t>
-            </a:r>
-          </a:p>
-        </p:txBody>
-      </p:sp>
-      <p:sp>
-        <p:nvSpPr>
-          <p:cNvPr id="6" name="Título 1">
-            <a:extLst>
-              <a:ext uri="{FF2B5EF4-FFF2-40B4-BE49-F238E27FC236}">
-                <a16:creationId xmlns:a16="http://schemas.microsoft.com/office/drawing/2014/main" id="{B2E37C89-8C16-4662-95BD-6869D35ED5C2}"/>
-              </a:ext>
-            </a:extLst>
-          </p:cNvPr>
-          <p:cNvSpPr txBox="1">
-            <a:spLocks/>
-          </p:cNvSpPr>
-          <p:nvPr/>
-        </p:nvSpPr>
-        <p:spPr>
-          <a:xfrm>
-            <a:off x="673228" y="1743264"/>
-            <a:ext cx="7034204" cy="1325563"/>
-          </a:xfrm>
-          <a:prstGeom prst="rect">
-            <a:avLst/>
-          </a:prstGeom>
-        </p:spPr>
-        <p:txBody>
-          <a:bodyPr vert="horz" lIns="91440" tIns="45720" rIns="91440" bIns="45720" rtlCol="0" anchor="ctr">
-            <a:normAutofit/>
-          </a:bodyPr>
-          <a:lstStyle>
-            <a:lvl1pPr algn="l" defTabSz="914400" rtl="0" eaLnBrk="1" latinLnBrk="0" hangingPunct="1">
-              <a:lnSpc>
-                <a:spcPct val="90000"/>
-              </a:lnSpc>
-              <a:spcBef>
-                <a:spcPct val="0"/>
-              </a:spcBef>
-              <a:buNone/>
-              <a:defRPr sz="4400" kern="1200">
-                <a:solidFill>
-                  <a:schemeClr val="tx1"/>
-                </a:solidFill>
-                <a:latin typeface="+mj-lt"/>
-                <a:ea typeface="+mj-ea"/>
-                <a:cs typeface="+mj-cs"/>
-              </a:defRPr>
-            </a:lvl1pPr>
-          </a:lstStyle>
-          <a:p>
-            <a:pPr algn="ctr"/>
-            <a:r>
-              <a:rPr lang="pt-BR" dirty="0">
-                <a:solidFill>
-                  <a:schemeClr val="tx1">
-                    <a:lumMod val="75000"/>
-                    <a:lumOff val="25000"/>
-                  </a:schemeClr>
-                </a:solidFill>
-                <a:latin typeface="HERO" panose="00000500000000000000" pitchFamily="50" charset="0"/>
-              </a:rPr>
-              <a:t>Trabalho em equipe</a:t>
-            </a:r>
-          </a:p>
-        </p:txBody>
-      </p:sp>
-      <p:sp>
-        <p:nvSpPr>
-          <p:cNvPr id="7" name="Título 1">
-            <a:extLst>
-              <a:ext uri="{FF2B5EF4-FFF2-40B4-BE49-F238E27FC236}">
-                <a16:creationId xmlns:a16="http://schemas.microsoft.com/office/drawing/2014/main" id="{1C6F79D6-DD38-4BA5-9935-110C2A2CB5B4}"/>
-              </a:ext>
-            </a:extLst>
-          </p:cNvPr>
-          <p:cNvSpPr txBox="1">
-            <a:spLocks/>
-          </p:cNvSpPr>
-          <p:nvPr/>
-        </p:nvSpPr>
-        <p:spPr>
-          <a:xfrm>
-            <a:off x="673228" y="4748160"/>
-            <a:ext cx="7034204" cy="1325563"/>
-          </a:xfrm>
-          <a:prstGeom prst="rect">
-            <a:avLst/>
-          </a:prstGeom>
-        </p:spPr>
-        <p:txBody>
-          <a:bodyPr vert="horz" lIns="91440" tIns="45720" rIns="91440" bIns="45720" rtlCol="0" anchor="ctr">
-            <a:normAutofit/>
-          </a:bodyPr>
-          <a:lstStyle>
-            <a:lvl1pPr algn="l" defTabSz="914400" rtl="0" eaLnBrk="1" latinLnBrk="0" hangingPunct="1">
-              <a:lnSpc>
-                <a:spcPct val="90000"/>
-              </a:lnSpc>
-              <a:spcBef>
-                <a:spcPct val="0"/>
-              </a:spcBef>
-              <a:buNone/>
-              <a:defRPr sz="4400" kern="1200">
-                <a:solidFill>
-                  <a:schemeClr val="tx1"/>
-                </a:solidFill>
-                <a:latin typeface="+mj-lt"/>
-                <a:ea typeface="+mj-ea"/>
-                <a:cs typeface="+mj-cs"/>
-              </a:defRPr>
-            </a:lvl1pPr>
-          </a:lstStyle>
-          <a:p>
-            <a:pPr algn="ctr"/>
-            <a:r>
-              <a:rPr lang="pt-BR" dirty="0">
-                <a:solidFill>
-                  <a:schemeClr val="tx1">
-                    <a:lumMod val="75000"/>
-                    <a:lumOff val="25000"/>
-                  </a:schemeClr>
-                </a:solidFill>
-                <a:latin typeface="HERO" panose="00000500000000000000" pitchFamily="50" charset="0"/>
-              </a:rPr>
-              <a:t>Responsabilidade</a:t>
-            </a:r>
-          </a:p>
-        </p:txBody>
-      </p:sp>
-      <p:sp>
-        <p:nvSpPr>
-          <p:cNvPr id="8" name="CaixaDeTexto 7">
-            <a:extLst>
-              <a:ext uri="{FF2B5EF4-FFF2-40B4-BE49-F238E27FC236}">
-                <a16:creationId xmlns:a16="http://schemas.microsoft.com/office/drawing/2014/main" id="{FEC14383-7F9B-4CF1-9904-7086E8DF9108}"/>
-              </a:ext>
-            </a:extLst>
-          </p:cNvPr>
-          <p:cNvSpPr txBox="1"/>
-          <p:nvPr/>
-        </p:nvSpPr>
-        <p:spPr>
-          <a:xfrm>
-            <a:off x="1785257" y="7271657"/>
-            <a:ext cx="9224385" cy="923330"/>
-          </a:xfrm>
-          <a:prstGeom prst="rect">
-            <a:avLst/>
-          </a:prstGeom>
-          <a:noFill/>
-        </p:spPr>
-        <p:txBody>
-          <a:bodyPr wrap="none" rtlCol="0">
-            <a:spAutoFit/>
-          </a:bodyPr>
-          <a:lstStyle/>
-          <a:p>
-            <a:r>
-              <a:rPr lang="pt-BR" sz="5400" dirty="0">
-                <a:latin typeface="HERO" panose="00000500000000000000" pitchFamily="50" charset="0"/>
-              </a:rPr>
-              <a:t>Obrigada pela sua atenção</a:t>
-            </a:r>
-          </a:p>
-        </p:txBody>
-      </p:sp>
-    </p:spTree>
-    <p:extLst>
-      <p:ext uri="{BB962C8B-B14F-4D97-AF65-F5344CB8AC3E}">
-        <p14:creationId xmlns:p14="http://schemas.microsoft.com/office/powerpoint/2010/main" val="2047144661"/>
-      </p:ext>
-    </p:extLst>
-  </p:cSld>
-  <p:clrMapOvr>
-    <a:masterClrMapping/>
-  </p:clrMapOvr>
-  <p:transition>
-    <p:fade/>
-  </p:transition>
-  <p:timing>
-    <p:tnLst>
-      <p:par>
-        <p:cTn id="1" dur="indefinite" restart="never" nodeType="tmRoot">
-          <p:childTnLst>
-            <p:seq concurrent="1" nextAc="seek">
-              <p:cTn id="2" dur="indefinite" nodeType="mainSeq">
-                <p:childTnLst>
-                  <p:par>
-                    <p:cTn id="3" fill="hold">
-                      <p:stCondLst>
-                        <p:cond delay="indefinite"/>
-                      </p:stCondLst>
-                      <p:childTnLst>
-                        <p:par>
-                          <p:cTn id="4" fill="hold">
-                            <p:stCondLst>
-                              <p:cond delay="0"/>
-                            </p:stCondLst>
-                            <p:childTnLst>
-                              <p:par>
-                                <p:cTn id="5" presetID="42" presetClass="path" presetSubtype="0" accel="50000" decel="50000" fill="hold" grpId="0" nodeType="clickEffect">
-                                  <p:stCondLst>
-                                    <p:cond delay="0"/>
-                                  </p:stCondLst>
-                                  <p:childTnLst>
-                                    <p:animMotion origin="layout" path="M -4.16667E-7 -2.96296E-6 L -4.16667E-7 1.3794 " pathEditMode="relative" rAng="0" ptsTypes="AA">
+                                    <p:animMotion origin="layout" path="M 6.25E-7 1.48148E-6 L 0.00299 0.93935 " pathEditMode="relative" rAng="0" ptsTypes="AA">
                                       <p:cBhvr>
                                         <p:cTn id="6" dur="2000" fill="hold"/>
-                                        <p:tgtEl>
-                                          <p:spTgt spid="4"/>
-                                        </p:tgtEl>
-                                        <p:attrNameLst>
-                                          <p:attrName>ppt_x</p:attrName>
-                                          <p:attrName>ppt_y</p:attrName>
-                                        </p:attrNameLst>
-                                      </p:cBhvr>
-                                      <p:rCtr x="0" y="68958"/>
-                                    </p:animMotion>
-                                  </p:childTnLst>
-                                </p:cTn>
-                              </p:par>
-                              <p:par>
-                                <p:cTn id="7" presetID="42" presetClass="path" presetSubtype="0" accel="50000" decel="50000" fill="hold" grpId="0" nodeType="withEffect">
-                                  <p:stCondLst>
-                                    <p:cond delay="0"/>
-                                  </p:stCondLst>
-                                  <p:childTnLst>
-                                    <p:animMotion origin="layout" path="M 2.08333E-7 -4.44444E-6 L 2.08333E-7 1.15834 " pathEditMode="relative" rAng="0" ptsTypes="AA">
-                                      <p:cBhvr>
-                                        <p:cTn id="8" dur="2000" fill="hold"/>
-                                        <p:tgtEl>
-                                          <p:spTgt spid="6"/>
-                                        </p:tgtEl>
-                                        <p:attrNameLst>
-                                          <p:attrName>ppt_x</p:attrName>
-                                          <p:attrName>ppt_y</p:attrName>
-                                        </p:attrNameLst>
-                                      </p:cBhvr>
-                                      <p:rCtr x="0" y="57917"/>
-                                    </p:animMotion>
-                                  </p:childTnLst>
-                                </p:cTn>
-                              </p:par>
-                              <p:par>
-                                <p:cTn id="9" presetID="42" presetClass="path" presetSubtype="0" accel="50000" decel="50000" fill="hold" grpId="0" nodeType="withEffect">
-                                  <p:stCondLst>
-                                    <p:cond delay="0"/>
-                                  </p:stCondLst>
-                                  <p:childTnLst>
-                                    <p:animMotion origin="layout" path="M 2.08333E-7 2.59259E-6 L 2.08333E-7 0.94328 " pathEditMode="relative" rAng="0" ptsTypes="AA">
-                                      <p:cBhvr>
-                                        <p:cTn id="10" dur="2000" fill="hold"/>
-                                        <p:tgtEl>
-                                          <p:spTgt spid="5"/>
-                                        </p:tgtEl>
-                                        <p:attrNameLst>
-                                          <p:attrName>ppt_x</p:attrName>
-                                          <p:attrName>ppt_y</p:attrName>
-                                        </p:attrNameLst>
-                                      </p:cBhvr>
-                                      <p:rCtr x="0" y="47153"/>
-                                    </p:animMotion>
-                                  </p:childTnLst>
-                                </p:cTn>
-                              </p:par>
-                              <p:par>
-                                <p:cTn id="11" presetID="42" presetClass="path" presetSubtype="0" accel="50000" decel="50000" fill="hold" grpId="0" nodeType="withEffect">
-                                  <p:stCondLst>
-                                    <p:cond delay="0"/>
-                                  </p:stCondLst>
-                                  <p:childTnLst>
-                                    <p:animMotion origin="layout" path="M 2.08333E-7 1.11111E-6 L 2.08333E-7 0.71805 " pathEditMode="relative" rAng="0" ptsTypes="AA">
-                                      <p:cBhvr>
-                                        <p:cTn id="12" dur="2000" fill="hold"/>
                                         <p:tgtEl>
                                           <p:spTgt spid="7"/>
                                         </p:tgtEl>
@@ -12985,7 +12058,7 @@
                                           <p:attrName>ppt_y</p:attrName>
                                         </p:attrNameLst>
                                       </p:cBhvr>
-                                      <p:rCtr x="0" y="35903"/>
+                                      <p:rCtr x="143" y="46968"/>
                                     </p:animMotion>
                                   </p:childTnLst>
                                 </p:cTn>
@@ -12997,26 +12070,26 @@
                     </p:cTn>
                   </p:par>
                   <p:par>
-                    <p:cTn id="13" fill="hold">
+                    <p:cTn id="7" fill="hold">
                       <p:stCondLst>
                         <p:cond delay="indefinite"/>
                       </p:stCondLst>
                       <p:childTnLst>
                         <p:par>
-                          <p:cTn id="14" fill="hold">
+                          <p:cTn id="8" fill="hold">
                             <p:stCondLst>
                               <p:cond delay="0"/>
                             </p:stCondLst>
                             <p:childTnLst>
                               <p:par>
-                                <p:cTn id="15" presetID="42" presetClass="path" presetSubtype="0" accel="50000" decel="50000" fill="hold" grpId="0" nodeType="clickEffect">
+                                <p:cTn id="9" presetID="42" presetClass="path" presetSubtype="0" accel="50000" decel="50000" fill="hold" grpId="0" nodeType="clickEffect">
                                   <p:stCondLst>
                                     <p:cond delay="0"/>
                                   </p:stCondLst>
                                   <p:childTnLst>
-                                    <p:animMotion origin="layout" path="M 4.16667E-7 3.7037E-6 L 4.16667E-7 -0.63611 " pathEditMode="relative" rAng="0" ptsTypes="AA">
+                                    <p:animMotion origin="layout" path="M 6.25E-7 -3.7037E-7 L 6.25E-7 -0.63611 " pathEditMode="relative" rAng="0" ptsTypes="AA">
                                       <p:cBhvr>
-                                        <p:cTn id="16" dur="2000" fill="hold"/>
+                                        <p:cTn id="10" dur="2000" fill="hold"/>
                                         <p:tgtEl>
                                           <p:spTgt spid="8"/>
                                         </p:tgtEl>
@@ -13058,9 +12131,6 @@
       </p:par>
     </p:tnLst>
     <p:bldLst>
-      <p:bldP spid="4" grpId="0"/>
-      <p:bldP spid="5" grpId="0"/>
-      <p:bldP spid="6" grpId="0"/>
       <p:bldP spid="7" grpId="0"/>
       <p:bldP spid="8" grpId="0"/>
     </p:bldLst>
@@ -13224,7 +12294,7 @@
               <a:rPr lang="pt-BR" sz="2400" dirty="0">
                 <a:latin typeface="HERO" panose="00000500000000000000" pitchFamily="50" charset="0"/>
               </a:rPr>
-              <a:t>Uso de informações para fins comerciais</a:t>
+              <a:t>Uso de informações para fins comerciais e operacionais</a:t>
             </a:r>
           </a:p>
         </p:txBody>
@@ -16798,269 +15868,6 @@
   <p:transition>
     <p:fade/>
   </p:transition>
-  <p:timing>
-    <p:tnLst>
-      <p:par>
-        <p:cTn id="1" dur="indefinite" restart="never" nodeType="tmRoot">
-          <p:childTnLst>
-            <p:seq concurrent="1" nextAc="seek">
-              <p:cTn id="2" dur="indefinite" nodeType="mainSeq">
-                <p:childTnLst>
-                  <p:par>
-                    <p:cTn id="3" fill="hold">
-                      <p:stCondLst>
-                        <p:cond delay="indefinite"/>
-                        <p:cond evt="onBegin" delay="0">
-                          <p:tn val="2"/>
-                        </p:cond>
-                      </p:stCondLst>
-                      <p:childTnLst>
-                        <p:par>
-                          <p:cTn id="4" fill="hold">
-                            <p:stCondLst>
-                              <p:cond delay="0"/>
-                            </p:stCondLst>
-                            <p:childTnLst>
-                              <p:par>
-                                <p:cTn id="5" presetID="10" presetClass="entr" presetSubtype="0" fill="hold" nodeType="afterEffect">
-                                  <p:stCondLst>
-                                    <p:cond delay="0"/>
-                                  </p:stCondLst>
-                                  <p:childTnLst>
-                                    <p:set>
-                                      <p:cBhvr>
-                                        <p:cTn id="6" dur="1" fill="hold">
-                                          <p:stCondLst>
-                                            <p:cond delay="0"/>
-                                          </p:stCondLst>
-                                        </p:cTn>
-                                        <p:tgtEl>
-                                          <p:spTgt spid="6"/>
-                                        </p:tgtEl>
-                                        <p:attrNameLst>
-                                          <p:attrName>style.visibility</p:attrName>
-                                        </p:attrNameLst>
-                                      </p:cBhvr>
-                                      <p:to>
-                                        <p:strVal val="visible"/>
-                                      </p:to>
-                                    </p:set>
-                                    <p:animEffect transition="in" filter="fade">
-                                      <p:cBhvr>
-                                        <p:cTn id="7" dur="500"/>
-                                        <p:tgtEl>
-                                          <p:spTgt spid="6"/>
-                                        </p:tgtEl>
-                                      </p:cBhvr>
-                                    </p:animEffect>
-                                  </p:childTnLst>
-                                </p:cTn>
-                              </p:par>
-                            </p:childTnLst>
-                          </p:cTn>
-                        </p:par>
-                        <p:par>
-                          <p:cTn id="8" fill="hold">
-                            <p:stCondLst>
-                              <p:cond delay="500"/>
-                            </p:stCondLst>
-                            <p:childTnLst>
-                              <p:par>
-                                <p:cTn id="9" presetID="10" presetClass="entr" presetSubtype="0" fill="hold" grpId="0" nodeType="afterEffect">
-                                  <p:stCondLst>
-                                    <p:cond delay="0"/>
-                                  </p:stCondLst>
-                                  <p:childTnLst>
-                                    <p:set>
-                                      <p:cBhvr>
-                                        <p:cTn id="10" dur="1" fill="hold">
-                                          <p:stCondLst>
-                                            <p:cond delay="0"/>
-                                          </p:stCondLst>
-                                        </p:cTn>
-                                        <p:tgtEl>
-                                          <p:spTgt spid="5">
-                                            <p:txEl>
-                                              <p:pRg st="1" end="1"/>
-                                            </p:txEl>
-                                          </p:spTgt>
-                                        </p:tgtEl>
-                                        <p:attrNameLst>
-                                          <p:attrName>style.visibility</p:attrName>
-                                        </p:attrNameLst>
-                                      </p:cBhvr>
-                                      <p:to>
-                                        <p:strVal val="visible"/>
-                                      </p:to>
-                                    </p:set>
-                                    <p:animEffect transition="in" filter="fade">
-                                      <p:cBhvr>
-                                        <p:cTn id="11" dur="500"/>
-                                        <p:tgtEl>
-                                          <p:spTgt spid="5">
-                                            <p:txEl>
-                                              <p:pRg st="1" end="1"/>
-                                            </p:txEl>
-                                          </p:spTgt>
-                                        </p:tgtEl>
-                                      </p:cBhvr>
-                                    </p:animEffect>
-                                  </p:childTnLst>
-                                </p:cTn>
-                              </p:par>
-                            </p:childTnLst>
-                          </p:cTn>
-                        </p:par>
-                      </p:childTnLst>
-                    </p:cTn>
-                  </p:par>
-                  <p:par>
-                    <p:cTn id="12" fill="hold">
-                      <p:stCondLst>
-                        <p:cond delay="indefinite"/>
-                      </p:stCondLst>
-                      <p:childTnLst>
-                        <p:par>
-                          <p:cTn id="13" fill="hold">
-                            <p:stCondLst>
-                              <p:cond delay="0"/>
-                            </p:stCondLst>
-                            <p:childTnLst>
-                              <p:par>
-                                <p:cTn id="14" presetID="10" presetClass="entr" presetSubtype="0" fill="hold" grpId="0" nodeType="clickEffect">
-                                  <p:stCondLst>
-                                    <p:cond delay="0"/>
-                                  </p:stCondLst>
-                                  <p:childTnLst>
-                                    <p:set>
-                                      <p:cBhvr>
-                                        <p:cTn id="15" dur="1" fill="hold">
-                                          <p:stCondLst>
-                                            <p:cond delay="0"/>
-                                          </p:stCondLst>
-                                        </p:cTn>
-                                        <p:tgtEl>
-                                          <p:spTgt spid="5">
-                                            <p:txEl>
-                                              <p:pRg st="3" end="3"/>
-                                            </p:txEl>
-                                          </p:spTgt>
-                                        </p:tgtEl>
-                                        <p:attrNameLst>
-                                          <p:attrName>style.visibility</p:attrName>
-                                        </p:attrNameLst>
-                                      </p:cBhvr>
-                                      <p:to>
-                                        <p:strVal val="visible"/>
-                                      </p:to>
-                                    </p:set>
-                                    <p:animEffect transition="in" filter="fade">
-                                      <p:cBhvr>
-                                        <p:cTn id="16" dur="500"/>
-                                        <p:tgtEl>
-                                          <p:spTgt spid="5">
-                                            <p:txEl>
-                                              <p:pRg st="3" end="3"/>
-                                            </p:txEl>
-                                          </p:spTgt>
-                                        </p:tgtEl>
-                                      </p:cBhvr>
-                                    </p:animEffect>
-                                  </p:childTnLst>
-                                </p:cTn>
-                              </p:par>
-                            </p:childTnLst>
-                          </p:cTn>
-                        </p:par>
-                      </p:childTnLst>
-                    </p:cTn>
-                  </p:par>
-                  <p:par>
-                    <p:cTn id="17" fill="hold">
-                      <p:stCondLst>
-                        <p:cond delay="indefinite"/>
-                      </p:stCondLst>
-                      <p:childTnLst>
-                        <p:par>
-                          <p:cTn id="18" fill="hold">
-                            <p:stCondLst>
-                              <p:cond delay="0"/>
-                            </p:stCondLst>
-                            <p:childTnLst>
-                              <p:par>
-                                <p:cTn id="19" presetID="10" presetClass="entr" presetSubtype="0" fill="hold" grpId="0" nodeType="clickEffect">
-                                  <p:stCondLst>
-                                    <p:cond delay="0"/>
-                                  </p:stCondLst>
-                                  <p:childTnLst>
-                                    <p:set>
-                                      <p:cBhvr>
-                                        <p:cTn id="20" dur="1" fill="hold">
-                                          <p:stCondLst>
-                                            <p:cond delay="0"/>
-                                          </p:stCondLst>
-                                        </p:cTn>
-                                        <p:tgtEl>
-                                          <p:spTgt spid="5">
-                                            <p:txEl>
-                                              <p:pRg st="5" end="5"/>
-                                            </p:txEl>
-                                          </p:spTgt>
-                                        </p:tgtEl>
-                                        <p:attrNameLst>
-                                          <p:attrName>style.visibility</p:attrName>
-                                        </p:attrNameLst>
-                                      </p:cBhvr>
-                                      <p:to>
-                                        <p:strVal val="visible"/>
-                                      </p:to>
-                                    </p:set>
-                                    <p:animEffect transition="in" filter="fade">
-                                      <p:cBhvr>
-                                        <p:cTn id="21" dur="500"/>
-                                        <p:tgtEl>
-                                          <p:spTgt spid="5">
-                                            <p:txEl>
-                                              <p:pRg st="5" end="5"/>
-                                            </p:txEl>
-                                          </p:spTgt>
-                                        </p:tgtEl>
-                                      </p:cBhvr>
-                                    </p:animEffect>
-                                  </p:childTnLst>
-                                </p:cTn>
-                              </p:par>
-                            </p:childTnLst>
-                          </p:cTn>
-                        </p:par>
-                      </p:childTnLst>
-                    </p:cTn>
-                  </p:par>
-                </p:childTnLst>
-              </p:cTn>
-              <p:prevCondLst>
-                <p:cond evt="onPrev" delay="0">
-                  <p:tgtEl>
-                    <p:sldTgt/>
-                  </p:tgtEl>
-                </p:cond>
-              </p:prevCondLst>
-              <p:nextCondLst>
-                <p:cond evt="onNext" delay="0">
-                  <p:tgtEl>
-                    <p:sldTgt/>
-                  </p:tgtEl>
-                </p:cond>
-              </p:nextCondLst>
-            </p:seq>
-          </p:childTnLst>
-        </p:cTn>
-      </p:par>
-    </p:tnLst>
-    <p:bldLst>
-      <p:bldP spid="5" grpId="0" uiExpand="1" build="allAtOnce"/>
-    </p:bldLst>
-  </p:timing>
 </p:sld>
 </file>
 
@@ -17659,7 +16466,7 @@
               <a:rPr lang="pt-BR" sz="1600" dirty="0">
                 <a:solidFill>
                   <a:schemeClr val="bg1">
-                    <a:lumMod val="75000"/>
+                    <a:lumMod val="50000"/>
                   </a:schemeClr>
                 </a:solidFill>
                 <a:latin typeface="HERO" panose="00000500000000000000" pitchFamily="50" charset="0"/>

--- a/Documentacao/Sobre o projeto/Apresentação Synergy.pptx
+++ b/Documentacao/Sobre o projeto/Apresentação Synergy.pptx
@@ -15470,35 +15470,26 @@
                                   </p:childTnLst>
                                 </p:cTn>
                               </p:par>
+                            </p:childTnLst>
+                          </p:cTn>
+                        </p:par>
+                      </p:childTnLst>
+                    </p:cTn>
+                  </p:par>
+                  <p:par>
+                    <p:cTn id="33" fill="hold">
+                      <p:stCondLst>
+                        <p:cond delay="indefinite"/>
+                      </p:stCondLst>
+                      <p:childTnLst>
+                        <p:par>
+                          <p:cTn id="34" fill="hold">
+                            <p:stCondLst>
+                              <p:cond delay="0"/>
+                            </p:stCondLst>
+                            <p:childTnLst>
                               <p:par>
-                                <p:cTn id="33" presetID="1" presetClass="entr" presetSubtype="0" fill="hold" nodeType="withEffect">
-                                  <p:stCondLst>
-                                    <p:cond delay="0"/>
-                                  </p:stCondLst>
-                                  <p:childTnLst>
-                                    <p:set>
-                                      <p:cBhvr>
-                                        <p:cTn id="34" dur="1" fill="hold">
-                                          <p:stCondLst>
-                                            <p:cond delay="0"/>
-                                          </p:stCondLst>
-                                        </p:cTn>
-                                        <p:tgtEl>
-                                          <p:spTgt spid="22"/>
-                                        </p:tgtEl>
-                                        <p:attrNameLst>
-                                          <p:attrName>style.visibility</p:attrName>
-                                        </p:attrNameLst>
-                                      </p:cBhvr>
-                                      <p:to>
-                                        <p:strVal val="visible"/>
-                                      </p:to>
-                                    </p:set>
-                                  </p:childTnLst>
-                                </p:cTn>
-                              </p:par>
-                              <p:par>
-                                <p:cTn id="35" presetID="1" presetClass="entr" presetSubtype="0" fill="hold" grpId="0" nodeType="withEffect">
+                                <p:cTn id="35" presetID="1" presetClass="entr" presetSubtype="0" fill="hold" nodeType="clickEffect">
                                   <p:stCondLst>
                                     <p:cond delay="0"/>
                                   </p:stCondLst>
@@ -15511,7 +15502,7 @@
                                           </p:stCondLst>
                                         </p:cTn>
                                         <p:tgtEl>
-                                          <p:spTgt spid="10"/>
+                                          <p:spTgt spid="22"/>
                                         </p:tgtEl>
                                         <p:attrNameLst>
                                           <p:attrName>style.visibility</p:attrName>
@@ -15539,6 +15530,33 @@
                                         </p:cTn>
                                         <p:tgtEl>
                                           <p:spTgt spid="9"/>
+                                        </p:tgtEl>
+                                        <p:attrNameLst>
+                                          <p:attrName>style.visibility</p:attrName>
+                                        </p:attrNameLst>
+                                      </p:cBhvr>
+                                      <p:to>
+                                        <p:strVal val="visible"/>
+                                      </p:to>
+                                    </p:set>
+                                  </p:childTnLst>
+                                </p:cTn>
+                              </p:par>
+                              <p:par>
+                                <p:cTn id="39" presetID="1" presetClass="entr" presetSubtype="0" fill="hold" grpId="0" nodeType="withEffect">
+                                  <p:stCondLst>
+                                    <p:cond delay="0"/>
+                                  </p:stCondLst>
+                                  <p:childTnLst>
+                                    <p:set>
+                                      <p:cBhvr>
+                                        <p:cTn id="40" dur="1" fill="hold">
+                                          <p:stCondLst>
+                                            <p:cond delay="0"/>
+                                          </p:stCondLst>
+                                        </p:cTn>
+                                        <p:tgtEl>
+                                          <p:spTgt spid="10"/>
                                         </p:tgtEl>
                                         <p:attrNameLst>
                                           <p:attrName>style.visibility</p:attrName>

--- a/Documentacao/Sobre o projeto/Apresentação Synergy.pptx
+++ b/Documentacao/Sobre o projeto/Apresentação Synergy.pptx
@@ -9244,10 +9244,10 @@
       </p:pic>
       <p:pic>
         <p:nvPicPr>
-          <p:cNvPr id="3" name="Imagem 2">
-            <a:extLst>
-              <a:ext uri="{FF2B5EF4-FFF2-40B4-BE49-F238E27FC236}">
-                <a16:creationId xmlns:a16="http://schemas.microsoft.com/office/drawing/2014/main" id="{8E4FA064-9DE1-4FBA-9421-42BF980EEADB}"/>
+          <p:cNvPr id="2" name="Imagem 1">
+            <a:extLst>
+              <a:ext uri="{FF2B5EF4-FFF2-40B4-BE49-F238E27FC236}">
+                <a16:creationId xmlns:a16="http://schemas.microsoft.com/office/drawing/2014/main" id="{396023B1-E3F8-4975-8EC9-B8CFCB4C6DA0}"/>
               </a:ext>
             </a:extLst>
           </p:cNvPr>
@@ -9264,8 +9264,8 @@
         </p:blipFill>
         <p:spPr>
           <a:xfrm>
-            <a:off x="3761570" y="1400174"/>
-            <a:ext cx="4496605" cy="5228431"/>
+            <a:off x="4071695" y="1428061"/>
+            <a:ext cx="4456485" cy="5134794"/>
           </a:xfrm>
           <a:prstGeom prst="rect">
             <a:avLst/>
@@ -9572,10 +9572,10 @@
       </p:grpSpPr>
       <p:pic>
         <p:nvPicPr>
-          <p:cNvPr id="41" name="Imagem 40">
-            <a:extLst>
-              <a:ext uri="{FF2B5EF4-FFF2-40B4-BE49-F238E27FC236}">
-                <a16:creationId xmlns:a16="http://schemas.microsoft.com/office/drawing/2014/main" id="{A0E446E0-E6F7-4D39-A3CB-C501EB07AD8B}"/>
+          <p:cNvPr id="14" name="Imagem 13">
+            <a:extLst>
+              <a:ext uri="{FF2B5EF4-FFF2-40B4-BE49-F238E27FC236}">
+                <a16:creationId xmlns:a16="http://schemas.microsoft.com/office/drawing/2014/main" id="{C9532719-C70D-404A-A442-373A62E4EF86}"/>
               </a:ext>
             </a:extLst>
           </p:cNvPr>
@@ -9592,8 +9592,8 @@
         </p:blipFill>
         <p:spPr>
           <a:xfrm>
-            <a:off x="4968944" y="1658364"/>
-            <a:ext cx="6178887" cy="4159086"/>
+            <a:off x="4927013" y="1714520"/>
+            <a:ext cx="6243907" cy="4144831"/>
           </a:xfrm>
           <a:prstGeom prst="rect">
             <a:avLst/>
@@ -9602,10 +9602,10 @@
       </p:pic>
       <p:pic>
         <p:nvPicPr>
-          <p:cNvPr id="43" name="Imagem 42">
-            <a:extLst>
-              <a:ext uri="{FF2B5EF4-FFF2-40B4-BE49-F238E27FC236}">
-                <a16:creationId xmlns:a16="http://schemas.microsoft.com/office/drawing/2014/main" id="{9EE493BD-E2B6-44F2-A6D6-014862672BD5}"/>
+          <p:cNvPr id="41" name="Imagem 40">
+            <a:extLst>
+              <a:ext uri="{FF2B5EF4-FFF2-40B4-BE49-F238E27FC236}">
+                <a16:creationId xmlns:a16="http://schemas.microsoft.com/office/drawing/2014/main" id="{A0E446E0-E6F7-4D39-A3CB-C501EB07AD8B}"/>
               </a:ext>
             </a:extLst>
           </p:cNvPr>
@@ -9622,7 +9622,37 @@
         </p:blipFill>
         <p:spPr>
           <a:xfrm>
-            <a:off x="4971858" y="1655321"/>
+            <a:off x="4968944" y="1746434"/>
+            <a:ext cx="6178887" cy="4112919"/>
+          </a:xfrm>
+          <a:prstGeom prst="rect">
+            <a:avLst/>
+          </a:prstGeom>
+        </p:spPr>
+      </p:pic>
+      <p:pic>
+        <p:nvPicPr>
+          <p:cNvPr id="43" name="Imagem 42">
+            <a:extLst>
+              <a:ext uri="{FF2B5EF4-FFF2-40B4-BE49-F238E27FC236}">
+                <a16:creationId xmlns:a16="http://schemas.microsoft.com/office/drawing/2014/main" id="{9EE493BD-E2B6-44F2-A6D6-014862672BD5}"/>
+              </a:ext>
+            </a:extLst>
+          </p:cNvPr>
+          <p:cNvPicPr>
+            <a:picLocks noChangeAspect="1"/>
+          </p:cNvPicPr>
+          <p:nvPr/>
+        </p:nvPicPr>
+        <p:blipFill>
+          <a:blip r:embed="rId4"/>
+          <a:stretch>
+            <a:fillRect/>
+          </a:stretch>
+        </p:blipFill>
+        <p:spPr>
+          <a:xfrm>
+            <a:off x="4936433" y="1704273"/>
             <a:ext cx="6178887" cy="4159087"/>
           </a:xfrm>
           <a:prstGeom prst="rect">
@@ -9967,7 +9997,7 @@
           <p:nvPr/>
         </p:nvPicPr>
         <p:blipFill>
-          <a:blip r:embed="rId4">
+          <a:blip r:embed="rId5">
             <a:extLst>
               <a:ext uri="{28A0092B-C50C-407E-A947-70E740481C1C}">
                 <a14:useLocalDpi xmlns:a14="http://schemas.microsoft.com/office/drawing/2010/main" val="0"/>
@@ -10003,7 +10033,7 @@
           <p:nvPr/>
         </p:nvPicPr>
         <p:blipFill>
-          <a:blip r:embed="rId5" cstate="hqprint">
+          <a:blip r:embed="rId6" cstate="hqprint">
             <a:extLst>
               <a:ext uri="{28A0092B-C50C-407E-A947-70E740481C1C}">
                 <a14:useLocalDpi xmlns:a14="http://schemas.microsoft.com/office/drawing/2010/main" val="0"/>
@@ -10030,36 +10060,6 @@
             <a:extLst>
               <a:ext uri="{FF2B5EF4-FFF2-40B4-BE49-F238E27FC236}">
                 <a16:creationId xmlns:a16="http://schemas.microsoft.com/office/drawing/2014/main" id="{1A47ADCA-36F8-4550-8FA7-5912AE94DDF4}"/>
-              </a:ext>
-            </a:extLst>
-          </p:cNvPr>
-          <p:cNvPicPr>
-            <a:picLocks noChangeAspect="1"/>
-          </p:cNvPicPr>
-          <p:nvPr/>
-        </p:nvPicPr>
-        <p:blipFill>
-          <a:blip r:embed="rId6"/>
-          <a:stretch>
-            <a:fillRect/>
-          </a:stretch>
-        </p:blipFill>
-        <p:spPr>
-          <a:xfrm>
-            <a:off x="4930140" y="1660443"/>
-            <a:ext cx="6217692" cy="4148841"/>
-          </a:xfrm>
-          <a:prstGeom prst="rect">
-            <a:avLst/>
-          </a:prstGeom>
-        </p:spPr>
-      </p:pic>
-      <p:pic>
-        <p:nvPicPr>
-          <p:cNvPr id="36" name="Imagem 35">
-            <a:extLst>
-              <a:ext uri="{FF2B5EF4-FFF2-40B4-BE49-F238E27FC236}">
-                <a16:creationId xmlns:a16="http://schemas.microsoft.com/office/drawing/2014/main" id="{C927F9B8-1EF6-4523-8153-BD718E079D80}"/>
               </a:ext>
             </a:extLst>
           </p:cNvPr>
@@ -10076,7 +10076,37 @@
         </p:blipFill>
         <p:spPr>
           <a:xfrm>
-            <a:off x="4927013" y="1655319"/>
+            <a:off x="4930139" y="1714519"/>
+            <a:ext cx="6217692" cy="4144834"/>
+          </a:xfrm>
+          <a:prstGeom prst="rect">
+            <a:avLst/>
+          </a:prstGeom>
+        </p:spPr>
+      </p:pic>
+      <p:pic>
+        <p:nvPicPr>
+          <p:cNvPr id="36" name="Imagem 35">
+            <a:extLst>
+              <a:ext uri="{FF2B5EF4-FFF2-40B4-BE49-F238E27FC236}">
+                <a16:creationId xmlns:a16="http://schemas.microsoft.com/office/drawing/2014/main" id="{C927F9B8-1EF6-4523-8153-BD718E079D80}"/>
+              </a:ext>
+            </a:extLst>
+          </p:cNvPr>
+          <p:cNvPicPr>
+            <a:picLocks noChangeAspect="1"/>
+          </p:cNvPicPr>
+          <p:nvPr/>
+        </p:nvPicPr>
+        <p:blipFill>
+          <a:blip r:embed="rId8"/>
+          <a:stretch>
+            <a:fillRect/>
+          </a:stretch>
+        </p:blipFill>
+        <p:spPr>
+          <a:xfrm>
+            <a:off x="4903924" y="1715592"/>
             <a:ext cx="6243907" cy="4144834"/>
           </a:xfrm>
           <a:prstGeom prst="rect">
@@ -10179,7 +10209,7 @@
                                     <p:cond delay="0"/>
                                   </p:stCondLst>
                                   <p:childTnLst>
-                                    <p:animMotion origin="layout" path="M 3.75E-6 1.48148E-6 L 0.76627 1.48148E-6 " pathEditMode="relative" rAng="0" ptsTypes="AA">
+                                    <p:animMotion origin="layout" path="M -3.125E-6 -4.81481E-6 L 0.76628 -4.81481E-6 " pathEditMode="relative" rAng="0" ptsTypes="AA">
                                       <p:cBhvr>
                                         <p:cTn id="6" dur="2000" fill="hold"/>
                                         <p:tgtEl>
@@ -10219,7 +10249,7 @@
                                     <p:cond delay="0"/>
                                   </p:stCondLst>
                                   <p:childTnLst>
-                                    <p:animMotion origin="layout" path="M 5E-6 -4.44444E-6 L 0.79011 -4.44444E-6 " pathEditMode="relative" rAng="0" ptsTypes="AA">
+                                    <p:animMotion origin="layout" path="M 5E-6 -3.33333E-6 L 0.79011 -3.33333E-6 " pathEditMode="relative" rAng="0" ptsTypes="AA">
                                       <p:cBhvr>
                                         <p:cTn id="10" dur="2000" fill="hold"/>
                                         <p:tgtEl>
@@ -10259,7 +10289,7 @@
                                     <p:cond delay="0"/>
                                   </p:stCondLst>
                                   <p:childTnLst>
-                                    <p:animMotion origin="layout" path="M 2.08333E-6 4.07407E-6 L 0.82187 4.07407E-6 " pathEditMode="relative" rAng="0" ptsTypes="AA">
+                                    <p:animMotion origin="layout" path="M -3.33333E-6 -3.7037E-7 L 0.82188 -3.7037E-7 " pathEditMode="relative" rAng="0" ptsTypes="AA">
                                       <p:cBhvr>
                                         <p:cTn id="14" dur="2000" fill="hold"/>
                                         <p:tgtEl>
@@ -10271,6 +10301,46 @@
                                         </p:attrNameLst>
                                       </p:cBhvr>
                                       <p:rCtr x="41094" y="0"/>
+                                    </p:animMotion>
+                                  </p:childTnLst>
+                                </p:cTn>
+                              </p:par>
+                            </p:childTnLst>
+                          </p:cTn>
+                        </p:par>
+                      </p:childTnLst>
+                    </p:cTn>
+                  </p:par>
+                  <p:par>
+                    <p:cTn id="15" fill="hold">
+                      <p:stCondLst>
+                        <p:cond delay="indefinite"/>
+                      </p:stCondLst>
+                      <p:childTnLst>
+                        <p:par>
+                          <p:cTn id="16" fill="hold">
+                            <p:stCondLst>
+                              <p:cond delay="0"/>
+                            </p:stCondLst>
+                            <p:childTnLst>
+                              <p:par>
+                                <p:cTn id="17" presetID="42" presetClass="path" presetSubtype="0" accel="50000" decel="50000" fill="hold" nodeType="clickEffect">
+                                  <p:stCondLst>
+                                    <p:cond delay="0"/>
+                                  </p:stCondLst>
+                                  <p:childTnLst>
+                                    <p:animMotion origin="layout" path="M 2.5E-6 1.85185E-6 L 0.82942 -0.00486 " pathEditMode="relative" rAng="0" ptsTypes="AA">
+                                      <p:cBhvr>
+                                        <p:cTn id="18" dur="2000" fill="hold"/>
+                                        <p:tgtEl>
+                                          <p:spTgt spid="41"/>
+                                        </p:tgtEl>
+                                        <p:attrNameLst>
+                                          <p:attrName>ppt_x</p:attrName>
+                                          <p:attrName>ppt_y</p:attrName>
+                                        </p:attrNameLst>
+                                      </p:cBhvr>
+                                      <p:rCtr x="41471" y="-255"/>
                                     </p:animMotion>
                                   </p:childTnLst>
                                 </p:cTn>

--- a/Documentacao/Sobre o projeto/Apresentação Synergy.pptx
+++ b/Documentacao/Sobre o projeto/Apresentação Synergy.pptx
@@ -9585,15 +9585,20 @@
           <p:nvPr/>
         </p:nvPicPr>
         <p:blipFill>
-          <a:blip r:embed="rId2"/>
-          <a:stretch>
-            <a:fillRect/>
-          </a:stretch>
+          <a:blip r:embed="rId2">
+            <a:extLst>
+              <a:ext uri="{28A0092B-C50C-407E-A947-70E740481C1C}">
+                <a14:useLocalDpi xmlns:a14="http://schemas.microsoft.com/office/drawing/2010/main" val="0"/>
+              </a:ext>
+            </a:extLst>
+          </a:blip>
+          <a:srcRect/>
+          <a:stretch/>
         </p:blipFill>
         <p:spPr>
           <a:xfrm>
-            <a:off x="4927013" y="1714520"/>
-            <a:ext cx="6243907" cy="4144831"/>
+            <a:off x="4940343" y="1714520"/>
+            <a:ext cx="6217246" cy="4144831"/>
           </a:xfrm>
           <a:prstGeom prst="rect">
             <a:avLst/>
@@ -9622,8 +9627,8 @@
         </p:blipFill>
         <p:spPr>
           <a:xfrm>
-            <a:off x="4968944" y="1746434"/>
-            <a:ext cx="6178887" cy="4112919"/>
+            <a:off x="4930139" y="1700264"/>
+            <a:ext cx="6207488" cy="4112919"/>
           </a:xfrm>
           <a:prstGeom prst="rect">
             <a:avLst/>
@@ -9652,8 +9657,8 @@
         </p:blipFill>
         <p:spPr>
           <a:xfrm>
-            <a:off x="4936433" y="1704273"/>
-            <a:ext cx="6178887" cy="4159087"/>
+            <a:off x="4940343" y="1714520"/>
+            <a:ext cx="6207488" cy="4159087"/>
           </a:xfrm>
           <a:prstGeom prst="rect">
             <a:avLst/>
@@ -10076,7 +10081,7 @@
         </p:blipFill>
         <p:spPr>
           <a:xfrm>
-            <a:off x="4930139" y="1714519"/>
+            <a:off x="4930139" y="1728773"/>
             <a:ext cx="6217692" cy="4144834"/>
           </a:xfrm>
           <a:prstGeom prst="rect">
@@ -10106,7 +10111,7 @@
         </p:blipFill>
         <p:spPr>
           <a:xfrm>
-            <a:off x="4903924" y="1715592"/>
+            <a:off x="4940343" y="1714517"/>
             <a:ext cx="6243907" cy="4144834"/>
           </a:xfrm>
           <a:prstGeom prst="rect">
@@ -10209,7 +10214,7 @@
                                     <p:cond delay="0"/>
                                   </p:stCondLst>
                                   <p:childTnLst>
-                                    <p:animMotion origin="layout" path="M -3.125E-6 -4.81481E-6 L 0.76628 -4.81481E-6 " pathEditMode="relative" rAng="0" ptsTypes="AA">
+                                    <p:animMotion origin="layout" path="M 2.08333E-6 -3.33333E-6 L 0.76627 -3.33333E-6 " pathEditMode="relative" rAng="0" ptsTypes="AA">
                                       <p:cBhvr>
                                         <p:cTn id="6" dur="2000" fill="hold"/>
                                         <p:tgtEl>
@@ -10249,7 +10254,7 @@
                                     <p:cond delay="0"/>
                                   </p:stCondLst>
                                   <p:childTnLst>
-                                    <p:animMotion origin="layout" path="M 5E-6 -3.33333E-6 L 0.79011 -3.33333E-6 " pathEditMode="relative" rAng="0" ptsTypes="AA">
+                                    <p:animMotion origin="layout" path="M 5E-6 3.33333E-6 L 0.79011 3.33333E-6 " pathEditMode="relative" rAng="0" ptsTypes="AA">
                                       <p:cBhvr>
                                         <p:cTn id="10" dur="2000" fill="hold"/>
                                         <p:tgtEl>
@@ -10289,7 +10294,7 @@
                                     <p:cond delay="0"/>
                                   </p:stCondLst>
                                   <p:childTnLst>
-                                    <p:animMotion origin="layout" path="M -3.33333E-6 -3.7037E-7 L 0.82188 -3.7037E-7 " pathEditMode="relative" rAng="0" ptsTypes="AA">
+                                    <p:animMotion origin="layout" path="M 4.375E-6 -7.40741E-7 L 0.82187 -7.40741E-7 " pathEditMode="relative" rAng="0" ptsTypes="AA">
                                       <p:cBhvr>
                                         <p:cTn id="14" dur="2000" fill="hold"/>
                                         <p:tgtEl>
@@ -10329,7 +10334,7 @@
                                     <p:cond delay="0"/>
                                   </p:stCondLst>
                                   <p:childTnLst>
-                                    <p:animMotion origin="layout" path="M 2.5E-6 1.85185E-6 L 0.82942 -0.00486 " pathEditMode="relative" rAng="0" ptsTypes="AA">
+                                    <p:animMotion origin="layout" path="M -4.375E-6 4.81481E-6 L 0.82943 -0.00487 " pathEditMode="relative" rAng="0" ptsTypes="AA">
                                       <p:cBhvr>
                                         <p:cTn id="18" dur="2000" fill="hold"/>
                                         <p:tgtEl>
